--- a/CapstoneProjectTemplate-210213-230632.pptx
+++ b/CapstoneProjectTemplate-210213-230632.pptx
@@ -2,68 +2,69 @@
 <file path=ppt/presentation.xml><?xml version="1.0" encoding="utf-8"?>
 <p:presentation xmlns:a="http://schemas.openxmlformats.org/drawingml/2006/main" xmlns:r="http://schemas.openxmlformats.org/officeDocument/2006/relationships" xmlns:p="http://schemas.openxmlformats.org/presentationml/2006/main" strictFirstAndLastChars="0" embedTrueTypeFonts="1" saveSubsetFonts="1" autoCompressPictures="0">
   <p:sldMasterIdLst>
-    <p:sldMasterId id="2147483659" r:id="rId1"/>
+    <p:sldMasterId id="2147483648" r:id="rId1"/>
   </p:sldMasterIdLst>
   <p:notesMasterIdLst>
-    <p:notesMasterId r:id="rId27"/>
+    <p:notesMasterId r:id="rId4"/>
   </p:notesMasterIdLst>
   <p:sldIdLst>
-    <p:sldId id="256" r:id="rId2"/>
-    <p:sldId id="272" r:id="rId3"/>
-    <p:sldId id="303" r:id="rId4"/>
-    <p:sldId id="304" r:id="rId5"/>
-    <p:sldId id="257" r:id="rId6"/>
-    <p:sldId id="258" r:id="rId7"/>
-    <p:sldId id="259" r:id="rId8"/>
-    <p:sldId id="260" r:id="rId9"/>
-    <p:sldId id="261" r:id="rId10"/>
-    <p:sldId id="262" r:id="rId11"/>
-    <p:sldId id="263" r:id="rId12"/>
-    <p:sldId id="264" r:id="rId13"/>
-    <p:sldId id="265" r:id="rId14"/>
-    <p:sldId id="266" r:id="rId15"/>
-    <p:sldId id="267" r:id="rId16"/>
-    <p:sldId id="268" r:id="rId17"/>
-    <p:sldId id="269" r:id="rId18"/>
-    <p:sldId id="270" r:id="rId19"/>
-    <p:sldId id="271" r:id="rId20"/>
-    <p:sldId id="273" r:id="rId21"/>
-    <p:sldId id="274" r:id="rId22"/>
-    <p:sldId id="275" r:id="rId23"/>
-    <p:sldId id="276" r:id="rId24"/>
-    <p:sldId id="277" r:id="rId25"/>
-    <p:sldId id="337" r:id="rId26"/>
+    <p:sldId id="256" r:id="rId3"/>
+    <p:sldId id="272" r:id="rId5"/>
+    <p:sldId id="303" r:id="rId6"/>
+    <p:sldId id="304" r:id="rId7"/>
+    <p:sldId id="257" r:id="rId8"/>
+    <p:sldId id="258" r:id="rId9"/>
+    <p:sldId id="259" r:id="rId10"/>
+    <p:sldId id="260" r:id="rId11"/>
+    <p:sldId id="261" r:id="rId12"/>
+    <p:sldId id="262" r:id="rId13"/>
+    <p:sldId id="263" r:id="rId14"/>
+    <p:sldId id="264" r:id="rId15"/>
+    <p:sldId id="265" r:id="rId16"/>
+    <p:sldId id="266" r:id="rId17"/>
+    <p:sldId id="267" r:id="rId18"/>
+    <p:sldId id="268" r:id="rId19"/>
+    <p:sldId id="269" r:id="rId20"/>
+    <p:sldId id="270" r:id="rId21"/>
+    <p:sldId id="271" r:id="rId22"/>
+    <p:sldId id="273" r:id="rId23"/>
+    <p:sldId id="274" r:id="rId24"/>
+    <p:sldId id="275" r:id="rId25"/>
+    <p:sldId id="276" r:id="rId26"/>
+    <p:sldId id="277" r:id="rId27"/>
+    <p:sldId id="338" r:id="rId28"/>
+    <p:sldId id="340" r:id="rId29"/>
+    <p:sldId id="339" r:id="rId30"/>
+    <p:sldId id="337" r:id="rId31"/>
   </p:sldIdLst>
   <p:sldSz cx="9144000" cy="5143500" type="screen16x9"/>
   <p:notesSz cx="6858000" cy="9144000"/>
   <p:embeddedFontLst>
     <p:embeddedFont>
-      <p:font typeface="Bahnschrift Condensed" panose="020B0502040204020203" pitchFamily="34" charset="0"/>
-      <p:regular r:id="rId28"/>
-      <p:bold r:id="rId29"/>
+      <p:font typeface="Montserrat" panose="00000500000000000000"/>
+      <p:regular r:id="rId35"/>
+      <p:bold r:id="rId36"/>
+      <p:boldItalic r:id="rId37"/>
+    </p:embeddedFont>
+    <p:embeddedFont>
+      <p:font typeface="Copperplate Gothic Bold" panose="020E0705020206020404" pitchFamily="34" charset="0"/>
+      <p:regular r:id="rId38"/>
+    </p:embeddedFont>
+    <p:embeddedFont>
+      <p:font typeface="Bahnschrift SemiBold" panose="020B0502040204020203" pitchFamily="34" charset="0"/>
+      <p:bold r:id="rId39"/>
+    </p:embeddedFont>
+    <p:embeddedFont>
+      <p:font typeface="Mongolian Baiti" panose="03000500000000000000" pitchFamily="66" charset="0"/>
+      <p:regular r:id="rId40"/>
     </p:embeddedFont>
     <p:embeddedFont>
       <p:font typeface="Bahnschrift Light" panose="020B0502040204020203" pitchFamily="34" charset="0"/>
-      <p:regular r:id="rId30"/>
+      <p:regular r:id="rId41"/>
     </p:embeddedFont>
     <p:embeddedFont>
-      <p:font typeface="Bahnschrift SemiBold" panose="020B0502040204020203" pitchFamily="34" charset="0"/>
-      <p:bold r:id="rId31"/>
-    </p:embeddedFont>
-    <p:embeddedFont>
-      <p:font typeface="Copperplate Gothic Bold" panose="020E0705020206020404" pitchFamily="34" charset="0"/>
-      <p:regular r:id="rId32"/>
-    </p:embeddedFont>
-    <p:embeddedFont>
-      <p:font typeface="Mongolian Baiti" panose="03000500000000000000" pitchFamily="66" charset="0"/>
-      <p:regular r:id="rId33"/>
-    </p:embeddedFont>
-    <p:embeddedFont>
-      <p:font typeface="Montserrat" panose="020B0604020202020204" charset="0"/>
-      <p:regular r:id="rId34"/>
-      <p:bold r:id="rId35"/>
-      <p:italic r:id="rId36"/>
-      <p:boldItalic r:id="rId37"/>
+      <p:font typeface="Bahnschrift Condensed" panose="020B0502040204020203" pitchFamily="34" charset="0"/>
+      <p:regular r:id="rId42"/>
     </p:embeddedFont>
   </p:embeddedFontLst>
   <p:defaultTextStyle>
@@ -91,15 +92,15 @@
       <a:buClr>
         <a:srgbClr val="000000"/>
       </a:buClr>
-      <a:buFont typeface="Arial"/>
+      <a:buFont typeface="Arial" panose="020B0604020202020204"/>
       <a:defRPr sz="1400" b="0" i="0" u="none" strike="noStrike" cap="none">
         <a:solidFill>
           <a:srgbClr val="000000"/>
         </a:solidFill>
-        <a:latin typeface="Arial"/>
-        <a:ea typeface="Arial"/>
-        <a:cs typeface="Arial"/>
-        <a:sym typeface="Arial"/>
+        <a:latin typeface="Arial" panose="020B0604020202020204"/>
+        <a:ea typeface="Arial" panose="020B0604020202020204"/>
+        <a:cs typeface="Arial" panose="020B0604020202020204"/>
+        <a:sym typeface="Arial" panose="020B0604020202020204"/>
       </a:defRPr>
     </a:lvl1pPr>
     <a:lvl2pPr marR="0" lvl="1" algn="l" rtl="0">
@@ -115,15 +116,15 @@
       <a:buClr>
         <a:srgbClr val="000000"/>
       </a:buClr>
-      <a:buFont typeface="Arial"/>
+      <a:buFont typeface="Arial" panose="020B0604020202020204"/>
       <a:defRPr sz="1400" b="0" i="0" u="none" strike="noStrike" cap="none">
         <a:solidFill>
           <a:srgbClr val="000000"/>
         </a:solidFill>
-        <a:latin typeface="Arial"/>
-        <a:ea typeface="Arial"/>
-        <a:cs typeface="Arial"/>
-        <a:sym typeface="Arial"/>
+        <a:latin typeface="Arial" panose="020B0604020202020204"/>
+        <a:ea typeface="Arial" panose="020B0604020202020204"/>
+        <a:cs typeface="Arial" panose="020B0604020202020204"/>
+        <a:sym typeface="Arial" panose="020B0604020202020204"/>
       </a:defRPr>
     </a:lvl2pPr>
     <a:lvl3pPr marR="0" lvl="2" algn="l" rtl="0">
@@ -139,15 +140,15 @@
       <a:buClr>
         <a:srgbClr val="000000"/>
       </a:buClr>
-      <a:buFont typeface="Arial"/>
+      <a:buFont typeface="Arial" panose="020B0604020202020204"/>
       <a:defRPr sz="1400" b="0" i="0" u="none" strike="noStrike" cap="none">
         <a:solidFill>
           <a:srgbClr val="000000"/>
         </a:solidFill>
-        <a:latin typeface="Arial"/>
-        <a:ea typeface="Arial"/>
-        <a:cs typeface="Arial"/>
-        <a:sym typeface="Arial"/>
+        <a:latin typeface="Arial" panose="020B0604020202020204"/>
+        <a:ea typeface="Arial" panose="020B0604020202020204"/>
+        <a:cs typeface="Arial" panose="020B0604020202020204"/>
+        <a:sym typeface="Arial" panose="020B0604020202020204"/>
       </a:defRPr>
     </a:lvl3pPr>
     <a:lvl4pPr marR="0" lvl="3" algn="l" rtl="0">
@@ -163,15 +164,15 @@
       <a:buClr>
         <a:srgbClr val="000000"/>
       </a:buClr>
-      <a:buFont typeface="Arial"/>
+      <a:buFont typeface="Arial" panose="020B0604020202020204"/>
       <a:defRPr sz="1400" b="0" i="0" u="none" strike="noStrike" cap="none">
         <a:solidFill>
           <a:srgbClr val="000000"/>
         </a:solidFill>
-        <a:latin typeface="Arial"/>
-        <a:ea typeface="Arial"/>
-        <a:cs typeface="Arial"/>
-        <a:sym typeface="Arial"/>
+        <a:latin typeface="Arial" panose="020B0604020202020204"/>
+        <a:ea typeface="Arial" panose="020B0604020202020204"/>
+        <a:cs typeface="Arial" panose="020B0604020202020204"/>
+        <a:sym typeface="Arial" panose="020B0604020202020204"/>
       </a:defRPr>
     </a:lvl4pPr>
     <a:lvl5pPr marR="0" lvl="4" algn="l" rtl="0">
@@ -187,15 +188,15 @@
       <a:buClr>
         <a:srgbClr val="000000"/>
       </a:buClr>
-      <a:buFont typeface="Arial"/>
+      <a:buFont typeface="Arial" panose="020B0604020202020204"/>
       <a:defRPr sz="1400" b="0" i="0" u="none" strike="noStrike" cap="none">
         <a:solidFill>
           <a:srgbClr val="000000"/>
         </a:solidFill>
-        <a:latin typeface="Arial"/>
-        <a:ea typeface="Arial"/>
-        <a:cs typeface="Arial"/>
-        <a:sym typeface="Arial"/>
+        <a:latin typeface="Arial" panose="020B0604020202020204"/>
+        <a:ea typeface="Arial" panose="020B0604020202020204"/>
+        <a:cs typeface="Arial" panose="020B0604020202020204"/>
+        <a:sym typeface="Arial" panose="020B0604020202020204"/>
       </a:defRPr>
     </a:lvl5pPr>
     <a:lvl6pPr marR="0" lvl="5" algn="l" rtl="0">
@@ -211,15 +212,15 @@
       <a:buClr>
         <a:srgbClr val="000000"/>
       </a:buClr>
-      <a:buFont typeface="Arial"/>
+      <a:buFont typeface="Arial" panose="020B0604020202020204"/>
       <a:defRPr sz="1400" b="0" i="0" u="none" strike="noStrike" cap="none">
         <a:solidFill>
           <a:srgbClr val="000000"/>
         </a:solidFill>
-        <a:latin typeface="Arial"/>
-        <a:ea typeface="Arial"/>
-        <a:cs typeface="Arial"/>
-        <a:sym typeface="Arial"/>
+        <a:latin typeface="Arial" panose="020B0604020202020204"/>
+        <a:ea typeface="Arial" panose="020B0604020202020204"/>
+        <a:cs typeface="Arial" panose="020B0604020202020204"/>
+        <a:sym typeface="Arial" panose="020B0604020202020204"/>
       </a:defRPr>
     </a:lvl6pPr>
     <a:lvl7pPr marR="0" lvl="6" algn="l" rtl="0">
@@ -235,15 +236,15 @@
       <a:buClr>
         <a:srgbClr val="000000"/>
       </a:buClr>
-      <a:buFont typeface="Arial"/>
+      <a:buFont typeface="Arial" panose="020B0604020202020204"/>
       <a:defRPr sz="1400" b="0" i="0" u="none" strike="noStrike" cap="none">
         <a:solidFill>
           <a:srgbClr val="000000"/>
         </a:solidFill>
-        <a:latin typeface="Arial"/>
-        <a:ea typeface="Arial"/>
-        <a:cs typeface="Arial"/>
-        <a:sym typeface="Arial"/>
+        <a:latin typeface="Arial" panose="020B0604020202020204"/>
+        <a:ea typeface="Arial" panose="020B0604020202020204"/>
+        <a:cs typeface="Arial" panose="020B0604020202020204"/>
+        <a:sym typeface="Arial" panose="020B0604020202020204"/>
       </a:defRPr>
     </a:lvl7pPr>
     <a:lvl8pPr marR="0" lvl="7" algn="l" rtl="0">
@@ -259,15 +260,15 @@
       <a:buClr>
         <a:srgbClr val="000000"/>
       </a:buClr>
-      <a:buFont typeface="Arial"/>
+      <a:buFont typeface="Arial" panose="020B0604020202020204"/>
       <a:defRPr sz="1400" b="0" i="0" u="none" strike="noStrike" cap="none">
         <a:solidFill>
           <a:srgbClr val="000000"/>
         </a:solidFill>
-        <a:latin typeface="Arial"/>
-        <a:ea typeface="Arial"/>
-        <a:cs typeface="Arial"/>
-        <a:sym typeface="Arial"/>
+        <a:latin typeface="Arial" panose="020B0604020202020204"/>
+        <a:ea typeface="Arial" panose="020B0604020202020204"/>
+        <a:cs typeface="Arial" panose="020B0604020202020204"/>
+        <a:sym typeface="Arial" panose="020B0604020202020204"/>
       </a:defRPr>
     </a:lvl8pPr>
     <a:lvl9pPr marR="0" lvl="8" algn="l" rtl="0">
@@ -283,34 +284,18 @@
       <a:buClr>
         <a:srgbClr val="000000"/>
       </a:buClr>
-      <a:buFont typeface="Arial"/>
+      <a:buFont typeface="Arial" panose="020B0604020202020204"/>
       <a:defRPr sz="1400" b="0" i="0" u="none" strike="noStrike" cap="none">
         <a:solidFill>
           <a:srgbClr val="000000"/>
         </a:solidFill>
-        <a:latin typeface="Arial"/>
-        <a:ea typeface="Arial"/>
-        <a:cs typeface="Arial"/>
-        <a:sym typeface="Arial"/>
+        <a:latin typeface="Arial" panose="020B0604020202020204"/>
+        <a:ea typeface="Arial" panose="020B0604020202020204"/>
+        <a:cs typeface="Arial" panose="020B0604020202020204"/>
+        <a:sym typeface="Arial" panose="020B0604020202020204"/>
       </a:defRPr>
     </a:lvl9pPr>
   </p:defaultTextStyle>
-  <p:extLst>
-    <p:ext uri="{EFAFB233-063F-42B5-8137-9DF3F51BA10A}">
-      <p15:sldGuideLst xmlns:p15="http://schemas.microsoft.com/office/powerpoint/2012/main">
-        <p15:guide id="1" orient="horz" pos="1620">
-          <p15:clr>
-            <a:srgbClr val="A4A3A4"/>
-          </p15:clr>
-        </p15:guide>
-        <p15:guide id="2" pos="2880">
-          <p15:clr>
-            <a:srgbClr val="A4A3A4"/>
-          </p15:clr>
-        </p15:guide>
-      </p15:sldGuideLst>
-    </p:ext>
-  </p:extLst>
 </p:presentation>
 </file>
 
@@ -429,16 +414,16 @@
                 <a:srgbClr val="000000"/>
               </a:buClr>
               <a:buSzPts val="1100"/>
-              <a:buFont typeface="Arial"/>
+              <a:buFont typeface="Arial" panose="020B0604020202020204"/>
               <a:buChar char="●"/>
               <a:defRPr sz="1100" b="0" i="0" u="none" strike="noStrike" cap="none">
                 <a:solidFill>
                   <a:srgbClr val="000000"/>
                 </a:solidFill>
-                <a:latin typeface="Arial"/>
-                <a:ea typeface="Arial"/>
-                <a:cs typeface="Arial"/>
-                <a:sym typeface="Arial"/>
+                <a:latin typeface="Arial" panose="020B0604020202020204"/>
+                <a:ea typeface="Arial" panose="020B0604020202020204"/>
+                <a:cs typeface="Arial" panose="020B0604020202020204"/>
+                <a:sym typeface="Arial" panose="020B0604020202020204"/>
               </a:defRPr>
             </a:lvl1pPr>
             <a:lvl2pPr marL="914400" marR="0" lvl="1" indent="-298450" algn="l" rtl="0">
@@ -455,16 +440,16 @@
                 <a:srgbClr val="000000"/>
               </a:buClr>
               <a:buSzPts val="1100"/>
-              <a:buFont typeface="Arial"/>
+              <a:buFont typeface="Arial" panose="020B0604020202020204"/>
               <a:buChar char="○"/>
               <a:defRPr sz="1100" b="0" i="0" u="none" strike="noStrike" cap="none">
                 <a:solidFill>
                   <a:srgbClr val="000000"/>
                 </a:solidFill>
-                <a:latin typeface="Arial"/>
-                <a:ea typeface="Arial"/>
-                <a:cs typeface="Arial"/>
-                <a:sym typeface="Arial"/>
+                <a:latin typeface="Arial" panose="020B0604020202020204"/>
+                <a:ea typeface="Arial" panose="020B0604020202020204"/>
+                <a:cs typeface="Arial" panose="020B0604020202020204"/>
+                <a:sym typeface="Arial" panose="020B0604020202020204"/>
               </a:defRPr>
             </a:lvl2pPr>
             <a:lvl3pPr marL="1371600" marR="0" lvl="2" indent="-298450" algn="l" rtl="0">
@@ -481,16 +466,16 @@
                 <a:srgbClr val="000000"/>
               </a:buClr>
               <a:buSzPts val="1100"/>
-              <a:buFont typeface="Arial"/>
+              <a:buFont typeface="Arial" panose="020B0604020202020204"/>
               <a:buChar char="■"/>
               <a:defRPr sz="1100" b="0" i="0" u="none" strike="noStrike" cap="none">
                 <a:solidFill>
                   <a:srgbClr val="000000"/>
                 </a:solidFill>
-                <a:latin typeface="Arial"/>
-                <a:ea typeface="Arial"/>
-                <a:cs typeface="Arial"/>
-                <a:sym typeface="Arial"/>
+                <a:latin typeface="Arial" panose="020B0604020202020204"/>
+                <a:ea typeface="Arial" panose="020B0604020202020204"/>
+                <a:cs typeface="Arial" panose="020B0604020202020204"/>
+                <a:sym typeface="Arial" panose="020B0604020202020204"/>
               </a:defRPr>
             </a:lvl3pPr>
             <a:lvl4pPr marL="1828800" marR="0" lvl="3" indent="-298450" algn="l" rtl="0">
@@ -507,16 +492,16 @@
                 <a:srgbClr val="000000"/>
               </a:buClr>
               <a:buSzPts val="1100"/>
-              <a:buFont typeface="Arial"/>
+              <a:buFont typeface="Arial" panose="020B0604020202020204"/>
               <a:buChar char="●"/>
               <a:defRPr sz="1100" b="0" i="0" u="none" strike="noStrike" cap="none">
                 <a:solidFill>
                   <a:srgbClr val="000000"/>
                 </a:solidFill>
-                <a:latin typeface="Arial"/>
-                <a:ea typeface="Arial"/>
-                <a:cs typeface="Arial"/>
-                <a:sym typeface="Arial"/>
+                <a:latin typeface="Arial" panose="020B0604020202020204"/>
+                <a:ea typeface="Arial" panose="020B0604020202020204"/>
+                <a:cs typeface="Arial" panose="020B0604020202020204"/>
+                <a:sym typeface="Arial" panose="020B0604020202020204"/>
               </a:defRPr>
             </a:lvl4pPr>
             <a:lvl5pPr marL="2286000" marR="0" lvl="4" indent="-298450" algn="l" rtl="0">
@@ -533,16 +518,16 @@
                 <a:srgbClr val="000000"/>
               </a:buClr>
               <a:buSzPts val="1100"/>
-              <a:buFont typeface="Arial"/>
+              <a:buFont typeface="Arial" panose="020B0604020202020204"/>
               <a:buChar char="○"/>
               <a:defRPr sz="1100" b="0" i="0" u="none" strike="noStrike" cap="none">
                 <a:solidFill>
                   <a:srgbClr val="000000"/>
                 </a:solidFill>
-                <a:latin typeface="Arial"/>
-                <a:ea typeface="Arial"/>
-                <a:cs typeface="Arial"/>
-                <a:sym typeface="Arial"/>
+                <a:latin typeface="Arial" panose="020B0604020202020204"/>
+                <a:ea typeface="Arial" panose="020B0604020202020204"/>
+                <a:cs typeface="Arial" panose="020B0604020202020204"/>
+                <a:sym typeface="Arial" panose="020B0604020202020204"/>
               </a:defRPr>
             </a:lvl5pPr>
             <a:lvl6pPr marL="2743200" marR="0" lvl="5" indent="-298450" algn="l" rtl="0">
@@ -559,16 +544,16 @@
                 <a:srgbClr val="000000"/>
               </a:buClr>
               <a:buSzPts val="1100"/>
-              <a:buFont typeface="Arial"/>
+              <a:buFont typeface="Arial" panose="020B0604020202020204"/>
               <a:buChar char="■"/>
               <a:defRPr sz="1100" b="0" i="0" u="none" strike="noStrike" cap="none">
                 <a:solidFill>
                   <a:srgbClr val="000000"/>
                 </a:solidFill>
-                <a:latin typeface="Arial"/>
-                <a:ea typeface="Arial"/>
-                <a:cs typeface="Arial"/>
-                <a:sym typeface="Arial"/>
+                <a:latin typeface="Arial" panose="020B0604020202020204"/>
+                <a:ea typeface="Arial" panose="020B0604020202020204"/>
+                <a:cs typeface="Arial" panose="020B0604020202020204"/>
+                <a:sym typeface="Arial" panose="020B0604020202020204"/>
               </a:defRPr>
             </a:lvl6pPr>
             <a:lvl7pPr marL="3200400" marR="0" lvl="6" indent="-298450" algn="l" rtl="0">
@@ -585,16 +570,16 @@
                 <a:srgbClr val="000000"/>
               </a:buClr>
               <a:buSzPts val="1100"/>
-              <a:buFont typeface="Arial"/>
+              <a:buFont typeface="Arial" panose="020B0604020202020204"/>
               <a:buChar char="●"/>
               <a:defRPr sz="1100" b="0" i="0" u="none" strike="noStrike" cap="none">
                 <a:solidFill>
                   <a:srgbClr val="000000"/>
                 </a:solidFill>
-                <a:latin typeface="Arial"/>
-                <a:ea typeface="Arial"/>
-                <a:cs typeface="Arial"/>
-                <a:sym typeface="Arial"/>
+                <a:latin typeface="Arial" panose="020B0604020202020204"/>
+                <a:ea typeface="Arial" panose="020B0604020202020204"/>
+                <a:cs typeface="Arial" panose="020B0604020202020204"/>
+                <a:sym typeface="Arial" panose="020B0604020202020204"/>
               </a:defRPr>
             </a:lvl7pPr>
             <a:lvl8pPr marL="3657600" marR="0" lvl="7" indent="-298450" algn="l" rtl="0">
@@ -611,16 +596,16 @@
                 <a:srgbClr val="000000"/>
               </a:buClr>
               <a:buSzPts val="1100"/>
-              <a:buFont typeface="Arial"/>
+              <a:buFont typeface="Arial" panose="020B0604020202020204"/>
               <a:buChar char="○"/>
               <a:defRPr sz="1100" b="0" i="0" u="none" strike="noStrike" cap="none">
                 <a:solidFill>
                   <a:srgbClr val="000000"/>
                 </a:solidFill>
-                <a:latin typeface="Arial"/>
-                <a:ea typeface="Arial"/>
-                <a:cs typeface="Arial"/>
-                <a:sym typeface="Arial"/>
+                <a:latin typeface="Arial" panose="020B0604020202020204"/>
+                <a:ea typeface="Arial" panose="020B0604020202020204"/>
+                <a:cs typeface="Arial" panose="020B0604020202020204"/>
+                <a:sym typeface="Arial" panose="020B0604020202020204"/>
               </a:defRPr>
             </a:lvl8pPr>
             <a:lvl9pPr marL="4114800" marR="0" lvl="8" indent="-298450" algn="l" rtl="0">
@@ -637,22 +622,20 @@
                 <a:srgbClr val="000000"/>
               </a:buClr>
               <a:buSzPts val="1100"/>
-              <a:buFont typeface="Arial"/>
+              <a:buFont typeface="Arial" panose="020B0604020202020204"/>
               <a:buChar char="■"/>
               <a:defRPr sz="1100" b="0" i="0" u="none" strike="noStrike" cap="none">
                 <a:solidFill>
                   <a:srgbClr val="000000"/>
                 </a:solidFill>
-                <a:latin typeface="Arial"/>
-                <a:ea typeface="Arial"/>
-                <a:cs typeface="Arial"/>
-                <a:sym typeface="Arial"/>
+                <a:latin typeface="Arial" panose="020B0604020202020204"/>
+                <a:ea typeface="Arial" panose="020B0604020202020204"/>
+                <a:cs typeface="Arial" panose="020B0604020202020204"/>
+                <a:sym typeface="Arial" panose="020B0604020202020204"/>
               </a:defRPr>
             </a:lvl9pPr>
           </a:lstStyle>
-          <a:p>
-            <a:endParaRPr/>
-          </a:p>
+          <a:p/>
         </p:txBody>
       </p:sp>
     </p:spTree>
@@ -683,15 +666,15 @@
       <a:buClr>
         <a:srgbClr val="000000"/>
       </a:buClr>
-      <a:buFont typeface="Arial"/>
+      <a:buFont typeface="Arial" panose="020B0604020202020204"/>
       <a:defRPr sz="1400" b="0" i="0" u="none" strike="noStrike" cap="none">
         <a:solidFill>
           <a:srgbClr val="000000"/>
         </a:solidFill>
-        <a:latin typeface="Arial"/>
-        <a:ea typeface="Arial"/>
-        <a:cs typeface="Arial"/>
-        <a:sym typeface="Arial"/>
+        <a:latin typeface="Arial" panose="020B0604020202020204"/>
+        <a:ea typeface="Arial" panose="020B0604020202020204"/>
+        <a:cs typeface="Arial" panose="020B0604020202020204"/>
+        <a:sym typeface="Arial" panose="020B0604020202020204"/>
       </a:defRPr>
     </a:lvl1pPr>
     <a:lvl2pPr marR="0" lvl="1" algn="l" rtl="0">
@@ -707,15 +690,15 @@
       <a:buClr>
         <a:srgbClr val="000000"/>
       </a:buClr>
-      <a:buFont typeface="Arial"/>
+      <a:buFont typeface="Arial" panose="020B0604020202020204"/>
       <a:defRPr sz="1400" b="0" i="0" u="none" strike="noStrike" cap="none">
         <a:solidFill>
           <a:srgbClr val="000000"/>
         </a:solidFill>
-        <a:latin typeface="Arial"/>
-        <a:ea typeface="Arial"/>
-        <a:cs typeface="Arial"/>
-        <a:sym typeface="Arial"/>
+        <a:latin typeface="Arial" panose="020B0604020202020204"/>
+        <a:ea typeface="Arial" panose="020B0604020202020204"/>
+        <a:cs typeface="Arial" panose="020B0604020202020204"/>
+        <a:sym typeface="Arial" panose="020B0604020202020204"/>
       </a:defRPr>
     </a:lvl2pPr>
     <a:lvl3pPr marR="0" lvl="2" algn="l" rtl="0">
@@ -731,15 +714,15 @@
       <a:buClr>
         <a:srgbClr val="000000"/>
       </a:buClr>
-      <a:buFont typeface="Arial"/>
+      <a:buFont typeface="Arial" panose="020B0604020202020204"/>
       <a:defRPr sz="1400" b="0" i="0" u="none" strike="noStrike" cap="none">
         <a:solidFill>
           <a:srgbClr val="000000"/>
         </a:solidFill>
-        <a:latin typeface="Arial"/>
-        <a:ea typeface="Arial"/>
-        <a:cs typeface="Arial"/>
-        <a:sym typeface="Arial"/>
+        <a:latin typeface="Arial" panose="020B0604020202020204"/>
+        <a:ea typeface="Arial" panose="020B0604020202020204"/>
+        <a:cs typeface="Arial" panose="020B0604020202020204"/>
+        <a:sym typeface="Arial" panose="020B0604020202020204"/>
       </a:defRPr>
     </a:lvl3pPr>
     <a:lvl4pPr marR="0" lvl="3" algn="l" rtl="0">
@@ -755,15 +738,15 @@
       <a:buClr>
         <a:srgbClr val="000000"/>
       </a:buClr>
-      <a:buFont typeface="Arial"/>
+      <a:buFont typeface="Arial" panose="020B0604020202020204"/>
       <a:defRPr sz="1400" b="0" i="0" u="none" strike="noStrike" cap="none">
         <a:solidFill>
           <a:srgbClr val="000000"/>
         </a:solidFill>
-        <a:latin typeface="Arial"/>
-        <a:ea typeface="Arial"/>
-        <a:cs typeface="Arial"/>
-        <a:sym typeface="Arial"/>
+        <a:latin typeface="Arial" panose="020B0604020202020204"/>
+        <a:ea typeface="Arial" panose="020B0604020202020204"/>
+        <a:cs typeface="Arial" panose="020B0604020202020204"/>
+        <a:sym typeface="Arial" panose="020B0604020202020204"/>
       </a:defRPr>
     </a:lvl4pPr>
     <a:lvl5pPr marR="0" lvl="4" algn="l" rtl="0">
@@ -779,15 +762,15 @@
       <a:buClr>
         <a:srgbClr val="000000"/>
       </a:buClr>
-      <a:buFont typeface="Arial"/>
+      <a:buFont typeface="Arial" panose="020B0604020202020204"/>
       <a:defRPr sz="1400" b="0" i="0" u="none" strike="noStrike" cap="none">
         <a:solidFill>
           <a:srgbClr val="000000"/>
         </a:solidFill>
-        <a:latin typeface="Arial"/>
-        <a:ea typeface="Arial"/>
-        <a:cs typeface="Arial"/>
-        <a:sym typeface="Arial"/>
+        <a:latin typeface="Arial" panose="020B0604020202020204"/>
+        <a:ea typeface="Arial" panose="020B0604020202020204"/>
+        <a:cs typeface="Arial" panose="020B0604020202020204"/>
+        <a:sym typeface="Arial" panose="020B0604020202020204"/>
       </a:defRPr>
     </a:lvl5pPr>
     <a:lvl6pPr marR="0" lvl="5" algn="l" rtl="0">
@@ -803,15 +786,15 @@
       <a:buClr>
         <a:srgbClr val="000000"/>
       </a:buClr>
-      <a:buFont typeface="Arial"/>
+      <a:buFont typeface="Arial" panose="020B0604020202020204"/>
       <a:defRPr sz="1400" b="0" i="0" u="none" strike="noStrike" cap="none">
         <a:solidFill>
           <a:srgbClr val="000000"/>
         </a:solidFill>
-        <a:latin typeface="Arial"/>
-        <a:ea typeface="Arial"/>
-        <a:cs typeface="Arial"/>
-        <a:sym typeface="Arial"/>
+        <a:latin typeface="Arial" panose="020B0604020202020204"/>
+        <a:ea typeface="Arial" panose="020B0604020202020204"/>
+        <a:cs typeface="Arial" panose="020B0604020202020204"/>
+        <a:sym typeface="Arial" panose="020B0604020202020204"/>
       </a:defRPr>
     </a:lvl6pPr>
     <a:lvl7pPr marR="0" lvl="6" algn="l" rtl="0">
@@ -827,15 +810,15 @@
       <a:buClr>
         <a:srgbClr val="000000"/>
       </a:buClr>
-      <a:buFont typeface="Arial"/>
+      <a:buFont typeface="Arial" panose="020B0604020202020204"/>
       <a:defRPr sz="1400" b="0" i="0" u="none" strike="noStrike" cap="none">
         <a:solidFill>
           <a:srgbClr val="000000"/>
         </a:solidFill>
-        <a:latin typeface="Arial"/>
-        <a:ea typeface="Arial"/>
-        <a:cs typeface="Arial"/>
-        <a:sym typeface="Arial"/>
+        <a:latin typeface="Arial" panose="020B0604020202020204"/>
+        <a:ea typeface="Arial" panose="020B0604020202020204"/>
+        <a:cs typeface="Arial" panose="020B0604020202020204"/>
+        <a:sym typeface="Arial" panose="020B0604020202020204"/>
       </a:defRPr>
     </a:lvl7pPr>
     <a:lvl8pPr marR="0" lvl="7" algn="l" rtl="0">
@@ -851,15 +834,15 @@
       <a:buClr>
         <a:srgbClr val="000000"/>
       </a:buClr>
-      <a:buFont typeface="Arial"/>
+      <a:buFont typeface="Arial" panose="020B0604020202020204"/>
       <a:defRPr sz="1400" b="0" i="0" u="none" strike="noStrike" cap="none">
         <a:solidFill>
           <a:srgbClr val="000000"/>
         </a:solidFill>
-        <a:latin typeface="Arial"/>
-        <a:ea typeface="Arial"/>
-        <a:cs typeface="Arial"/>
-        <a:sym typeface="Arial"/>
+        <a:latin typeface="Arial" panose="020B0604020202020204"/>
+        <a:ea typeface="Arial" panose="020B0604020202020204"/>
+        <a:cs typeface="Arial" panose="020B0604020202020204"/>
+        <a:sym typeface="Arial" panose="020B0604020202020204"/>
       </a:defRPr>
     </a:lvl8pPr>
     <a:lvl9pPr marR="0" lvl="8" algn="l" rtl="0">
@@ -875,15 +858,15 @@
       <a:buClr>
         <a:srgbClr val="000000"/>
       </a:buClr>
-      <a:buFont typeface="Arial"/>
+      <a:buFont typeface="Arial" panose="020B0604020202020204"/>
       <a:defRPr sz="1400" b="0" i="0" u="none" strike="noStrike" cap="none">
         <a:solidFill>
           <a:srgbClr val="000000"/>
         </a:solidFill>
-        <a:latin typeface="Arial"/>
-        <a:ea typeface="Arial"/>
-        <a:cs typeface="Arial"/>
-        <a:sym typeface="Arial"/>
+        <a:latin typeface="Arial" panose="020B0604020202020204"/>
+        <a:ea typeface="Arial" panose="020B0604020202020204"/>
+        <a:cs typeface="Arial" panose="020B0604020202020204"/>
+        <a:sym typeface="Arial" panose="020B0604020202020204"/>
       </a:defRPr>
     </a:lvl9pPr>
   </p:notesStyle>
@@ -891,7 +874,7 @@
 </file>
 
 <file path=ppt/notesSlides/notesSlide1.xml><?xml version="1.0" encoding="utf-8"?>
-<p:notes xmlns:a="http://schemas.openxmlformats.org/drawingml/2006/main" xmlns:r="http://schemas.openxmlformats.org/officeDocument/2006/relationships" xmlns:p="http://schemas.openxmlformats.org/presentationml/2006/main" showMasterSp="0" showMasterPhAnim="0">
+<p:notes xmlns:a="http://schemas.openxmlformats.org/drawingml/2006/main" xmlns:r="http://schemas.openxmlformats.org/officeDocument/2006/relationships" xmlns:p="http://schemas.openxmlformats.org/presentationml/2006/main" showMasterPhAnim="0" showMasterSp="0">
   <p:cSld>
     <p:spTree>
       <p:nvGrpSpPr>
@@ -1000,7 +983,6 @@
               <a:buSzPts val="1100"/>
               <a:buNone/>
             </a:pPr>
-            <a:endParaRPr/>
           </a:p>
         </p:txBody>
       </p:sp>
@@ -1013,7 +995,7 @@
 </file>
 
 <file path=ppt/slideLayouts/slideLayout1.xml><?xml version="1.0" encoding="utf-8"?>
-<p:sldLayout xmlns:a="http://schemas.openxmlformats.org/drawingml/2006/main" xmlns:r="http://schemas.openxmlformats.org/officeDocument/2006/relationships" xmlns:p="http://schemas.openxmlformats.org/presentationml/2006/main" matchingName="Title slide" type="title">
+<p:sldLayout xmlns:a="http://schemas.openxmlformats.org/drawingml/2006/main" xmlns:r="http://schemas.openxmlformats.org/officeDocument/2006/relationships" xmlns:p="http://schemas.openxmlformats.org/presentationml/2006/main" type="title" matchingName="Title slide">
   <p:cSld name="TITLE">
     <p:spTree>
       <p:nvGrpSpPr>
@@ -1184,9 +1166,7 @@
               <a:defRPr sz="5200"/>
             </a:lvl9pPr>
           </a:lstStyle>
-          <a:p>
-            <a:endParaRPr/>
-          </a:p>
+          <a:p/>
         </p:txBody>
       </p:sp>
       <p:sp>
@@ -1344,9 +1324,7 @@
               <a:defRPr sz="2800"/>
             </a:lvl9pPr>
           </a:lstStyle>
-          <a:p>
-            <a:endParaRPr/>
-          </a:p>
+          <a:p/>
         </p:txBody>
       </p:sp>
       <p:sp>
@@ -1391,16 +1369,16 @@
                 <a:srgbClr val="000000"/>
               </a:buClr>
               <a:buSzPts val="1000"/>
-              <a:buFont typeface="Arial"/>
+              <a:buFont typeface="Arial" panose="020B0604020202020204"/>
               <a:buNone/>
               <a:defRPr sz="1000" b="0" i="0" u="none" strike="noStrike" cap="none">
                 <a:solidFill>
                   <a:schemeClr val="dk2"/>
                 </a:solidFill>
-                <a:latin typeface="Arial"/>
-                <a:ea typeface="Arial"/>
-                <a:cs typeface="Arial"/>
-                <a:sym typeface="Arial"/>
+                <a:latin typeface="Arial" panose="020B0604020202020204"/>
+                <a:ea typeface="Arial" panose="020B0604020202020204"/>
+                <a:cs typeface="Arial" panose="020B0604020202020204"/>
+                <a:sym typeface="Arial" panose="020B0604020202020204"/>
               </a:defRPr>
             </a:lvl1pPr>
             <a:lvl2pPr marL="0" marR="0" lvl="1" indent="0" algn="r">
@@ -1417,16 +1395,16 @@
                 <a:srgbClr val="000000"/>
               </a:buClr>
               <a:buSzPts val="1000"/>
-              <a:buFont typeface="Arial"/>
+              <a:buFont typeface="Arial" panose="020B0604020202020204"/>
               <a:buNone/>
               <a:defRPr sz="1000" b="0" i="0" u="none" strike="noStrike" cap="none">
                 <a:solidFill>
                   <a:schemeClr val="dk2"/>
                 </a:solidFill>
-                <a:latin typeface="Arial"/>
-                <a:ea typeface="Arial"/>
-                <a:cs typeface="Arial"/>
-                <a:sym typeface="Arial"/>
+                <a:latin typeface="Arial" panose="020B0604020202020204"/>
+                <a:ea typeface="Arial" panose="020B0604020202020204"/>
+                <a:cs typeface="Arial" panose="020B0604020202020204"/>
+                <a:sym typeface="Arial" panose="020B0604020202020204"/>
               </a:defRPr>
             </a:lvl2pPr>
             <a:lvl3pPr marL="0" marR="0" lvl="2" indent="0" algn="r">
@@ -1443,16 +1421,16 @@
                 <a:srgbClr val="000000"/>
               </a:buClr>
               <a:buSzPts val="1000"/>
-              <a:buFont typeface="Arial"/>
+              <a:buFont typeface="Arial" panose="020B0604020202020204"/>
               <a:buNone/>
               <a:defRPr sz="1000" b="0" i="0" u="none" strike="noStrike" cap="none">
                 <a:solidFill>
                   <a:schemeClr val="dk2"/>
                 </a:solidFill>
-                <a:latin typeface="Arial"/>
-                <a:ea typeface="Arial"/>
-                <a:cs typeface="Arial"/>
-                <a:sym typeface="Arial"/>
+                <a:latin typeface="Arial" panose="020B0604020202020204"/>
+                <a:ea typeface="Arial" panose="020B0604020202020204"/>
+                <a:cs typeface="Arial" panose="020B0604020202020204"/>
+                <a:sym typeface="Arial" panose="020B0604020202020204"/>
               </a:defRPr>
             </a:lvl3pPr>
             <a:lvl4pPr marL="0" marR="0" lvl="3" indent="0" algn="r">
@@ -1469,16 +1447,16 @@
                 <a:srgbClr val="000000"/>
               </a:buClr>
               <a:buSzPts val="1000"/>
-              <a:buFont typeface="Arial"/>
+              <a:buFont typeface="Arial" panose="020B0604020202020204"/>
               <a:buNone/>
               <a:defRPr sz="1000" b="0" i="0" u="none" strike="noStrike" cap="none">
                 <a:solidFill>
                   <a:schemeClr val="dk2"/>
                 </a:solidFill>
-                <a:latin typeface="Arial"/>
-                <a:ea typeface="Arial"/>
-                <a:cs typeface="Arial"/>
-                <a:sym typeface="Arial"/>
+                <a:latin typeface="Arial" panose="020B0604020202020204"/>
+                <a:ea typeface="Arial" panose="020B0604020202020204"/>
+                <a:cs typeface="Arial" panose="020B0604020202020204"/>
+                <a:sym typeface="Arial" panose="020B0604020202020204"/>
               </a:defRPr>
             </a:lvl4pPr>
             <a:lvl5pPr marL="0" marR="0" lvl="4" indent="0" algn="r">
@@ -1495,16 +1473,16 @@
                 <a:srgbClr val="000000"/>
               </a:buClr>
               <a:buSzPts val="1000"/>
-              <a:buFont typeface="Arial"/>
+              <a:buFont typeface="Arial" panose="020B0604020202020204"/>
               <a:buNone/>
               <a:defRPr sz="1000" b="0" i="0" u="none" strike="noStrike" cap="none">
                 <a:solidFill>
                   <a:schemeClr val="dk2"/>
                 </a:solidFill>
-                <a:latin typeface="Arial"/>
-                <a:ea typeface="Arial"/>
-                <a:cs typeface="Arial"/>
-                <a:sym typeface="Arial"/>
+                <a:latin typeface="Arial" panose="020B0604020202020204"/>
+                <a:ea typeface="Arial" panose="020B0604020202020204"/>
+                <a:cs typeface="Arial" panose="020B0604020202020204"/>
+                <a:sym typeface="Arial" panose="020B0604020202020204"/>
               </a:defRPr>
             </a:lvl5pPr>
             <a:lvl6pPr marL="0" marR="0" lvl="5" indent="0" algn="r">
@@ -1521,16 +1499,16 @@
                 <a:srgbClr val="000000"/>
               </a:buClr>
               <a:buSzPts val="1000"/>
-              <a:buFont typeface="Arial"/>
+              <a:buFont typeface="Arial" panose="020B0604020202020204"/>
               <a:buNone/>
               <a:defRPr sz="1000" b="0" i="0" u="none" strike="noStrike" cap="none">
                 <a:solidFill>
                   <a:schemeClr val="dk2"/>
                 </a:solidFill>
-                <a:latin typeface="Arial"/>
-                <a:ea typeface="Arial"/>
-                <a:cs typeface="Arial"/>
-                <a:sym typeface="Arial"/>
+                <a:latin typeface="Arial" panose="020B0604020202020204"/>
+                <a:ea typeface="Arial" panose="020B0604020202020204"/>
+                <a:cs typeface="Arial" panose="020B0604020202020204"/>
+                <a:sym typeface="Arial" panose="020B0604020202020204"/>
               </a:defRPr>
             </a:lvl6pPr>
             <a:lvl7pPr marL="0" marR="0" lvl="6" indent="0" algn="r">
@@ -1547,16 +1525,16 @@
                 <a:srgbClr val="000000"/>
               </a:buClr>
               <a:buSzPts val="1000"/>
-              <a:buFont typeface="Arial"/>
+              <a:buFont typeface="Arial" panose="020B0604020202020204"/>
               <a:buNone/>
               <a:defRPr sz="1000" b="0" i="0" u="none" strike="noStrike" cap="none">
                 <a:solidFill>
                   <a:schemeClr val="dk2"/>
                 </a:solidFill>
-                <a:latin typeface="Arial"/>
-                <a:ea typeface="Arial"/>
-                <a:cs typeface="Arial"/>
-                <a:sym typeface="Arial"/>
+                <a:latin typeface="Arial" panose="020B0604020202020204"/>
+                <a:ea typeface="Arial" panose="020B0604020202020204"/>
+                <a:cs typeface="Arial" panose="020B0604020202020204"/>
+                <a:sym typeface="Arial" panose="020B0604020202020204"/>
               </a:defRPr>
             </a:lvl7pPr>
             <a:lvl8pPr marL="0" marR="0" lvl="7" indent="0" algn="r">
@@ -1573,16 +1551,16 @@
                 <a:srgbClr val="000000"/>
               </a:buClr>
               <a:buSzPts val="1000"/>
-              <a:buFont typeface="Arial"/>
+              <a:buFont typeface="Arial" panose="020B0604020202020204"/>
               <a:buNone/>
               <a:defRPr sz="1000" b="0" i="0" u="none" strike="noStrike" cap="none">
                 <a:solidFill>
                   <a:schemeClr val="dk2"/>
                 </a:solidFill>
-                <a:latin typeface="Arial"/>
-                <a:ea typeface="Arial"/>
-                <a:cs typeface="Arial"/>
-                <a:sym typeface="Arial"/>
+                <a:latin typeface="Arial" panose="020B0604020202020204"/>
+                <a:ea typeface="Arial" panose="020B0604020202020204"/>
+                <a:cs typeface="Arial" panose="020B0604020202020204"/>
+                <a:sym typeface="Arial" panose="020B0604020202020204"/>
               </a:defRPr>
             </a:lvl8pPr>
             <a:lvl9pPr marL="0" marR="0" lvl="8" indent="0" algn="r">
@@ -1599,16 +1577,16 @@
                 <a:srgbClr val="000000"/>
               </a:buClr>
               <a:buSzPts val="1000"/>
-              <a:buFont typeface="Arial"/>
+              <a:buFont typeface="Arial" panose="020B0604020202020204"/>
               <a:buNone/>
               <a:defRPr sz="1000" b="0" i="0" u="none" strike="noStrike" cap="none">
                 <a:solidFill>
                   <a:schemeClr val="dk2"/>
                 </a:solidFill>
-                <a:latin typeface="Arial"/>
-                <a:ea typeface="Arial"/>
-                <a:cs typeface="Arial"/>
-                <a:sym typeface="Arial"/>
+                <a:latin typeface="Arial" panose="020B0604020202020204"/>
+                <a:ea typeface="Arial" panose="020B0604020202020204"/>
+                <a:cs typeface="Arial" panose="020B0604020202020204"/>
+                <a:sym typeface="Arial" panose="020B0604020202020204"/>
               </a:defRPr>
             </a:lvl9pPr>
           </a:lstStyle>
@@ -1624,9 +1602,8 @@
             </a:pPr>
             <a:fld id="{00000000-1234-1234-1234-123412341234}" type="slidenum">
               <a:rPr lang="en-GB"/>
-              <a:t>‹#›</a:t>
             </a:fld>
-            <a:endParaRPr/>
+            <a:endParaRPr lang="en-GB"/>
           </a:p>
         </p:txBody>
       </p:sp>
@@ -1639,7 +1616,7 @@
 </file>
 
 <file path=ppt/slideLayouts/slideLayout10.xml><?xml version="1.0" encoding="utf-8"?>
-<p:sldLayout xmlns:a="http://schemas.openxmlformats.org/drawingml/2006/main" xmlns:r="http://schemas.openxmlformats.org/officeDocument/2006/relationships" xmlns:p="http://schemas.openxmlformats.org/presentationml/2006/main" matchingName="Title and body" type="tx">
+<p:sldLayout xmlns:a="http://schemas.openxmlformats.org/drawingml/2006/main" xmlns:r="http://schemas.openxmlformats.org/officeDocument/2006/relationships" xmlns:p="http://schemas.openxmlformats.org/presentationml/2006/main" type="tx" matchingName="Title and body">
   <p:cSld name="Title and body">
     <p:spTree>
       <p:nvGrpSpPr>
@@ -1810,9 +1787,7 @@
               <a:defRPr/>
             </a:lvl9pPr>
           </a:lstStyle>
-          <a:p>
-            <a:endParaRPr/>
-          </a:p>
+          <a:p/>
         </p:txBody>
       </p:sp>
       <p:sp>
@@ -1970,9 +1945,7 @@
               <a:defRPr/>
             </a:lvl9pPr>
           </a:lstStyle>
-          <a:p>
-            <a:endParaRPr/>
-          </a:p>
+          <a:p/>
         </p:txBody>
       </p:sp>
       <p:sp>
@@ -2250,18 +2223,12 @@
             </a:pPr>
             <a:fld id="{00000000-1234-1234-1234-123412341234}" type="slidenum">
               <a:rPr lang="en-GB"/>
-              <a:t>‹#›</a:t>
             </a:fld>
             <a:endParaRPr lang="en-GB"/>
           </a:p>
         </p:txBody>
       </p:sp>
     </p:spTree>
-    <p:extLst>
-      <p:ext uri="{BB962C8B-B14F-4D97-AF65-F5344CB8AC3E}">
-        <p14:creationId xmlns:p14="http://schemas.microsoft.com/office/powerpoint/2010/main" val="4120684613"/>
-      </p:ext>
-    </p:extLst>
   </p:cSld>
   <p:clrMapOvr>
     <a:masterClrMapping/>
@@ -2270,7 +2237,7 @@
 </file>
 
 <file path=ppt/slideLayouts/slideLayout2.xml><?xml version="1.0" encoding="utf-8"?>
-<p:sldLayout xmlns:a="http://schemas.openxmlformats.org/drawingml/2006/main" xmlns:r="http://schemas.openxmlformats.org/officeDocument/2006/relationships" xmlns:p="http://schemas.openxmlformats.org/presentationml/2006/main" matchingName="Section header" type="secHead">
+<p:sldLayout xmlns:a="http://schemas.openxmlformats.org/drawingml/2006/main" xmlns:r="http://schemas.openxmlformats.org/officeDocument/2006/relationships" xmlns:p="http://schemas.openxmlformats.org/presentationml/2006/main" type="secHead" matchingName="Section header">
   <p:cSld name="SECTION_HEADER">
     <p:spTree>
       <p:nvGrpSpPr>
@@ -2441,9 +2408,7 @@
               <a:defRPr sz="3600"/>
             </a:lvl9pPr>
           </a:lstStyle>
-          <a:p>
-            <a:endParaRPr/>
-          </a:p>
+          <a:p/>
         </p:txBody>
       </p:sp>
       <p:sp>
@@ -2488,16 +2453,16 @@
                 <a:srgbClr val="000000"/>
               </a:buClr>
               <a:buSzPts val="1000"/>
-              <a:buFont typeface="Arial"/>
+              <a:buFont typeface="Arial" panose="020B0604020202020204"/>
               <a:buNone/>
               <a:defRPr sz="1000" b="0" i="0" u="none" strike="noStrike" cap="none">
                 <a:solidFill>
                   <a:schemeClr val="dk2"/>
                 </a:solidFill>
-                <a:latin typeface="Arial"/>
-                <a:ea typeface="Arial"/>
-                <a:cs typeface="Arial"/>
-                <a:sym typeface="Arial"/>
+                <a:latin typeface="Arial" panose="020B0604020202020204"/>
+                <a:ea typeface="Arial" panose="020B0604020202020204"/>
+                <a:cs typeface="Arial" panose="020B0604020202020204"/>
+                <a:sym typeface="Arial" panose="020B0604020202020204"/>
               </a:defRPr>
             </a:lvl1pPr>
             <a:lvl2pPr marL="0" marR="0" lvl="1" indent="0" algn="r">
@@ -2514,16 +2479,16 @@
                 <a:srgbClr val="000000"/>
               </a:buClr>
               <a:buSzPts val="1000"/>
-              <a:buFont typeface="Arial"/>
+              <a:buFont typeface="Arial" panose="020B0604020202020204"/>
               <a:buNone/>
               <a:defRPr sz="1000" b="0" i="0" u="none" strike="noStrike" cap="none">
                 <a:solidFill>
                   <a:schemeClr val="dk2"/>
                 </a:solidFill>
-                <a:latin typeface="Arial"/>
-                <a:ea typeface="Arial"/>
-                <a:cs typeface="Arial"/>
-                <a:sym typeface="Arial"/>
+                <a:latin typeface="Arial" panose="020B0604020202020204"/>
+                <a:ea typeface="Arial" panose="020B0604020202020204"/>
+                <a:cs typeface="Arial" panose="020B0604020202020204"/>
+                <a:sym typeface="Arial" panose="020B0604020202020204"/>
               </a:defRPr>
             </a:lvl2pPr>
             <a:lvl3pPr marL="0" marR="0" lvl="2" indent="0" algn="r">
@@ -2540,16 +2505,16 @@
                 <a:srgbClr val="000000"/>
               </a:buClr>
               <a:buSzPts val="1000"/>
-              <a:buFont typeface="Arial"/>
+              <a:buFont typeface="Arial" panose="020B0604020202020204"/>
               <a:buNone/>
               <a:defRPr sz="1000" b="0" i="0" u="none" strike="noStrike" cap="none">
                 <a:solidFill>
                   <a:schemeClr val="dk2"/>
                 </a:solidFill>
-                <a:latin typeface="Arial"/>
-                <a:ea typeface="Arial"/>
-                <a:cs typeface="Arial"/>
-                <a:sym typeface="Arial"/>
+                <a:latin typeface="Arial" panose="020B0604020202020204"/>
+                <a:ea typeface="Arial" panose="020B0604020202020204"/>
+                <a:cs typeface="Arial" panose="020B0604020202020204"/>
+                <a:sym typeface="Arial" panose="020B0604020202020204"/>
               </a:defRPr>
             </a:lvl3pPr>
             <a:lvl4pPr marL="0" marR="0" lvl="3" indent="0" algn="r">
@@ -2566,16 +2531,16 @@
                 <a:srgbClr val="000000"/>
               </a:buClr>
               <a:buSzPts val="1000"/>
-              <a:buFont typeface="Arial"/>
+              <a:buFont typeface="Arial" panose="020B0604020202020204"/>
               <a:buNone/>
               <a:defRPr sz="1000" b="0" i="0" u="none" strike="noStrike" cap="none">
                 <a:solidFill>
                   <a:schemeClr val="dk2"/>
                 </a:solidFill>
-                <a:latin typeface="Arial"/>
-                <a:ea typeface="Arial"/>
-                <a:cs typeface="Arial"/>
-                <a:sym typeface="Arial"/>
+                <a:latin typeface="Arial" panose="020B0604020202020204"/>
+                <a:ea typeface="Arial" panose="020B0604020202020204"/>
+                <a:cs typeface="Arial" panose="020B0604020202020204"/>
+                <a:sym typeface="Arial" panose="020B0604020202020204"/>
               </a:defRPr>
             </a:lvl4pPr>
             <a:lvl5pPr marL="0" marR="0" lvl="4" indent="0" algn="r">
@@ -2592,16 +2557,16 @@
                 <a:srgbClr val="000000"/>
               </a:buClr>
               <a:buSzPts val="1000"/>
-              <a:buFont typeface="Arial"/>
+              <a:buFont typeface="Arial" panose="020B0604020202020204"/>
               <a:buNone/>
               <a:defRPr sz="1000" b="0" i="0" u="none" strike="noStrike" cap="none">
                 <a:solidFill>
                   <a:schemeClr val="dk2"/>
                 </a:solidFill>
-                <a:latin typeface="Arial"/>
-                <a:ea typeface="Arial"/>
-                <a:cs typeface="Arial"/>
-                <a:sym typeface="Arial"/>
+                <a:latin typeface="Arial" panose="020B0604020202020204"/>
+                <a:ea typeface="Arial" panose="020B0604020202020204"/>
+                <a:cs typeface="Arial" panose="020B0604020202020204"/>
+                <a:sym typeface="Arial" panose="020B0604020202020204"/>
               </a:defRPr>
             </a:lvl5pPr>
             <a:lvl6pPr marL="0" marR="0" lvl="5" indent="0" algn="r">
@@ -2618,16 +2583,16 @@
                 <a:srgbClr val="000000"/>
               </a:buClr>
               <a:buSzPts val="1000"/>
-              <a:buFont typeface="Arial"/>
+              <a:buFont typeface="Arial" panose="020B0604020202020204"/>
               <a:buNone/>
               <a:defRPr sz="1000" b="0" i="0" u="none" strike="noStrike" cap="none">
                 <a:solidFill>
                   <a:schemeClr val="dk2"/>
                 </a:solidFill>
-                <a:latin typeface="Arial"/>
-                <a:ea typeface="Arial"/>
-                <a:cs typeface="Arial"/>
-                <a:sym typeface="Arial"/>
+                <a:latin typeface="Arial" panose="020B0604020202020204"/>
+                <a:ea typeface="Arial" panose="020B0604020202020204"/>
+                <a:cs typeface="Arial" panose="020B0604020202020204"/>
+                <a:sym typeface="Arial" panose="020B0604020202020204"/>
               </a:defRPr>
             </a:lvl6pPr>
             <a:lvl7pPr marL="0" marR="0" lvl="6" indent="0" algn="r">
@@ -2644,16 +2609,16 @@
                 <a:srgbClr val="000000"/>
               </a:buClr>
               <a:buSzPts val="1000"/>
-              <a:buFont typeface="Arial"/>
+              <a:buFont typeface="Arial" panose="020B0604020202020204"/>
               <a:buNone/>
               <a:defRPr sz="1000" b="0" i="0" u="none" strike="noStrike" cap="none">
                 <a:solidFill>
                   <a:schemeClr val="dk2"/>
                 </a:solidFill>
-                <a:latin typeface="Arial"/>
-                <a:ea typeface="Arial"/>
-                <a:cs typeface="Arial"/>
-                <a:sym typeface="Arial"/>
+                <a:latin typeface="Arial" panose="020B0604020202020204"/>
+                <a:ea typeface="Arial" panose="020B0604020202020204"/>
+                <a:cs typeface="Arial" panose="020B0604020202020204"/>
+                <a:sym typeface="Arial" panose="020B0604020202020204"/>
               </a:defRPr>
             </a:lvl7pPr>
             <a:lvl8pPr marL="0" marR="0" lvl="7" indent="0" algn="r">
@@ -2670,16 +2635,16 @@
                 <a:srgbClr val="000000"/>
               </a:buClr>
               <a:buSzPts val="1000"/>
-              <a:buFont typeface="Arial"/>
+              <a:buFont typeface="Arial" panose="020B0604020202020204"/>
               <a:buNone/>
               <a:defRPr sz="1000" b="0" i="0" u="none" strike="noStrike" cap="none">
                 <a:solidFill>
                   <a:schemeClr val="dk2"/>
                 </a:solidFill>
-                <a:latin typeface="Arial"/>
-                <a:ea typeface="Arial"/>
-                <a:cs typeface="Arial"/>
-                <a:sym typeface="Arial"/>
+                <a:latin typeface="Arial" panose="020B0604020202020204"/>
+                <a:ea typeface="Arial" panose="020B0604020202020204"/>
+                <a:cs typeface="Arial" panose="020B0604020202020204"/>
+                <a:sym typeface="Arial" panose="020B0604020202020204"/>
               </a:defRPr>
             </a:lvl8pPr>
             <a:lvl9pPr marL="0" marR="0" lvl="8" indent="0" algn="r">
@@ -2696,16 +2661,16 @@
                 <a:srgbClr val="000000"/>
               </a:buClr>
               <a:buSzPts val="1000"/>
-              <a:buFont typeface="Arial"/>
+              <a:buFont typeface="Arial" panose="020B0604020202020204"/>
               <a:buNone/>
               <a:defRPr sz="1000" b="0" i="0" u="none" strike="noStrike" cap="none">
                 <a:solidFill>
                   <a:schemeClr val="dk2"/>
                 </a:solidFill>
-                <a:latin typeface="Arial"/>
-                <a:ea typeface="Arial"/>
-                <a:cs typeface="Arial"/>
-                <a:sym typeface="Arial"/>
+                <a:latin typeface="Arial" panose="020B0604020202020204"/>
+                <a:ea typeface="Arial" panose="020B0604020202020204"/>
+                <a:cs typeface="Arial" panose="020B0604020202020204"/>
+                <a:sym typeface="Arial" panose="020B0604020202020204"/>
               </a:defRPr>
             </a:lvl9pPr>
           </a:lstStyle>
@@ -2721,9 +2686,8 @@
             </a:pPr>
             <a:fld id="{00000000-1234-1234-1234-123412341234}" type="slidenum">
               <a:rPr lang="en-GB"/>
-              <a:t>‹#›</a:t>
             </a:fld>
-            <a:endParaRPr/>
+            <a:endParaRPr lang="en-GB"/>
           </a:p>
         </p:txBody>
       </p:sp>
@@ -2736,7 +2700,7 @@
 </file>
 
 <file path=ppt/slideLayouts/slideLayout3.xml><?xml version="1.0" encoding="utf-8"?>
-<p:sldLayout xmlns:a="http://schemas.openxmlformats.org/drawingml/2006/main" xmlns:r="http://schemas.openxmlformats.org/officeDocument/2006/relationships" xmlns:p="http://schemas.openxmlformats.org/presentationml/2006/main" matchingName="Title and two columns" type="twoColTx">
+<p:sldLayout xmlns:a="http://schemas.openxmlformats.org/drawingml/2006/main" xmlns:r="http://schemas.openxmlformats.org/officeDocument/2006/relationships" xmlns:p="http://schemas.openxmlformats.org/presentationml/2006/main" type="twoColTx" matchingName="Title and two columns">
   <p:cSld name="TITLE_AND_TWO_COLUMNS">
     <p:spTree>
       <p:nvGrpSpPr>
@@ -2907,9 +2871,7 @@
               <a:defRPr/>
             </a:lvl9pPr>
           </a:lstStyle>
-          <a:p>
-            <a:endParaRPr/>
-          </a:p>
+          <a:p/>
         </p:txBody>
       </p:sp>
       <p:sp>
@@ -3067,9 +3029,7 @@
               <a:defRPr sz="1200"/>
             </a:lvl9pPr>
           </a:lstStyle>
-          <a:p>
-            <a:endParaRPr/>
-          </a:p>
+          <a:p/>
         </p:txBody>
       </p:sp>
       <p:sp>
@@ -3227,9 +3187,7 @@
               <a:defRPr sz="1200"/>
             </a:lvl9pPr>
           </a:lstStyle>
-          <a:p>
-            <a:endParaRPr/>
-          </a:p>
+          <a:p/>
         </p:txBody>
       </p:sp>
       <p:sp>
@@ -3274,16 +3232,16 @@
                 <a:srgbClr val="000000"/>
               </a:buClr>
               <a:buSzPts val="1000"/>
-              <a:buFont typeface="Arial"/>
+              <a:buFont typeface="Arial" panose="020B0604020202020204"/>
               <a:buNone/>
               <a:defRPr sz="1000" b="0" i="0" u="none" strike="noStrike" cap="none">
                 <a:solidFill>
                   <a:schemeClr val="dk2"/>
                 </a:solidFill>
-                <a:latin typeface="Arial"/>
-                <a:ea typeface="Arial"/>
-                <a:cs typeface="Arial"/>
-                <a:sym typeface="Arial"/>
+                <a:latin typeface="Arial" panose="020B0604020202020204"/>
+                <a:ea typeface="Arial" panose="020B0604020202020204"/>
+                <a:cs typeface="Arial" panose="020B0604020202020204"/>
+                <a:sym typeface="Arial" panose="020B0604020202020204"/>
               </a:defRPr>
             </a:lvl1pPr>
             <a:lvl2pPr marL="0" marR="0" lvl="1" indent="0" algn="r">
@@ -3300,16 +3258,16 @@
                 <a:srgbClr val="000000"/>
               </a:buClr>
               <a:buSzPts val="1000"/>
-              <a:buFont typeface="Arial"/>
+              <a:buFont typeface="Arial" panose="020B0604020202020204"/>
               <a:buNone/>
               <a:defRPr sz="1000" b="0" i="0" u="none" strike="noStrike" cap="none">
                 <a:solidFill>
                   <a:schemeClr val="dk2"/>
                 </a:solidFill>
-                <a:latin typeface="Arial"/>
-                <a:ea typeface="Arial"/>
-                <a:cs typeface="Arial"/>
-                <a:sym typeface="Arial"/>
+                <a:latin typeface="Arial" panose="020B0604020202020204"/>
+                <a:ea typeface="Arial" panose="020B0604020202020204"/>
+                <a:cs typeface="Arial" panose="020B0604020202020204"/>
+                <a:sym typeface="Arial" panose="020B0604020202020204"/>
               </a:defRPr>
             </a:lvl2pPr>
             <a:lvl3pPr marL="0" marR="0" lvl="2" indent="0" algn="r">
@@ -3326,16 +3284,16 @@
                 <a:srgbClr val="000000"/>
               </a:buClr>
               <a:buSzPts val="1000"/>
-              <a:buFont typeface="Arial"/>
+              <a:buFont typeface="Arial" panose="020B0604020202020204"/>
               <a:buNone/>
               <a:defRPr sz="1000" b="0" i="0" u="none" strike="noStrike" cap="none">
                 <a:solidFill>
                   <a:schemeClr val="dk2"/>
                 </a:solidFill>
-                <a:latin typeface="Arial"/>
-                <a:ea typeface="Arial"/>
-                <a:cs typeface="Arial"/>
-                <a:sym typeface="Arial"/>
+                <a:latin typeface="Arial" panose="020B0604020202020204"/>
+                <a:ea typeface="Arial" panose="020B0604020202020204"/>
+                <a:cs typeface="Arial" panose="020B0604020202020204"/>
+                <a:sym typeface="Arial" panose="020B0604020202020204"/>
               </a:defRPr>
             </a:lvl3pPr>
             <a:lvl4pPr marL="0" marR="0" lvl="3" indent="0" algn="r">
@@ -3352,16 +3310,16 @@
                 <a:srgbClr val="000000"/>
               </a:buClr>
               <a:buSzPts val="1000"/>
-              <a:buFont typeface="Arial"/>
+              <a:buFont typeface="Arial" panose="020B0604020202020204"/>
               <a:buNone/>
               <a:defRPr sz="1000" b="0" i="0" u="none" strike="noStrike" cap="none">
                 <a:solidFill>
                   <a:schemeClr val="dk2"/>
                 </a:solidFill>
-                <a:latin typeface="Arial"/>
-                <a:ea typeface="Arial"/>
-                <a:cs typeface="Arial"/>
-                <a:sym typeface="Arial"/>
+                <a:latin typeface="Arial" panose="020B0604020202020204"/>
+                <a:ea typeface="Arial" panose="020B0604020202020204"/>
+                <a:cs typeface="Arial" panose="020B0604020202020204"/>
+                <a:sym typeface="Arial" panose="020B0604020202020204"/>
               </a:defRPr>
             </a:lvl4pPr>
             <a:lvl5pPr marL="0" marR="0" lvl="4" indent="0" algn="r">
@@ -3378,16 +3336,16 @@
                 <a:srgbClr val="000000"/>
               </a:buClr>
               <a:buSzPts val="1000"/>
-              <a:buFont typeface="Arial"/>
+              <a:buFont typeface="Arial" panose="020B0604020202020204"/>
               <a:buNone/>
               <a:defRPr sz="1000" b="0" i="0" u="none" strike="noStrike" cap="none">
                 <a:solidFill>
                   <a:schemeClr val="dk2"/>
                 </a:solidFill>
-                <a:latin typeface="Arial"/>
-                <a:ea typeface="Arial"/>
-                <a:cs typeface="Arial"/>
-                <a:sym typeface="Arial"/>
+                <a:latin typeface="Arial" panose="020B0604020202020204"/>
+                <a:ea typeface="Arial" panose="020B0604020202020204"/>
+                <a:cs typeface="Arial" panose="020B0604020202020204"/>
+                <a:sym typeface="Arial" panose="020B0604020202020204"/>
               </a:defRPr>
             </a:lvl5pPr>
             <a:lvl6pPr marL="0" marR="0" lvl="5" indent="0" algn="r">
@@ -3404,16 +3362,16 @@
                 <a:srgbClr val="000000"/>
               </a:buClr>
               <a:buSzPts val="1000"/>
-              <a:buFont typeface="Arial"/>
+              <a:buFont typeface="Arial" panose="020B0604020202020204"/>
               <a:buNone/>
               <a:defRPr sz="1000" b="0" i="0" u="none" strike="noStrike" cap="none">
                 <a:solidFill>
                   <a:schemeClr val="dk2"/>
                 </a:solidFill>
-                <a:latin typeface="Arial"/>
-                <a:ea typeface="Arial"/>
-                <a:cs typeface="Arial"/>
-                <a:sym typeface="Arial"/>
+                <a:latin typeface="Arial" panose="020B0604020202020204"/>
+                <a:ea typeface="Arial" panose="020B0604020202020204"/>
+                <a:cs typeface="Arial" panose="020B0604020202020204"/>
+                <a:sym typeface="Arial" panose="020B0604020202020204"/>
               </a:defRPr>
             </a:lvl6pPr>
             <a:lvl7pPr marL="0" marR="0" lvl="6" indent="0" algn="r">
@@ -3430,16 +3388,16 @@
                 <a:srgbClr val="000000"/>
               </a:buClr>
               <a:buSzPts val="1000"/>
-              <a:buFont typeface="Arial"/>
+              <a:buFont typeface="Arial" panose="020B0604020202020204"/>
               <a:buNone/>
               <a:defRPr sz="1000" b="0" i="0" u="none" strike="noStrike" cap="none">
                 <a:solidFill>
                   <a:schemeClr val="dk2"/>
                 </a:solidFill>
-                <a:latin typeface="Arial"/>
-                <a:ea typeface="Arial"/>
-                <a:cs typeface="Arial"/>
-                <a:sym typeface="Arial"/>
+                <a:latin typeface="Arial" panose="020B0604020202020204"/>
+                <a:ea typeface="Arial" panose="020B0604020202020204"/>
+                <a:cs typeface="Arial" panose="020B0604020202020204"/>
+                <a:sym typeface="Arial" panose="020B0604020202020204"/>
               </a:defRPr>
             </a:lvl7pPr>
             <a:lvl8pPr marL="0" marR="0" lvl="7" indent="0" algn="r">
@@ -3456,16 +3414,16 @@
                 <a:srgbClr val="000000"/>
               </a:buClr>
               <a:buSzPts val="1000"/>
-              <a:buFont typeface="Arial"/>
+              <a:buFont typeface="Arial" panose="020B0604020202020204"/>
               <a:buNone/>
               <a:defRPr sz="1000" b="0" i="0" u="none" strike="noStrike" cap="none">
                 <a:solidFill>
                   <a:schemeClr val="dk2"/>
                 </a:solidFill>
-                <a:latin typeface="Arial"/>
-                <a:ea typeface="Arial"/>
-                <a:cs typeface="Arial"/>
-                <a:sym typeface="Arial"/>
+                <a:latin typeface="Arial" panose="020B0604020202020204"/>
+                <a:ea typeface="Arial" panose="020B0604020202020204"/>
+                <a:cs typeface="Arial" panose="020B0604020202020204"/>
+                <a:sym typeface="Arial" panose="020B0604020202020204"/>
               </a:defRPr>
             </a:lvl8pPr>
             <a:lvl9pPr marL="0" marR="0" lvl="8" indent="0" algn="r">
@@ -3482,16 +3440,16 @@
                 <a:srgbClr val="000000"/>
               </a:buClr>
               <a:buSzPts val="1000"/>
-              <a:buFont typeface="Arial"/>
+              <a:buFont typeface="Arial" panose="020B0604020202020204"/>
               <a:buNone/>
               <a:defRPr sz="1000" b="0" i="0" u="none" strike="noStrike" cap="none">
                 <a:solidFill>
                   <a:schemeClr val="dk2"/>
                 </a:solidFill>
-                <a:latin typeface="Arial"/>
-                <a:ea typeface="Arial"/>
-                <a:cs typeface="Arial"/>
-                <a:sym typeface="Arial"/>
+                <a:latin typeface="Arial" panose="020B0604020202020204"/>
+                <a:ea typeface="Arial" panose="020B0604020202020204"/>
+                <a:cs typeface="Arial" panose="020B0604020202020204"/>
+                <a:sym typeface="Arial" panose="020B0604020202020204"/>
               </a:defRPr>
             </a:lvl9pPr>
           </a:lstStyle>
@@ -3507,9 +3465,8 @@
             </a:pPr>
             <a:fld id="{00000000-1234-1234-1234-123412341234}" type="slidenum">
               <a:rPr lang="en-GB"/>
-              <a:t>‹#›</a:t>
             </a:fld>
-            <a:endParaRPr/>
+            <a:endParaRPr lang="en-GB"/>
           </a:p>
         </p:txBody>
       </p:sp>
@@ -3693,9 +3650,7 @@
               <a:defRPr sz="2400"/>
             </a:lvl9pPr>
           </a:lstStyle>
-          <a:p>
-            <a:endParaRPr/>
-          </a:p>
+          <a:p/>
         </p:txBody>
       </p:sp>
       <p:sp>
@@ -3853,9 +3808,7 @@
               <a:defRPr sz="1200"/>
             </a:lvl9pPr>
           </a:lstStyle>
-          <a:p>
-            <a:endParaRPr/>
-          </a:p>
+          <a:p/>
         </p:txBody>
       </p:sp>
       <p:sp>
@@ -3900,16 +3853,16 @@
                 <a:srgbClr val="000000"/>
               </a:buClr>
               <a:buSzPts val="1000"/>
-              <a:buFont typeface="Arial"/>
+              <a:buFont typeface="Arial" panose="020B0604020202020204"/>
               <a:buNone/>
               <a:defRPr sz="1000" b="0" i="0" u="none" strike="noStrike" cap="none">
                 <a:solidFill>
                   <a:schemeClr val="dk2"/>
                 </a:solidFill>
-                <a:latin typeface="Arial"/>
-                <a:ea typeface="Arial"/>
-                <a:cs typeface="Arial"/>
-                <a:sym typeface="Arial"/>
+                <a:latin typeface="Arial" panose="020B0604020202020204"/>
+                <a:ea typeface="Arial" panose="020B0604020202020204"/>
+                <a:cs typeface="Arial" panose="020B0604020202020204"/>
+                <a:sym typeface="Arial" panose="020B0604020202020204"/>
               </a:defRPr>
             </a:lvl1pPr>
             <a:lvl2pPr marL="0" marR="0" lvl="1" indent="0" algn="r">
@@ -3926,16 +3879,16 @@
                 <a:srgbClr val="000000"/>
               </a:buClr>
               <a:buSzPts val="1000"/>
-              <a:buFont typeface="Arial"/>
+              <a:buFont typeface="Arial" panose="020B0604020202020204"/>
               <a:buNone/>
               <a:defRPr sz="1000" b="0" i="0" u="none" strike="noStrike" cap="none">
                 <a:solidFill>
                   <a:schemeClr val="dk2"/>
                 </a:solidFill>
-                <a:latin typeface="Arial"/>
-                <a:ea typeface="Arial"/>
-                <a:cs typeface="Arial"/>
-                <a:sym typeface="Arial"/>
+                <a:latin typeface="Arial" panose="020B0604020202020204"/>
+                <a:ea typeface="Arial" panose="020B0604020202020204"/>
+                <a:cs typeface="Arial" panose="020B0604020202020204"/>
+                <a:sym typeface="Arial" panose="020B0604020202020204"/>
               </a:defRPr>
             </a:lvl2pPr>
             <a:lvl3pPr marL="0" marR="0" lvl="2" indent="0" algn="r">
@@ -3952,16 +3905,16 @@
                 <a:srgbClr val="000000"/>
               </a:buClr>
               <a:buSzPts val="1000"/>
-              <a:buFont typeface="Arial"/>
+              <a:buFont typeface="Arial" panose="020B0604020202020204"/>
               <a:buNone/>
               <a:defRPr sz="1000" b="0" i="0" u="none" strike="noStrike" cap="none">
                 <a:solidFill>
                   <a:schemeClr val="dk2"/>
                 </a:solidFill>
-                <a:latin typeface="Arial"/>
-                <a:ea typeface="Arial"/>
-                <a:cs typeface="Arial"/>
-                <a:sym typeface="Arial"/>
+                <a:latin typeface="Arial" panose="020B0604020202020204"/>
+                <a:ea typeface="Arial" panose="020B0604020202020204"/>
+                <a:cs typeface="Arial" panose="020B0604020202020204"/>
+                <a:sym typeface="Arial" panose="020B0604020202020204"/>
               </a:defRPr>
             </a:lvl3pPr>
             <a:lvl4pPr marL="0" marR="0" lvl="3" indent="0" algn="r">
@@ -3978,16 +3931,16 @@
                 <a:srgbClr val="000000"/>
               </a:buClr>
               <a:buSzPts val="1000"/>
-              <a:buFont typeface="Arial"/>
+              <a:buFont typeface="Arial" panose="020B0604020202020204"/>
               <a:buNone/>
               <a:defRPr sz="1000" b="0" i="0" u="none" strike="noStrike" cap="none">
                 <a:solidFill>
                   <a:schemeClr val="dk2"/>
                 </a:solidFill>
-                <a:latin typeface="Arial"/>
-                <a:ea typeface="Arial"/>
-                <a:cs typeface="Arial"/>
-                <a:sym typeface="Arial"/>
+                <a:latin typeface="Arial" panose="020B0604020202020204"/>
+                <a:ea typeface="Arial" panose="020B0604020202020204"/>
+                <a:cs typeface="Arial" panose="020B0604020202020204"/>
+                <a:sym typeface="Arial" panose="020B0604020202020204"/>
               </a:defRPr>
             </a:lvl4pPr>
             <a:lvl5pPr marL="0" marR="0" lvl="4" indent="0" algn="r">
@@ -4004,16 +3957,16 @@
                 <a:srgbClr val="000000"/>
               </a:buClr>
               <a:buSzPts val="1000"/>
-              <a:buFont typeface="Arial"/>
+              <a:buFont typeface="Arial" panose="020B0604020202020204"/>
               <a:buNone/>
               <a:defRPr sz="1000" b="0" i="0" u="none" strike="noStrike" cap="none">
                 <a:solidFill>
                   <a:schemeClr val="dk2"/>
                 </a:solidFill>
-                <a:latin typeface="Arial"/>
-                <a:ea typeface="Arial"/>
-                <a:cs typeface="Arial"/>
-                <a:sym typeface="Arial"/>
+                <a:latin typeface="Arial" panose="020B0604020202020204"/>
+                <a:ea typeface="Arial" panose="020B0604020202020204"/>
+                <a:cs typeface="Arial" panose="020B0604020202020204"/>
+                <a:sym typeface="Arial" panose="020B0604020202020204"/>
               </a:defRPr>
             </a:lvl5pPr>
             <a:lvl6pPr marL="0" marR="0" lvl="5" indent="0" algn="r">
@@ -4030,16 +3983,16 @@
                 <a:srgbClr val="000000"/>
               </a:buClr>
               <a:buSzPts val="1000"/>
-              <a:buFont typeface="Arial"/>
+              <a:buFont typeface="Arial" panose="020B0604020202020204"/>
               <a:buNone/>
               <a:defRPr sz="1000" b="0" i="0" u="none" strike="noStrike" cap="none">
                 <a:solidFill>
                   <a:schemeClr val="dk2"/>
                 </a:solidFill>
-                <a:latin typeface="Arial"/>
-                <a:ea typeface="Arial"/>
-                <a:cs typeface="Arial"/>
-                <a:sym typeface="Arial"/>
+                <a:latin typeface="Arial" panose="020B0604020202020204"/>
+                <a:ea typeface="Arial" panose="020B0604020202020204"/>
+                <a:cs typeface="Arial" panose="020B0604020202020204"/>
+                <a:sym typeface="Arial" panose="020B0604020202020204"/>
               </a:defRPr>
             </a:lvl6pPr>
             <a:lvl7pPr marL="0" marR="0" lvl="6" indent="0" algn="r">
@@ -4056,16 +4009,16 @@
                 <a:srgbClr val="000000"/>
               </a:buClr>
               <a:buSzPts val="1000"/>
-              <a:buFont typeface="Arial"/>
+              <a:buFont typeface="Arial" panose="020B0604020202020204"/>
               <a:buNone/>
               <a:defRPr sz="1000" b="0" i="0" u="none" strike="noStrike" cap="none">
                 <a:solidFill>
                   <a:schemeClr val="dk2"/>
                 </a:solidFill>
-                <a:latin typeface="Arial"/>
-                <a:ea typeface="Arial"/>
-                <a:cs typeface="Arial"/>
-                <a:sym typeface="Arial"/>
+                <a:latin typeface="Arial" panose="020B0604020202020204"/>
+                <a:ea typeface="Arial" panose="020B0604020202020204"/>
+                <a:cs typeface="Arial" panose="020B0604020202020204"/>
+                <a:sym typeface="Arial" panose="020B0604020202020204"/>
               </a:defRPr>
             </a:lvl7pPr>
             <a:lvl8pPr marL="0" marR="0" lvl="7" indent="0" algn="r">
@@ -4082,16 +4035,16 @@
                 <a:srgbClr val="000000"/>
               </a:buClr>
               <a:buSzPts val="1000"/>
-              <a:buFont typeface="Arial"/>
+              <a:buFont typeface="Arial" panose="020B0604020202020204"/>
               <a:buNone/>
               <a:defRPr sz="1000" b="0" i="0" u="none" strike="noStrike" cap="none">
                 <a:solidFill>
                   <a:schemeClr val="dk2"/>
                 </a:solidFill>
-                <a:latin typeface="Arial"/>
-                <a:ea typeface="Arial"/>
-                <a:cs typeface="Arial"/>
-                <a:sym typeface="Arial"/>
+                <a:latin typeface="Arial" panose="020B0604020202020204"/>
+                <a:ea typeface="Arial" panose="020B0604020202020204"/>
+                <a:cs typeface="Arial" panose="020B0604020202020204"/>
+                <a:sym typeface="Arial" panose="020B0604020202020204"/>
               </a:defRPr>
             </a:lvl8pPr>
             <a:lvl9pPr marL="0" marR="0" lvl="8" indent="0" algn="r">
@@ -4108,16 +4061,16 @@
                 <a:srgbClr val="000000"/>
               </a:buClr>
               <a:buSzPts val="1000"/>
-              <a:buFont typeface="Arial"/>
+              <a:buFont typeface="Arial" panose="020B0604020202020204"/>
               <a:buNone/>
               <a:defRPr sz="1000" b="0" i="0" u="none" strike="noStrike" cap="none">
                 <a:solidFill>
                   <a:schemeClr val="dk2"/>
                 </a:solidFill>
-                <a:latin typeface="Arial"/>
-                <a:ea typeface="Arial"/>
-                <a:cs typeface="Arial"/>
-                <a:sym typeface="Arial"/>
+                <a:latin typeface="Arial" panose="020B0604020202020204"/>
+                <a:ea typeface="Arial" panose="020B0604020202020204"/>
+                <a:cs typeface="Arial" panose="020B0604020202020204"/>
+                <a:sym typeface="Arial" panose="020B0604020202020204"/>
               </a:defRPr>
             </a:lvl9pPr>
           </a:lstStyle>
@@ -4133,9 +4086,8 @@
             </a:pPr>
             <a:fld id="{00000000-1234-1234-1234-123412341234}" type="slidenum">
               <a:rPr lang="en-GB"/>
-              <a:t>‹#›</a:t>
             </a:fld>
-            <a:endParaRPr/>
+            <a:endParaRPr lang="en-GB"/>
           </a:p>
         </p:txBody>
       </p:sp>
@@ -4319,9 +4271,7 @@
               <a:defRPr sz="4800"/>
             </a:lvl9pPr>
           </a:lstStyle>
-          <a:p>
-            <a:endParaRPr/>
-          </a:p>
+          <a:p/>
         </p:txBody>
       </p:sp>
       <p:sp>
@@ -4366,16 +4316,16 @@
                 <a:srgbClr val="000000"/>
               </a:buClr>
               <a:buSzPts val="1000"/>
-              <a:buFont typeface="Arial"/>
+              <a:buFont typeface="Arial" panose="020B0604020202020204"/>
               <a:buNone/>
               <a:defRPr sz="1000" b="0" i="0" u="none" strike="noStrike" cap="none">
                 <a:solidFill>
                   <a:schemeClr val="dk2"/>
                 </a:solidFill>
-                <a:latin typeface="Arial"/>
-                <a:ea typeface="Arial"/>
-                <a:cs typeface="Arial"/>
-                <a:sym typeface="Arial"/>
+                <a:latin typeface="Arial" panose="020B0604020202020204"/>
+                <a:ea typeface="Arial" panose="020B0604020202020204"/>
+                <a:cs typeface="Arial" panose="020B0604020202020204"/>
+                <a:sym typeface="Arial" panose="020B0604020202020204"/>
               </a:defRPr>
             </a:lvl1pPr>
             <a:lvl2pPr marL="0" marR="0" lvl="1" indent="0" algn="r">
@@ -4392,16 +4342,16 @@
                 <a:srgbClr val="000000"/>
               </a:buClr>
               <a:buSzPts val="1000"/>
-              <a:buFont typeface="Arial"/>
+              <a:buFont typeface="Arial" panose="020B0604020202020204"/>
               <a:buNone/>
               <a:defRPr sz="1000" b="0" i="0" u="none" strike="noStrike" cap="none">
                 <a:solidFill>
                   <a:schemeClr val="dk2"/>
                 </a:solidFill>
-                <a:latin typeface="Arial"/>
-                <a:ea typeface="Arial"/>
-                <a:cs typeface="Arial"/>
-                <a:sym typeface="Arial"/>
+                <a:latin typeface="Arial" panose="020B0604020202020204"/>
+                <a:ea typeface="Arial" panose="020B0604020202020204"/>
+                <a:cs typeface="Arial" panose="020B0604020202020204"/>
+                <a:sym typeface="Arial" panose="020B0604020202020204"/>
               </a:defRPr>
             </a:lvl2pPr>
             <a:lvl3pPr marL="0" marR="0" lvl="2" indent="0" algn="r">
@@ -4418,16 +4368,16 @@
                 <a:srgbClr val="000000"/>
               </a:buClr>
               <a:buSzPts val="1000"/>
-              <a:buFont typeface="Arial"/>
+              <a:buFont typeface="Arial" panose="020B0604020202020204"/>
               <a:buNone/>
               <a:defRPr sz="1000" b="0" i="0" u="none" strike="noStrike" cap="none">
                 <a:solidFill>
                   <a:schemeClr val="dk2"/>
                 </a:solidFill>
-                <a:latin typeface="Arial"/>
-                <a:ea typeface="Arial"/>
-                <a:cs typeface="Arial"/>
-                <a:sym typeface="Arial"/>
+                <a:latin typeface="Arial" panose="020B0604020202020204"/>
+                <a:ea typeface="Arial" panose="020B0604020202020204"/>
+                <a:cs typeface="Arial" panose="020B0604020202020204"/>
+                <a:sym typeface="Arial" panose="020B0604020202020204"/>
               </a:defRPr>
             </a:lvl3pPr>
             <a:lvl4pPr marL="0" marR="0" lvl="3" indent="0" algn="r">
@@ -4444,16 +4394,16 @@
                 <a:srgbClr val="000000"/>
               </a:buClr>
               <a:buSzPts val="1000"/>
-              <a:buFont typeface="Arial"/>
+              <a:buFont typeface="Arial" panose="020B0604020202020204"/>
               <a:buNone/>
               <a:defRPr sz="1000" b="0" i="0" u="none" strike="noStrike" cap="none">
                 <a:solidFill>
                   <a:schemeClr val="dk2"/>
                 </a:solidFill>
-                <a:latin typeface="Arial"/>
-                <a:ea typeface="Arial"/>
-                <a:cs typeface="Arial"/>
-                <a:sym typeface="Arial"/>
+                <a:latin typeface="Arial" panose="020B0604020202020204"/>
+                <a:ea typeface="Arial" panose="020B0604020202020204"/>
+                <a:cs typeface="Arial" panose="020B0604020202020204"/>
+                <a:sym typeface="Arial" panose="020B0604020202020204"/>
               </a:defRPr>
             </a:lvl4pPr>
             <a:lvl5pPr marL="0" marR="0" lvl="4" indent="0" algn="r">
@@ -4470,16 +4420,16 @@
                 <a:srgbClr val="000000"/>
               </a:buClr>
               <a:buSzPts val="1000"/>
-              <a:buFont typeface="Arial"/>
+              <a:buFont typeface="Arial" panose="020B0604020202020204"/>
               <a:buNone/>
               <a:defRPr sz="1000" b="0" i="0" u="none" strike="noStrike" cap="none">
                 <a:solidFill>
                   <a:schemeClr val="dk2"/>
                 </a:solidFill>
-                <a:latin typeface="Arial"/>
-                <a:ea typeface="Arial"/>
-                <a:cs typeface="Arial"/>
-                <a:sym typeface="Arial"/>
+                <a:latin typeface="Arial" panose="020B0604020202020204"/>
+                <a:ea typeface="Arial" panose="020B0604020202020204"/>
+                <a:cs typeface="Arial" panose="020B0604020202020204"/>
+                <a:sym typeface="Arial" panose="020B0604020202020204"/>
               </a:defRPr>
             </a:lvl5pPr>
             <a:lvl6pPr marL="0" marR="0" lvl="5" indent="0" algn="r">
@@ -4496,16 +4446,16 @@
                 <a:srgbClr val="000000"/>
               </a:buClr>
               <a:buSzPts val="1000"/>
-              <a:buFont typeface="Arial"/>
+              <a:buFont typeface="Arial" panose="020B0604020202020204"/>
               <a:buNone/>
               <a:defRPr sz="1000" b="0" i="0" u="none" strike="noStrike" cap="none">
                 <a:solidFill>
                   <a:schemeClr val="dk2"/>
                 </a:solidFill>
-                <a:latin typeface="Arial"/>
-                <a:ea typeface="Arial"/>
-                <a:cs typeface="Arial"/>
-                <a:sym typeface="Arial"/>
+                <a:latin typeface="Arial" panose="020B0604020202020204"/>
+                <a:ea typeface="Arial" panose="020B0604020202020204"/>
+                <a:cs typeface="Arial" panose="020B0604020202020204"/>
+                <a:sym typeface="Arial" panose="020B0604020202020204"/>
               </a:defRPr>
             </a:lvl6pPr>
             <a:lvl7pPr marL="0" marR="0" lvl="6" indent="0" algn="r">
@@ -4522,16 +4472,16 @@
                 <a:srgbClr val="000000"/>
               </a:buClr>
               <a:buSzPts val="1000"/>
-              <a:buFont typeface="Arial"/>
+              <a:buFont typeface="Arial" panose="020B0604020202020204"/>
               <a:buNone/>
               <a:defRPr sz="1000" b="0" i="0" u="none" strike="noStrike" cap="none">
                 <a:solidFill>
                   <a:schemeClr val="dk2"/>
                 </a:solidFill>
-                <a:latin typeface="Arial"/>
-                <a:ea typeface="Arial"/>
-                <a:cs typeface="Arial"/>
-                <a:sym typeface="Arial"/>
+                <a:latin typeface="Arial" panose="020B0604020202020204"/>
+                <a:ea typeface="Arial" panose="020B0604020202020204"/>
+                <a:cs typeface="Arial" panose="020B0604020202020204"/>
+                <a:sym typeface="Arial" panose="020B0604020202020204"/>
               </a:defRPr>
             </a:lvl7pPr>
             <a:lvl8pPr marL="0" marR="0" lvl="7" indent="0" algn="r">
@@ -4548,16 +4498,16 @@
                 <a:srgbClr val="000000"/>
               </a:buClr>
               <a:buSzPts val="1000"/>
-              <a:buFont typeface="Arial"/>
+              <a:buFont typeface="Arial" panose="020B0604020202020204"/>
               <a:buNone/>
               <a:defRPr sz="1000" b="0" i="0" u="none" strike="noStrike" cap="none">
                 <a:solidFill>
                   <a:schemeClr val="dk2"/>
                 </a:solidFill>
-                <a:latin typeface="Arial"/>
-                <a:ea typeface="Arial"/>
-                <a:cs typeface="Arial"/>
-                <a:sym typeface="Arial"/>
+                <a:latin typeface="Arial" panose="020B0604020202020204"/>
+                <a:ea typeface="Arial" panose="020B0604020202020204"/>
+                <a:cs typeface="Arial" panose="020B0604020202020204"/>
+                <a:sym typeface="Arial" panose="020B0604020202020204"/>
               </a:defRPr>
             </a:lvl8pPr>
             <a:lvl9pPr marL="0" marR="0" lvl="8" indent="0" algn="r">
@@ -4574,16 +4524,16 @@
                 <a:srgbClr val="000000"/>
               </a:buClr>
               <a:buSzPts val="1000"/>
-              <a:buFont typeface="Arial"/>
+              <a:buFont typeface="Arial" panose="020B0604020202020204"/>
               <a:buNone/>
               <a:defRPr sz="1000" b="0" i="0" u="none" strike="noStrike" cap="none">
                 <a:solidFill>
                   <a:schemeClr val="dk2"/>
                 </a:solidFill>
-                <a:latin typeface="Arial"/>
-                <a:ea typeface="Arial"/>
-                <a:cs typeface="Arial"/>
-                <a:sym typeface="Arial"/>
+                <a:latin typeface="Arial" panose="020B0604020202020204"/>
+                <a:ea typeface="Arial" panose="020B0604020202020204"/>
+                <a:cs typeface="Arial" panose="020B0604020202020204"/>
+                <a:sym typeface="Arial" panose="020B0604020202020204"/>
               </a:defRPr>
             </a:lvl9pPr>
           </a:lstStyle>
@@ -4599,9 +4549,8 @@
             </a:pPr>
             <a:fld id="{00000000-1234-1234-1234-123412341234}" type="slidenum">
               <a:rPr lang="en-GB"/>
-              <a:t>‹#›</a:t>
             </a:fld>
-            <a:endParaRPr/>
+            <a:endParaRPr lang="en-GB"/>
           </a:p>
         </p:txBody>
       </p:sp>
@@ -4671,17 +4620,17 @@
                 <a:srgbClr val="000000"/>
               </a:buClr>
               <a:buSzPts val="1400"/>
-              <a:buFont typeface="Arial"/>
+              <a:buFont typeface="Arial" panose="020B0604020202020204"/>
               <a:buNone/>
             </a:pPr>
             <a:endParaRPr sz="1400" b="0" i="0" u="none" strike="noStrike" cap="none">
               <a:solidFill>
                 <a:srgbClr val="000000"/>
               </a:solidFill>
-              <a:latin typeface="Arial"/>
-              <a:ea typeface="Arial"/>
-              <a:cs typeface="Arial"/>
-              <a:sym typeface="Arial"/>
+              <a:latin typeface="Arial" panose="020B0604020202020204"/>
+              <a:ea typeface="Arial" panose="020B0604020202020204"/>
+              <a:cs typeface="Arial" panose="020B0604020202020204"/>
+              <a:sym typeface="Arial" panose="020B0604020202020204"/>
             </a:endParaRPr>
           </a:p>
         </p:txBody>
@@ -4841,9 +4790,7 @@
               <a:defRPr sz="4200"/>
             </a:lvl9pPr>
           </a:lstStyle>
-          <a:p>
-            <a:endParaRPr/>
-          </a:p>
+          <a:p/>
         </p:txBody>
       </p:sp>
       <p:sp>
@@ -5001,9 +4948,7 @@
               <a:defRPr sz="2100"/>
             </a:lvl9pPr>
           </a:lstStyle>
-          <a:p>
-            <a:endParaRPr/>
-          </a:p>
+          <a:p/>
         </p:txBody>
       </p:sp>
       <p:sp>
@@ -5161,9 +5106,7 @@
               <a:defRPr/>
             </a:lvl9pPr>
           </a:lstStyle>
-          <a:p>
-            <a:endParaRPr/>
-          </a:p>
+          <a:p/>
         </p:txBody>
       </p:sp>
       <p:sp>
@@ -5208,16 +5151,16 @@
                 <a:srgbClr val="000000"/>
               </a:buClr>
               <a:buSzPts val="1000"/>
-              <a:buFont typeface="Arial"/>
+              <a:buFont typeface="Arial" panose="020B0604020202020204"/>
               <a:buNone/>
               <a:defRPr sz="1000" b="0" i="0" u="none" strike="noStrike" cap="none">
                 <a:solidFill>
                   <a:schemeClr val="dk2"/>
                 </a:solidFill>
-                <a:latin typeface="Arial"/>
-                <a:ea typeface="Arial"/>
-                <a:cs typeface="Arial"/>
-                <a:sym typeface="Arial"/>
+                <a:latin typeface="Arial" panose="020B0604020202020204"/>
+                <a:ea typeface="Arial" panose="020B0604020202020204"/>
+                <a:cs typeface="Arial" panose="020B0604020202020204"/>
+                <a:sym typeface="Arial" panose="020B0604020202020204"/>
               </a:defRPr>
             </a:lvl1pPr>
             <a:lvl2pPr marL="0" marR="0" lvl="1" indent="0" algn="r">
@@ -5234,16 +5177,16 @@
                 <a:srgbClr val="000000"/>
               </a:buClr>
               <a:buSzPts val="1000"/>
-              <a:buFont typeface="Arial"/>
+              <a:buFont typeface="Arial" panose="020B0604020202020204"/>
               <a:buNone/>
               <a:defRPr sz="1000" b="0" i="0" u="none" strike="noStrike" cap="none">
                 <a:solidFill>
                   <a:schemeClr val="dk2"/>
                 </a:solidFill>
-                <a:latin typeface="Arial"/>
-                <a:ea typeface="Arial"/>
-                <a:cs typeface="Arial"/>
-                <a:sym typeface="Arial"/>
+                <a:latin typeface="Arial" panose="020B0604020202020204"/>
+                <a:ea typeface="Arial" panose="020B0604020202020204"/>
+                <a:cs typeface="Arial" panose="020B0604020202020204"/>
+                <a:sym typeface="Arial" panose="020B0604020202020204"/>
               </a:defRPr>
             </a:lvl2pPr>
             <a:lvl3pPr marL="0" marR="0" lvl="2" indent="0" algn="r">
@@ -5260,16 +5203,16 @@
                 <a:srgbClr val="000000"/>
               </a:buClr>
               <a:buSzPts val="1000"/>
-              <a:buFont typeface="Arial"/>
+              <a:buFont typeface="Arial" panose="020B0604020202020204"/>
               <a:buNone/>
               <a:defRPr sz="1000" b="0" i="0" u="none" strike="noStrike" cap="none">
                 <a:solidFill>
                   <a:schemeClr val="dk2"/>
                 </a:solidFill>
-                <a:latin typeface="Arial"/>
-                <a:ea typeface="Arial"/>
-                <a:cs typeface="Arial"/>
-                <a:sym typeface="Arial"/>
+                <a:latin typeface="Arial" panose="020B0604020202020204"/>
+                <a:ea typeface="Arial" panose="020B0604020202020204"/>
+                <a:cs typeface="Arial" panose="020B0604020202020204"/>
+                <a:sym typeface="Arial" panose="020B0604020202020204"/>
               </a:defRPr>
             </a:lvl3pPr>
             <a:lvl4pPr marL="0" marR="0" lvl="3" indent="0" algn="r">
@@ -5286,16 +5229,16 @@
                 <a:srgbClr val="000000"/>
               </a:buClr>
               <a:buSzPts val="1000"/>
-              <a:buFont typeface="Arial"/>
+              <a:buFont typeface="Arial" panose="020B0604020202020204"/>
               <a:buNone/>
               <a:defRPr sz="1000" b="0" i="0" u="none" strike="noStrike" cap="none">
                 <a:solidFill>
                   <a:schemeClr val="dk2"/>
                 </a:solidFill>
-                <a:latin typeface="Arial"/>
-                <a:ea typeface="Arial"/>
-                <a:cs typeface="Arial"/>
-                <a:sym typeface="Arial"/>
+                <a:latin typeface="Arial" panose="020B0604020202020204"/>
+                <a:ea typeface="Arial" panose="020B0604020202020204"/>
+                <a:cs typeface="Arial" panose="020B0604020202020204"/>
+                <a:sym typeface="Arial" panose="020B0604020202020204"/>
               </a:defRPr>
             </a:lvl4pPr>
             <a:lvl5pPr marL="0" marR="0" lvl="4" indent="0" algn="r">
@@ -5312,16 +5255,16 @@
                 <a:srgbClr val="000000"/>
               </a:buClr>
               <a:buSzPts val="1000"/>
-              <a:buFont typeface="Arial"/>
+              <a:buFont typeface="Arial" panose="020B0604020202020204"/>
               <a:buNone/>
               <a:defRPr sz="1000" b="0" i="0" u="none" strike="noStrike" cap="none">
                 <a:solidFill>
                   <a:schemeClr val="dk2"/>
                 </a:solidFill>
-                <a:latin typeface="Arial"/>
-                <a:ea typeface="Arial"/>
-                <a:cs typeface="Arial"/>
-                <a:sym typeface="Arial"/>
+                <a:latin typeface="Arial" panose="020B0604020202020204"/>
+                <a:ea typeface="Arial" panose="020B0604020202020204"/>
+                <a:cs typeface="Arial" panose="020B0604020202020204"/>
+                <a:sym typeface="Arial" panose="020B0604020202020204"/>
               </a:defRPr>
             </a:lvl5pPr>
             <a:lvl6pPr marL="0" marR="0" lvl="5" indent="0" algn="r">
@@ -5338,16 +5281,16 @@
                 <a:srgbClr val="000000"/>
               </a:buClr>
               <a:buSzPts val="1000"/>
-              <a:buFont typeface="Arial"/>
+              <a:buFont typeface="Arial" panose="020B0604020202020204"/>
               <a:buNone/>
               <a:defRPr sz="1000" b="0" i="0" u="none" strike="noStrike" cap="none">
                 <a:solidFill>
                   <a:schemeClr val="dk2"/>
                 </a:solidFill>
-                <a:latin typeface="Arial"/>
-                <a:ea typeface="Arial"/>
-                <a:cs typeface="Arial"/>
-                <a:sym typeface="Arial"/>
+                <a:latin typeface="Arial" panose="020B0604020202020204"/>
+                <a:ea typeface="Arial" panose="020B0604020202020204"/>
+                <a:cs typeface="Arial" panose="020B0604020202020204"/>
+                <a:sym typeface="Arial" panose="020B0604020202020204"/>
               </a:defRPr>
             </a:lvl6pPr>
             <a:lvl7pPr marL="0" marR="0" lvl="6" indent="0" algn="r">
@@ -5364,16 +5307,16 @@
                 <a:srgbClr val="000000"/>
               </a:buClr>
               <a:buSzPts val="1000"/>
-              <a:buFont typeface="Arial"/>
+              <a:buFont typeface="Arial" panose="020B0604020202020204"/>
               <a:buNone/>
               <a:defRPr sz="1000" b="0" i="0" u="none" strike="noStrike" cap="none">
                 <a:solidFill>
                   <a:schemeClr val="dk2"/>
                 </a:solidFill>
-                <a:latin typeface="Arial"/>
-                <a:ea typeface="Arial"/>
-                <a:cs typeface="Arial"/>
-                <a:sym typeface="Arial"/>
+                <a:latin typeface="Arial" panose="020B0604020202020204"/>
+                <a:ea typeface="Arial" panose="020B0604020202020204"/>
+                <a:cs typeface="Arial" panose="020B0604020202020204"/>
+                <a:sym typeface="Arial" panose="020B0604020202020204"/>
               </a:defRPr>
             </a:lvl7pPr>
             <a:lvl8pPr marL="0" marR="0" lvl="7" indent="0" algn="r">
@@ -5390,16 +5333,16 @@
                 <a:srgbClr val="000000"/>
               </a:buClr>
               <a:buSzPts val="1000"/>
-              <a:buFont typeface="Arial"/>
+              <a:buFont typeface="Arial" panose="020B0604020202020204"/>
               <a:buNone/>
               <a:defRPr sz="1000" b="0" i="0" u="none" strike="noStrike" cap="none">
                 <a:solidFill>
                   <a:schemeClr val="dk2"/>
                 </a:solidFill>
-                <a:latin typeface="Arial"/>
-                <a:ea typeface="Arial"/>
-                <a:cs typeface="Arial"/>
-                <a:sym typeface="Arial"/>
+                <a:latin typeface="Arial" panose="020B0604020202020204"/>
+                <a:ea typeface="Arial" panose="020B0604020202020204"/>
+                <a:cs typeface="Arial" panose="020B0604020202020204"/>
+                <a:sym typeface="Arial" panose="020B0604020202020204"/>
               </a:defRPr>
             </a:lvl8pPr>
             <a:lvl9pPr marL="0" marR="0" lvl="8" indent="0" algn="r">
@@ -5416,16 +5359,16 @@
                 <a:srgbClr val="000000"/>
               </a:buClr>
               <a:buSzPts val="1000"/>
-              <a:buFont typeface="Arial"/>
+              <a:buFont typeface="Arial" panose="020B0604020202020204"/>
               <a:buNone/>
               <a:defRPr sz="1000" b="0" i="0" u="none" strike="noStrike" cap="none">
                 <a:solidFill>
                   <a:schemeClr val="dk2"/>
                 </a:solidFill>
-                <a:latin typeface="Arial"/>
-                <a:ea typeface="Arial"/>
-                <a:cs typeface="Arial"/>
-                <a:sym typeface="Arial"/>
+                <a:latin typeface="Arial" panose="020B0604020202020204"/>
+                <a:ea typeface="Arial" panose="020B0604020202020204"/>
+                <a:cs typeface="Arial" panose="020B0604020202020204"/>
+                <a:sym typeface="Arial" panose="020B0604020202020204"/>
               </a:defRPr>
             </a:lvl9pPr>
           </a:lstStyle>
@@ -5441,9 +5384,8 @@
             </a:pPr>
             <a:fld id="{00000000-1234-1234-1234-123412341234}" type="slidenum">
               <a:rPr lang="en-GB"/>
-              <a:t>‹#›</a:t>
             </a:fld>
-            <a:endParaRPr/>
+            <a:endParaRPr lang="en-GB"/>
           </a:p>
         </p:txBody>
       </p:sp>
@@ -5515,9 +5457,7 @@
               <a:defRPr/>
             </a:lvl1pPr>
           </a:lstStyle>
-          <a:p>
-            <a:endParaRPr/>
-          </a:p>
+          <a:p/>
         </p:txBody>
       </p:sp>
       <p:sp>
@@ -5562,16 +5502,16 @@
                 <a:srgbClr val="000000"/>
               </a:buClr>
               <a:buSzPts val="1000"/>
-              <a:buFont typeface="Arial"/>
+              <a:buFont typeface="Arial" panose="020B0604020202020204"/>
               <a:buNone/>
               <a:defRPr sz="1000" b="0" i="0" u="none" strike="noStrike" cap="none">
                 <a:solidFill>
                   <a:schemeClr val="dk2"/>
                 </a:solidFill>
-                <a:latin typeface="Arial"/>
-                <a:ea typeface="Arial"/>
-                <a:cs typeface="Arial"/>
-                <a:sym typeface="Arial"/>
+                <a:latin typeface="Arial" panose="020B0604020202020204"/>
+                <a:ea typeface="Arial" panose="020B0604020202020204"/>
+                <a:cs typeface="Arial" panose="020B0604020202020204"/>
+                <a:sym typeface="Arial" panose="020B0604020202020204"/>
               </a:defRPr>
             </a:lvl1pPr>
             <a:lvl2pPr marL="0" marR="0" lvl="1" indent="0" algn="r">
@@ -5588,16 +5528,16 @@
                 <a:srgbClr val="000000"/>
               </a:buClr>
               <a:buSzPts val="1000"/>
-              <a:buFont typeface="Arial"/>
+              <a:buFont typeface="Arial" panose="020B0604020202020204"/>
               <a:buNone/>
               <a:defRPr sz="1000" b="0" i="0" u="none" strike="noStrike" cap="none">
                 <a:solidFill>
                   <a:schemeClr val="dk2"/>
                 </a:solidFill>
-                <a:latin typeface="Arial"/>
-                <a:ea typeface="Arial"/>
-                <a:cs typeface="Arial"/>
-                <a:sym typeface="Arial"/>
+                <a:latin typeface="Arial" panose="020B0604020202020204"/>
+                <a:ea typeface="Arial" panose="020B0604020202020204"/>
+                <a:cs typeface="Arial" panose="020B0604020202020204"/>
+                <a:sym typeface="Arial" panose="020B0604020202020204"/>
               </a:defRPr>
             </a:lvl2pPr>
             <a:lvl3pPr marL="0" marR="0" lvl="2" indent="0" algn="r">
@@ -5614,16 +5554,16 @@
                 <a:srgbClr val="000000"/>
               </a:buClr>
               <a:buSzPts val="1000"/>
-              <a:buFont typeface="Arial"/>
+              <a:buFont typeface="Arial" panose="020B0604020202020204"/>
               <a:buNone/>
               <a:defRPr sz="1000" b="0" i="0" u="none" strike="noStrike" cap="none">
                 <a:solidFill>
                   <a:schemeClr val="dk2"/>
                 </a:solidFill>
-                <a:latin typeface="Arial"/>
-                <a:ea typeface="Arial"/>
-                <a:cs typeface="Arial"/>
-                <a:sym typeface="Arial"/>
+                <a:latin typeface="Arial" panose="020B0604020202020204"/>
+                <a:ea typeface="Arial" panose="020B0604020202020204"/>
+                <a:cs typeface="Arial" panose="020B0604020202020204"/>
+                <a:sym typeface="Arial" panose="020B0604020202020204"/>
               </a:defRPr>
             </a:lvl3pPr>
             <a:lvl4pPr marL="0" marR="0" lvl="3" indent="0" algn="r">
@@ -5640,16 +5580,16 @@
                 <a:srgbClr val="000000"/>
               </a:buClr>
               <a:buSzPts val="1000"/>
-              <a:buFont typeface="Arial"/>
+              <a:buFont typeface="Arial" panose="020B0604020202020204"/>
               <a:buNone/>
               <a:defRPr sz="1000" b="0" i="0" u="none" strike="noStrike" cap="none">
                 <a:solidFill>
                   <a:schemeClr val="dk2"/>
                 </a:solidFill>
-                <a:latin typeface="Arial"/>
-                <a:ea typeface="Arial"/>
-                <a:cs typeface="Arial"/>
-                <a:sym typeface="Arial"/>
+                <a:latin typeface="Arial" panose="020B0604020202020204"/>
+                <a:ea typeface="Arial" panose="020B0604020202020204"/>
+                <a:cs typeface="Arial" panose="020B0604020202020204"/>
+                <a:sym typeface="Arial" panose="020B0604020202020204"/>
               </a:defRPr>
             </a:lvl4pPr>
             <a:lvl5pPr marL="0" marR="0" lvl="4" indent="0" algn="r">
@@ -5666,16 +5606,16 @@
                 <a:srgbClr val="000000"/>
               </a:buClr>
               <a:buSzPts val="1000"/>
-              <a:buFont typeface="Arial"/>
+              <a:buFont typeface="Arial" panose="020B0604020202020204"/>
               <a:buNone/>
               <a:defRPr sz="1000" b="0" i="0" u="none" strike="noStrike" cap="none">
                 <a:solidFill>
                   <a:schemeClr val="dk2"/>
                 </a:solidFill>
-                <a:latin typeface="Arial"/>
-                <a:ea typeface="Arial"/>
-                <a:cs typeface="Arial"/>
-                <a:sym typeface="Arial"/>
+                <a:latin typeface="Arial" panose="020B0604020202020204"/>
+                <a:ea typeface="Arial" panose="020B0604020202020204"/>
+                <a:cs typeface="Arial" panose="020B0604020202020204"/>
+                <a:sym typeface="Arial" panose="020B0604020202020204"/>
               </a:defRPr>
             </a:lvl5pPr>
             <a:lvl6pPr marL="0" marR="0" lvl="5" indent="0" algn="r">
@@ -5692,16 +5632,16 @@
                 <a:srgbClr val="000000"/>
               </a:buClr>
               <a:buSzPts val="1000"/>
-              <a:buFont typeface="Arial"/>
+              <a:buFont typeface="Arial" panose="020B0604020202020204"/>
               <a:buNone/>
               <a:defRPr sz="1000" b="0" i="0" u="none" strike="noStrike" cap="none">
                 <a:solidFill>
                   <a:schemeClr val="dk2"/>
                 </a:solidFill>
-                <a:latin typeface="Arial"/>
-                <a:ea typeface="Arial"/>
-                <a:cs typeface="Arial"/>
-                <a:sym typeface="Arial"/>
+                <a:latin typeface="Arial" panose="020B0604020202020204"/>
+                <a:ea typeface="Arial" panose="020B0604020202020204"/>
+                <a:cs typeface="Arial" panose="020B0604020202020204"/>
+                <a:sym typeface="Arial" panose="020B0604020202020204"/>
               </a:defRPr>
             </a:lvl6pPr>
             <a:lvl7pPr marL="0" marR="0" lvl="6" indent="0" algn="r">
@@ -5718,16 +5658,16 @@
                 <a:srgbClr val="000000"/>
               </a:buClr>
               <a:buSzPts val="1000"/>
-              <a:buFont typeface="Arial"/>
+              <a:buFont typeface="Arial" panose="020B0604020202020204"/>
               <a:buNone/>
               <a:defRPr sz="1000" b="0" i="0" u="none" strike="noStrike" cap="none">
                 <a:solidFill>
                   <a:schemeClr val="dk2"/>
                 </a:solidFill>
-                <a:latin typeface="Arial"/>
-                <a:ea typeface="Arial"/>
-                <a:cs typeface="Arial"/>
-                <a:sym typeface="Arial"/>
+                <a:latin typeface="Arial" panose="020B0604020202020204"/>
+                <a:ea typeface="Arial" panose="020B0604020202020204"/>
+                <a:cs typeface="Arial" panose="020B0604020202020204"/>
+                <a:sym typeface="Arial" panose="020B0604020202020204"/>
               </a:defRPr>
             </a:lvl7pPr>
             <a:lvl8pPr marL="0" marR="0" lvl="7" indent="0" algn="r">
@@ -5744,16 +5684,16 @@
                 <a:srgbClr val="000000"/>
               </a:buClr>
               <a:buSzPts val="1000"/>
-              <a:buFont typeface="Arial"/>
+              <a:buFont typeface="Arial" panose="020B0604020202020204"/>
               <a:buNone/>
               <a:defRPr sz="1000" b="0" i="0" u="none" strike="noStrike" cap="none">
                 <a:solidFill>
                   <a:schemeClr val="dk2"/>
                 </a:solidFill>
-                <a:latin typeface="Arial"/>
-                <a:ea typeface="Arial"/>
-                <a:cs typeface="Arial"/>
-                <a:sym typeface="Arial"/>
+                <a:latin typeface="Arial" panose="020B0604020202020204"/>
+                <a:ea typeface="Arial" panose="020B0604020202020204"/>
+                <a:cs typeface="Arial" panose="020B0604020202020204"/>
+                <a:sym typeface="Arial" panose="020B0604020202020204"/>
               </a:defRPr>
             </a:lvl8pPr>
             <a:lvl9pPr marL="0" marR="0" lvl="8" indent="0" algn="r">
@@ -5770,16 +5710,16 @@
                 <a:srgbClr val="000000"/>
               </a:buClr>
               <a:buSzPts val="1000"/>
-              <a:buFont typeface="Arial"/>
+              <a:buFont typeface="Arial" panose="020B0604020202020204"/>
               <a:buNone/>
               <a:defRPr sz="1000" b="0" i="0" u="none" strike="noStrike" cap="none">
                 <a:solidFill>
                   <a:schemeClr val="dk2"/>
                 </a:solidFill>
-                <a:latin typeface="Arial"/>
-                <a:ea typeface="Arial"/>
-                <a:cs typeface="Arial"/>
-                <a:sym typeface="Arial"/>
+                <a:latin typeface="Arial" panose="020B0604020202020204"/>
+                <a:ea typeface="Arial" panose="020B0604020202020204"/>
+                <a:cs typeface="Arial" panose="020B0604020202020204"/>
+                <a:sym typeface="Arial" panose="020B0604020202020204"/>
               </a:defRPr>
             </a:lvl9pPr>
           </a:lstStyle>
@@ -5795,9 +5735,8 @@
             </a:pPr>
             <a:fld id="{00000000-1234-1234-1234-123412341234}" type="slidenum">
               <a:rPr lang="en-GB"/>
-              <a:t>‹#›</a:t>
             </a:fld>
-            <a:endParaRPr/>
+            <a:endParaRPr lang="en-GB"/>
           </a:p>
         </p:txBody>
       </p:sp>
@@ -6143,9 +6082,7 @@
               <a:defRPr/>
             </a:lvl9pPr>
           </a:lstStyle>
-          <a:p>
-            <a:endParaRPr/>
-          </a:p>
+          <a:p/>
         </p:txBody>
       </p:sp>
       <p:sp>
@@ -6190,16 +6127,16 @@
                 <a:srgbClr val="000000"/>
               </a:buClr>
               <a:buSzPts val="1000"/>
-              <a:buFont typeface="Arial"/>
+              <a:buFont typeface="Arial" panose="020B0604020202020204"/>
               <a:buNone/>
               <a:defRPr sz="1000" b="0" i="0" u="none" strike="noStrike" cap="none">
                 <a:solidFill>
                   <a:schemeClr val="dk2"/>
                 </a:solidFill>
-                <a:latin typeface="Arial"/>
-                <a:ea typeface="Arial"/>
-                <a:cs typeface="Arial"/>
-                <a:sym typeface="Arial"/>
+                <a:latin typeface="Arial" panose="020B0604020202020204"/>
+                <a:ea typeface="Arial" panose="020B0604020202020204"/>
+                <a:cs typeface="Arial" panose="020B0604020202020204"/>
+                <a:sym typeface="Arial" panose="020B0604020202020204"/>
               </a:defRPr>
             </a:lvl1pPr>
             <a:lvl2pPr marL="0" marR="0" lvl="1" indent="0" algn="r">
@@ -6216,16 +6153,16 @@
                 <a:srgbClr val="000000"/>
               </a:buClr>
               <a:buSzPts val="1000"/>
-              <a:buFont typeface="Arial"/>
+              <a:buFont typeface="Arial" panose="020B0604020202020204"/>
               <a:buNone/>
               <a:defRPr sz="1000" b="0" i="0" u="none" strike="noStrike" cap="none">
                 <a:solidFill>
                   <a:schemeClr val="dk2"/>
                 </a:solidFill>
-                <a:latin typeface="Arial"/>
-                <a:ea typeface="Arial"/>
-                <a:cs typeface="Arial"/>
-                <a:sym typeface="Arial"/>
+                <a:latin typeface="Arial" panose="020B0604020202020204"/>
+                <a:ea typeface="Arial" panose="020B0604020202020204"/>
+                <a:cs typeface="Arial" panose="020B0604020202020204"/>
+                <a:sym typeface="Arial" panose="020B0604020202020204"/>
               </a:defRPr>
             </a:lvl2pPr>
             <a:lvl3pPr marL="0" marR="0" lvl="2" indent="0" algn="r">
@@ -6242,16 +6179,16 @@
                 <a:srgbClr val="000000"/>
               </a:buClr>
               <a:buSzPts val="1000"/>
-              <a:buFont typeface="Arial"/>
+              <a:buFont typeface="Arial" panose="020B0604020202020204"/>
               <a:buNone/>
               <a:defRPr sz="1000" b="0" i="0" u="none" strike="noStrike" cap="none">
                 <a:solidFill>
                   <a:schemeClr val="dk2"/>
                 </a:solidFill>
-                <a:latin typeface="Arial"/>
-                <a:ea typeface="Arial"/>
-                <a:cs typeface="Arial"/>
-                <a:sym typeface="Arial"/>
+                <a:latin typeface="Arial" panose="020B0604020202020204"/>
+                <a:ea typeface="Arial" panose="020B0604020202020204"/>
+                <a:cs typeface="Arial" panose="020B0604020202020204"/>
+                <a:sym typeface="Arial" panose="020B0604020202020204"/>
               </a:defRPr>
             </a:lvl3pPr>
             <a:lvl4pPr marL="0" marR="0" lvl="3" indent="0" algn="r">
@@ -6268,16 +6205,16 @@
                 <a:srgbClr val="000000"/>
               </a:buClr>
               <a:buSzPts val="1000"/>
-              <a:buFont typeface="Arial"/>
+              <a:buFont typeface="Arial" panose="020B0604020202020204"/>
               <a:buNone/>
               <a:defRPr sz="1000" b="0" i="0" u="none" strike="noStrike" cap="none">
                 <a:solidFill>
                   <a:schemeClr val="dk2"/>
                 </a:solidFill>
-                <a:latin typeface="Arial"/>
-                <a:ea typeface="Arial"/>
-                <a:cs typeface="Arial"/>
-                <a:sym typeface="Arial"/>
+                <a:latin typeface="Arial" panose="020B0604020202020204"/>
+                <a:ea typeface="Arial" panose="020B0604020202020204"/>
+                <a:cs typeface="Arial" panose="020B0604020202020204"/>
+                <a:sym typeface="Arial" panose="020B0604020202020204"/>
               </a:defRPr>
             </a:lvl4pPr>
             <a:lvl5pPr marL="0" marR="0" lvl="4" indent="0" algn="r">
@@ -6294,16 +6231,16 @@
                 <a:srgbClr val="000000"/>
               </a:buClr>
               <a:buSzPts val="1000"/>
-              <a:buFont typeface="Arial"/>
+              <a:buFont typeface="Arial" panose="020B0604020202020204"/>
               <a:buNone/>
               <a:defRPr sz="1000" b="0" i="0" u="none" strike="noStrike" cap="none">
                 <a:solidFill>
                   <a:schemeClr val="dk2"/>
                 </a:solidFill>
-                <a:latin typeface="Arial"/>
-                <a:ea typeface="Arial"/>
-                <a:cs typeface="Arial"/>
-                <a:sym typeface="Arial"/>
+                <a:latin typeface="Arial" panose="020B0604020202020204"/>
+                <a:ea typeface="Arial" panose="020B0604020202020204"/>
+                <a:cs typeface="Arial" panose="020B0604020202020204"/>
+                <a:sym typeface="Arial" panose="020B0604020202020204"/>
               </a:defRPr>
             </a:lvl5pPr>
             <a:lvl6pPr marL="0" marR="0" lvl="5" indent="0" algn="r">
@@ -6320,16 +6257,16 @@
                 <a:srgbClr val="000000"/>
               </a:buClr>
               <a:buSzPts val="1000"/>
-              <a:buFont typeface="Arial"/>
+              <a:buFont typeface="Arial" panose="020B0604020202020204"/>
               <a:buNone/>
               <a:defRPr sz="1000" b="0" i="0" u="none" strike="noStrike" cap="none">
                 <a:solidFill>
                   <a:schemeClr val="dk2"/>
                 </a:solidFill>
-                <a:latin typeface="Arial"/>
-                <a:ea typeface="Arial"/>
-                <a:cs typeface="Arial"/>
-                <a:sym typeface="Arial"/>
+                <a:latin typeface="Arial" panose="020B0604020202020204"/>
+                <a:ea typeface="Arial" panose="020B0604020202020204"/>
+                <a:cs typeface="Arial" panose="020B0604020202020204"/>
+                <a:sym typeface="Arial" panose="020B0604020202020204"/>
               </a:defRPr>
             </a:lvl6pPr>
             <a:lvl7pPr marL="0" marR="0" lvl="6" indent="0" algn="r">
@@ -6346,16 +6283,16 @@
                 <a:srgbClr val="000000"/>
               </a:buClr>
               <a:buSzPts val="1000"/>
-              <a:buFont typeface="Arial"/>
+              <a:buFont typeface="Arial" panose="020B0604020202020204"/>
               <a:buNone/>
               <a:defRPr sz="1000" b="0" i="0" u="none" strike="noStrike" cap="none">
                 <a:solidFill>
                   <a:schemeClr val="dk2"/>
                 </a:solidFill>
-                <a:latin typeface="Arial"/>
-                <a:ea typeface="Arial"/>
-                <a:cs typeface="Arial"/>
-                <a:sym typeface="Arial"/>
+                <a:latin typeface="Arial" panose="020B0604020202020204"/>
+                <a:ea typeface="Arial" panose="020B0604020202020204"/>
+                <a:cs typeface="Arial" panose="020B0604020202020204"/>
+                <a:sym typeface="Arial" panose="020B0604020202020204"/>
               </a:defRPr>
             </a:lvl7pPr>
             <a:lvl8pPr marL="0" marR="0" lvl="7" indent="0" algn="r">
@@ -6372,16 +6309,16 @@
                 <a:srgbClr val="000000"/>
               </a:buClr>
               <a:buSzPts val="1000"/>
-              <a:buFont typeface="Arial"/>
+              <a:buFont typeface="Arial" panose="020B0604020202020204"/>
               <a:buNone/>
               <a:defRPr sz="1000" b="0" i="0" u="none" strike="noStrike" cap="none">
                 <a:solidFill>
                   <a:schemeClr val="dk2"/>
                 </a:solidFill>
-                <a:latin typeface="Arial"/>
-                <a:ea typeface="Arial"/>
-                <a:cs typeface="Arial"/>
-                <a:sym typeface="Arial"/>
+                <a:latin typeface="Arial" panose="020B0604020202020204"/>
+                <a:ea typeface="Arial" panose="020B0604020202020204"/>
+                <a:cs typeface="Arial" panose="020B0604020202020204"/>
+                <a:sym typeface="Arial" panose="020B0604020202020204"/>
               </a:defRPr>
             </a:lvl8pPr>
             <a:lvl9pPr marL="0" marR="0" lvl="8" indent="0" algn="r">
@@ -6398,16 +6335,16 @@
                 <a:srgbClr val="000000"/>
               </a:buClr>
               <a:buSzPts val="1000"/>
-              <a:buFont typeface="Arial"/>
+              <a:buFont typeface="Arial" panose="020B0604020202020204"/>
               <a:buNone/>
               <a:defRPr sz="1000" b="0" i="0" u="none" strike="noStrike" cap="none">
                 <a:solidFill>
                   <a:schemeClr val="dk2"/>
                 </a:solidFill>
-                <a:latin typeface="Arial"/>
-                <a:ea typeface="Arial"/>
-                <a:cs typeface="Arial"/>
-                <a:sym typeface="Arial"/>
+                <a:latin typeface="Arial" panose="020B0604020202020204"/>
+                <a:ea typeface="Arial" panose="020B0604020202020204"/>
+                <a:cs typeface="Arial" panose="020B0604020202020204"/>
+                <a:sym typeface="Arial" panose="020B0604020202020204"/>
               </a:defRPr>
             </a:lvl9pPr>
           </a:lstStyle>
@@ -6423,9 +6360,8 @@
             </a:pPr>
             <a:fld id="{00000000-1234-1234-1234-123412341234}" type="slidenum">
               <a:rPr lang="en-GB"/>
-              <a:t>‹#›</a:t>
             </a:fld>
-            <a:endParaRPr/>
+            <a:endParaRPr lang="en-GB"/>
           </a:p>
         </p:txBody>
       </p:sp>
@@ -6438,7 +6374,7 @@
 </file>
 
 <file path=ppt/slideLayouts/slideLayout9.xml><?xml version="1.0" encoding="utf-8"?>
-<p:sldLayout xmlns:a="http://schemas.openxmlformats.org/drawingml/2006/main" xmlns:r="http://schemas.openxmlformats.org/officeDocument/2006/relationships" xmlns:p="http://schemas.openxmlformats.org/presentationml/2006/main" matchingName="Blank" type="blank">
+<p:sldLayout xmlns:a="http://schemas.openxmlformats.org/drawingml/2006/main" xmlns:r="http://schemas.openxmlformats.org/officeDocument/2006/relationships" xmlns:p="http://schemas.openxmlformats.org/presentationml/2006/main" type="blank" matchingName="Blank">
   <p:cSld name="BLANK">
     <p:spTree>
       <p:nvGrpSpPr>
@@ -6496,16 +6432,16 @@
                 <a:srgbClr val="000000"/>
               </a:buClr>
               <a:buSzPts val="1000"/>
-              <a:buFont typeface="Arial"/>
+              <a:buFont typeface="Arial" panose="020B0604020202020204"/>
               <a:buNone/>
               <a:defRPr sz="1000" b="0" i="0" u="none" strike="noStrike" cap="none">
                 <a:solidFill>
                   <a:schemeClr val="dk2"/>
                 </a:solidFill>
-                <a:latin typeface="Arial"/>
-                <a:ea typeface="Arial"/>
-                <a:cs typeface="Arial"/>
-                <a:sym typeface="Arial"/>
+                <a:latin typeface="Arial" panose="020B0604020202020204"/>
+                <a:ea typeface="Arial" panose="020B0604020202020204"/>
+                <a:cs typeface="Arial" panose="020B0604020202020204"/>
+                <a:sym typeface="Arial" panose="020B0604020202020204"/>
               </a:defRPr>
             </a:lvl1pPr>
             <a:lvl2pPr marL="0" marR="0" lvl="1" indent="0" algn="r">
@@ -6522,16 +6458,16 @@
                 <a:srgbClr val="000000"/>
               </a:buClr>
               <a:buSzPts val="1000"/>
-              <a:buFont typeface="Arial"/>
+              <a:buFont typeface="Arial" panose="020B0604020202020204"/>
               <a:buNone/>
               <a:defRPr sz="1000" b="0" i="0" u="none" strike="noStrike" cap="none">
                 <a:solidFill>
                   <a:schemeClr val="dk2"/>
                 </a:solidFill>
-                <a:latin typeface="Arial"/>
-                <a:ea typeface="Arial"/>
-                <a:cs typeface="Arial"/>
-                <a:sym typeface="Arial"/>
+                <a:latin typeface="Arial" panose="020B0604020202020204"/>
+                <a:ea typeface="Arial" panose="020B0604020202020204"/>
+                <a:cs typeface="Arial" panose="020B0604020202020204"/>
+                <a:sym typeface="Arial" panose="020B0604020202020204"/>
               </a:defRPr>
             </a:lvl2pPr>
             <a:lvl3pPr marL="0" marR="0" lvl="2" indent="0" algn="r">
@@ -6548,16 +6484,16 @@
                 <a:srgbClr val="000000"/>
               </a:buClr>
               <a:buSzPts val="1000"/>
-              <a:buFont typeface="Arial"/>
+              <a:buFont typeface="Arial" panose="020B0604020202020204"/>
               <a:buNone/>
               <a:defRPr sz="1000" b="0" i="0" u="none" strike="noStrike" cap="none">
                 <a:solidFill>
                   <a:schemeClr val="dk2"/>
                 </a:solidFill>
-                <a:latin typeface="Arial"/>
-                <a:ea typeface="Arial"/>
-                <a:cs typeface="Arial"/>
-                <a:sym typeface="Arial"/>
+                <a:latin typeface="Arial" panose="020B0604020202020204"/>
+                <a:ea typeface="Arial" panose="020B0604020202020204"/>
+                <a:cs typeface="Arial" panose="020B0604020202020204"/>
+                <a:sym typeface="Arial" panose="020B0604020202020204"/>
               </a:defRPr>
             </a:lvl3pPr>
             <a:lvl4pPr marL="0" marR="0" lvl="3" indent="0" algn="r">
@@ -6574,16 +6510,16 @@
                 <a:srgbClr val="000000"/>
               </a:buClr>
               <a:buSzPts val="1000"/>
-              <a:buFont typeface="Arial"/>
+              <a:buFont typeface="Arial" panose="020B0604020202020204"/>
               <a:buNone/>
               <a:defRPr sz="1000" b="0" i="0" u="none" strike="noStrike" cap="none">
                 <a:solidFill>
                   <a:schemeClr val="dk2"/>
                 </a:solidFill>
-                <a:latin typeface="Arial"/>
-                <a:ea typeface="Arial"/>
-                <a:cs typeface="Arial"/>
-                <a:sym typeface="Arial"/>
+                <a:latin typeface="Arial" panose="020B0604020202020204"/>
+                <a:ea typeface="Arial" panose="020B0604020202020204"/>
+                <a:cs typeface="Arial" panose="020B0604020202020204"/>
+                <a:sym typeface="Arial" panose="020B0604020202020204"/>
               </a:defRPr>
             </a:lvl4pPr>
             <a:lvl5pPr marL="0" marR="0" lvl="4" indent="0" algn="r">
@@ -6600,16 +6536,16 @@
                 <a:srgbClr val="000000"/>
               </a:buClr>
               <a:buSzPts val="1000"/>
-              <a:buFont typeface="Arial"/>
+              <a:buFont typeface="Arial" panose="020B0604020202020204"/>
               <a:buNone/>
               <a:defRPr sz="1000" b="0" i="0" u="none" strike="noStrike" cap="none">
                 <a:solidFill>
                   <a:schemeClr val="dk2"/>
                 </a:solidFill>
-                <a:latin typeface="Arial"/>
-                <a:ea typeface="Arial"/>
-                <a:cs typeface="Arial"/>
-                <a:sym typeface="Arial"/>
+                <a:latin typeface="Arial" panose="020B0604020202020204"/>
+                <a:ea typeface="Arial" panose="020B0604020202020204"/>
+                <a:cs typeface="Arial" panose="020B0604020202020204"/>
+                <a:sym typeface="Arial" panose="020B0604020202020204"/>
               </a:defRPr>
             </a:lvl5pPr>
             <a:lvl6pPr marL="0" marR="0" lvl="5" indent="0" algn="r">
@@ -6626,16 +6562,16 @@
                 <a:srgbClr val="000000"/>
               </a:buClr>
               <a:buSzPts val="1000"/>
-              <a:buFont typeface="Arial"/>
+              <a:buFont typeface="Arial" panose="020B0604020202020204"/>
               <a:buNone/>
               <a:defRPr sz="1000" b="0" i="0" u="none" strike="noStrike" cap="none">
                 <a:solidFill>
                   <a:schemeClr val="dk2"/>
                 </a:solidFill>
-                <a:latin typeface="Arial"/>
-                <a:ea typeface="Arial"/>
-                <a:cs typeface="Arial"/>
-                <a:sym typeface="Arial"/>
+                <a:latin typeface="Arial" panose="020B0604020202020204"/>
+                <a:ea typeface="Arial" panose="020B0604020202020204"/>
+                <a:cs typeface="Arial" panose="020B0604020202020204"/>
+                <a:sym typeface="Arial" panose="020B0604020202020204"/>
               </a:defRPr>
             </a:lvl6pPr>
             <a:lvl7pPr marL="0" marR="0" lvl="6" indent="0" algn="r">
@@ -6652,16 +6588,16 @@
                 <a:srgbClr val="000000"/>
               </a:buClr>
               <a:buSzPts val="1000"/>
-              <a:buFont typeface="Arial"/>
+              <a:buFont typeface="Arial" panose="020B0604020202020204"/>
               <a:buNone/>
               <a:defRPr sz="1000" b="0" i="0" u="none" strike="noStrike" cap="none">
                 <a:solidFill>
                   <a:schemeClr val="dk2"/>
                 </a:solidFill>
-                <a:latin typeface="Arial"/>
-                <a:ea typeface="Arial"/>
-                <a:cs typeface="Arial"/>
-                <a:sym typeface="Arial"/>
+                <a:latin typeface="Arial" panose="020B0604020202020204"/>
+                <a:ea typeface="Arial" panose="020B0604020202020204"/>
+                <a:cs typeface="Arial" panose="020B0604020202020204"/>
+                <a:sym typeface="Arial" panose="020B0604020202020204"/>
               </a:defRPr>
             </a:lvl7pPr>
             <a:lvl8pPr marL="0" marR="0" lvl="7" indent="0" algn="r">
@@ -6678,16 +6614,16 @@
                 <a:srgbClr val="000000"/>
               </a:buClr>
               <a:buSzPts val="1000"/>
-              <a:buFont typeface="Arial"/>
+              <a:buFont typeface="Arial" panose="020B0604020202020204"/>
               <a:buNone/>
               <a:defRPr sz="1000" b="0" i="0" u="none" strike="noStrike" cap="none">
                 <a:solidFill>
                   <a:schemeClr val="dk2"/>
                 </a:solidFill>
-                <a:latin typeface="Arial"/>
-                <a:ea typeface="Arial"/>
-                <a:cs typeface="Arial"/>
-                <a:sym typeface="Arial"/>
+                <a:latin typeface="Arial" panose="020B0604020202020204"/>
+                <a:ea typeface="Arial" panose="020B0604020202020204"/>
+                <a:cs typeface="Arial" panose="020B0604020202020204"/>
+                <a:sym typeface="Arial" panose="020B0604020202020204"/>
               </a:defRPr>
             </a:lvl8pPr>
             <a:lvl9pPr marL="0" marR="0" lvl="8" indent="0" algn="r">
@@ -6704,16 +6640,16 @@
                 <a:srgbClr val="000000"/>
               </a:buClr>
               <a:buSzPts val="1000"/>
-              <a:buFont typeface="Arial"/>
+              <a:buFont typeface="Arial" panose="020B0604020202020204"/>
               <a:buNone/>
               <a:defRPr sz="1000" b="0" i="0" u="none" strike="noStrike" cap="none">
                 <a:solidFill>
                   <a:schemeClr val="dk2"/>
                 </a:solidFill>
-                <a:latin typeface="Arial"/>
-                <a:ea typeface="Arial"/>
-                <a:cs typeface="Arial"/>
-                <a:sym typeface="Arial"/>
+                <a:latin typeface="Arial" panose="020B0604020202020204"/>
+                <a:ea typeface="Arial" panose="020B0604020202020204"/>
+                <a:cs typeface="Arial" panose="020B0604020202020204"/>
+                <a:sym typeface="Arial" panose="020B0604020202020204"/>
               </a:defRPr>
             </a:lvl9pPr>
           </a:lstStyle>
@@ -6729,9 +6665,8 @@
             </a:pPr>
             <a:fld id="{00000000-1234-1234-1234-123412341234}" type="slidenum">
               <a:rPr lang="en-GB"/>
-              <a:t>‹#›</a:t>
             </a:fld>
-            <a:endParaRPr/>
+            <a:endParaRPr lang="en-GB"/>
           </a:p>
         </p:txBody>
       </p:sp>
@@ -6745,7 +6680,7 @@
 
 <file path=ppt/slideMasters/slideMaster1.xml><?xml version="1.0" encoding="utf-8"?>
 <p:sldMaster xmlns:a="http://schemas.openxmlformats.org/drawingml/2006/main" xmlns:r="http://schemas.openxmlformats.org/officeDocument/2006/relationships" xmlns:p="http://schemas.openxmlformats.org/presentationml/2006/main">
-  <p:cSld name="simple-light-2">
+  <p:cSld>
     <p:bg>
       <p:bgPr>
         <a:solidFill>
@@ -6810,16 +6745,16 @@
                 <a:schemeClr val="dk1"/>
               </a:buClr>
               <a:buSzPts val="2800"/>
-              <a:buFont typeface="Arial"/>
+              <a:buFont typeface="Arial" panose="020B0604020202020204"/>
               <a:buNone/>
               <a:defRPr sz="2800" b="0" i="0" u="none" strike="noStrike" cap="none">
                 <a:solidFill>
                   <a:schemeClr val="dk1"/>
                 </a:solidFill>
-                <a:latin typeface="Arial"/>
-                <a:ea typeface="Arial"/>
-                <a:cs typeface="Arial"/>
-                <a:sym typeface="Arial"/>
+                <a:latin typeface="Arial" panose="020B0604020202020204"/>
+                <a:ea typeface="Arial" panose="020B0604020202020204"/>
+                <a:cs typeface="Arial" panose="020B0604020202020204"/>
+                <a:sym typeface="Arial" panose="020B0604020202020204"/>
               </a:defRPr>
             </a:lvl1pPr>
             <a:lvl2pPr marR="0" lvl="1" algn="l" rtl="0">
@@ -6836,16 +6771,16 @@
                 <a:schemeClr val="dk1"/>
               </a:buClr>
               <a:buSzPts val="2800"/>
-              <a:buFont typeface="Arial"/>
+              <a:buFont typeface="Arial" panose="020B0604020202020204"/>
               <a:buNone/>
               <a:defRPr sz="2800" b="0" i="0" u="none" strike="noStrike" cap="none">
                 <a:solidFill>
                   <a:schemeClr val="dk1"/>
                 </a:solidFill>
-                <a:latin typeface="Arial"/>
-                <a:ea typeface="Arial"/>
-                <a:cs typeface="Arial"/>
-                <a:sym typeface="Arial"/>
+                <a:latin typeface="Arial" panose="020B0604020202020204"/>
+                <a:ea typeface="Arial" panose="020B0604020202020204"/>
+                <a:cs typeface="Arial" panose="020B0604020202020204"/>
+                <a:sym typeface="Arial" panose="020B0604020202020204"/>
               </a:defRPr>
             </a:lvl2pPr>
             <a:lvl3pPr marR="0" lvl="2" algn="l" rtl="0">
@@ -6862,16 +6797,16 @@
                 <a:schemeClr val="dk1"/>
               </a:buClr>
               <a:buSzPts val="2800"/>
-              <a:buFont typeface="Arial"/>
+              <a:buFont typeface="Arial" panose="020B0604020202020204"/>
               <a:buNone/>
               <a:defRPr sz="2800" b="0" i="0" u="none" strike="noStrike" cap="none">
                 <a:solidFill>
                   <a:schemeClr val="dk1"/>
                 </a:solidFill>
-                <a:latin typeface="Arial"/>
-                <a:ea typeface="Arial"/>
-                <a:cs typeface="Arial"/>
-                <a:sym typeface="Arial"/>
+                <a:latin typeface="Arial" panose="020B0604020202020204"/>
+                <a:ea typeface="Arial" panose="020B0604020202020204"/>
+                <a:cs typeface="Arial" panose="020B0604020202020204"/>
+                <a:sym typeface="Arial" panose="020B0604020202020204"/>
               </a:defRPr>
             </a:lvl3pPr>
             <a:lvl4pPr marR="0" lvl="3" algn="l" rtl="0">
@@ -6888,16 +6823,16 @@
                 <a:schemeClr val="dk1"/>
               </a:buClr>
               <a:buSzPts val="2800"/>
-              <a:buFont typeface="Arial"/>
+              <a:buFont typeface="Arial" panose="020B0604020202020204"/>
               <a:buNone/>
               <a:defRPr sz="2800" b="0" i="0" u="none" strike="noStrike" cap="none">
                 <a:solidFill>
                   <a:schemeClr val="dk1"/>
                 </a:solidFill>
-                <a:latin typeface="Arial"/>
-                <a:ea typeface="Arial"/>
-                <a:cs typeface="Arial"/>
-                <a:sym typeface="Arial"/>
+                <a:latin typeface="Arial" panose="020B0604020202020204"/>
+                <a:ea typeface="Arial" panose="020B0604020202020204"/>
+                <a:cs typeface="Arial" panose="020B0604020202020204"/>
+                <a:sym typeface="Arial" panose="020B0604020202020204"/>
               </a:defRPr>
             </a:lvl4pPr>
             <a:lvl5pPr marR="0" lvl="4" algn="l" rtl="0">
@@ -6914,16 +6849,16 @@
                 <a:schemeClr val="dk1"/>
               </a:buClr>
               <a:buSzPts val="2800"/>
-              <a:buFont typeface="Arial"/>
+              <a:buFont typeface="Arial" panose="020B0604020202020204"/>
               <a:buNone/>
               <a:defRPr sz="2800" b="0" i="0" u="none" strike="noStrike" cap="none">
                 <a:solidFill>
                   <a:schemeClr val="dk1"/>
                 </a:solidFill>
-                <a:latin typeface="Arial"/>
-                <a:ea typeface="Arial"/>
-                <a:cs typeface="Arial"/>
-                <a:sym typeface="Arial"/>
+                <a:latin typeface="Arial" panose="020B0604020202020204"/>
+                <a:ea typeface="Arial" panose="020B0604020202020204"/>
+                <a:cs typeface="Arial" panose="020B0604020202020204"/>
+                <a:sym typeface="Arial" panose="020B0604020202020204"/>
               </a:defRPr>
             </a:lvl5pPr>
             <a:lvl6pPr marR="0" lvl="5" algn="l" rtl="0">
@@ -6940,16 +6875,16 @@
                 <a:schemeClr val="dk1"/>
               </a:buClr>
               <a:buSzPts val="2800"/>
-              <a:buFont typeface="Arial"/>
+              <a:buFont typeface="Arial" panose="020B0604020202020204"/>
               <a:buNone/>
               <a:defRPr sz="2800" b="0" i="0" u="none" strike="noStrike" cap="none">
                 <a:solidFill>
                   <a:schemeClr val="dk1"/>
                 </a:solidFill>
-                <a:latin typeface="Arial"/>
-                <a:ea typeface="Arial"/>
-                <a:cs typeface="Arial"/>
-                <a:sym typeface="Arial"/>
+                <a:latin typeface="Arial" panose="020B0604020202020204"/>
+                <a:ea typeface="Arial" panose="020B0604020202020204"/>
+                <a:cs typeface="Arial" panose="020B0604020202020204"/>
+                <a:sym typeface="Arial" panose="020B0604020202020204"/>
               </a:defRPr>
             </a:lvl6pPr>
             <a:lvl7pPr marR="0" lvl="6" algn="l" rtl="0">
@@ -6966,16 +6901,16 @@
                 <a:schemeClr val="dk1"/>
               </a:buClr>
               <a:buSzPts val="2800"/>
-              <a:buFont typeface="Arial"/>
+              <a:buFont typeface="Arial" panose="020B0604020202020204"/>
               <a:buNone/>
               <a:defRPr sz="2800" b="0" i="0" u="none" strike="noStrike" cap="none">
                 <a:solidFill>
                   <a:schemeClr val="dk1"/>
                 </a:solidFill>
-                <a:latin typeface="Arial"/>
-                <a:ea typeface="Arial"/>
-                <a:cs typeface="Arial"/>
-                <a:sym typeface="Arial"/>
+                <a:latin typeface="Arial" panose="020B0604020202020204"/>
+                <a:ea typeface="Arial" panose="020B0604020202020204"/>
+                <a:cs typeface="Arial" panose="020B0604020202020204"/>
+                <a:sym typeface="Arial" panose="020B0604020202020204"/>
               </a:defRPr>
             </a:lvl7pPr>
             <a:lvl8pPr marR="0" lvl="7" algn="l" rtl="0">
@@ -6992,16 +6927,16 @@
                 <a:schemeClr val="dk1"/>
               </a:buClr>
               <a:buSzPts val="2800"/>
-              <a:buFont typeface="Arial"/>
+              <a:buFont typeface="Arial" panose="020B0604020202020204"/>
               <a:buNone/>
               <a:defRPr sz="2800" b="0" i="0" u="none" strike="noStrike" cap="none">
                 <a:solidFill>
                   <a:schemeClr val="dk1"/>
                 </a:solidFill>
-                <a:latin typeface="Arial"/>
-                <a:ea typeface="Arial"/>
-                <a:cs typeface="Arial"/>
-                <a:sym typeface="Arial"/>
+                <a:latin typeface="Arial" panose="020B0604020202020204"/>
+                <a:ea typeface="Arial" panose="020B0604020202020204"/>
+                <a:cs typeface="Arial" panose="020B0604020202020204"/>
+                <a:sym typeface="Arial" panose="020B0604020202020204"/>
               </a:defRPr>
             </a:lvl8pPr>
             <a:lvl9pPr marR="0" lvl="8" algn="l" rtl="0">
@@ -7018,22 +6953,20 @@
                 <a:schemeClr val="dk1"/>
               </a:buClr>
               <a:buSzPts val="2800"/>
-              <a:buFont typeface="Arial"/>
+              <a:buFont typeface="Arial" panose="020B0604020202020204"/>
               <a:buNone/>
               <a:defRPr sz="2800" b="0" i="0" u="none" strike="noStrike" cap="none">
                 <a:solidFill>
                   <a:schemeClr val="dk1"/>
                 </a:solidFill>
-                <a:latin typeface="Arial"/>
-                <a:ea typeface="Arial"/>
-                <a:cs typeface="Arial"/>
-                <a:sym typeface="Arial"/>
+                <a:latin typeface="Arial" panose="020B0604020202020204"/>
+                <a:ea typeface="Arial" panose="020B0604020202020204"/>
+                <a:cs typeface="Arial" panose="020B0604020202020204"/>
+                <a:sym typeface="Arial" panose="020B0604020202020204"/>
               </a:defRPr>
             </a:lvl9pPr>
           </a:lstStyle>
-          <a:p>
-            <a:endParaRPr/>
-          </a:p>
+          <a:p/>
         </p:txBody>
       </p:sp>
       <p:sp>
@@ -7078,16 +7011,16 @@
                 <a:schemeClr val="dk2"/>
               </a:buClr>
               <a:buSzPts val="1800"/>
-              <a:buFont typeface="Arial"/>
+              <a:buFont typeface="Arial" panose="020B0604020202020204"/>
               <a:buChar char="●"/>
               <a:defRPr sz="1800" b="0" i="0" u="none" strike="noStrike" cap="none">
                 <a:solidFill>
                   <a:schemeClr val="dk2"/>
                 </a:solidFill>
-                <a:latin typeface="Arial"/>
-                <a:ea typeface="Arial"/>
-                <a:cs typeface="Arial"/>
-                <a:sym typeface="Arial"/>
+                <a:latin typeface="Arial" panose="020B0604020202020204"/>
+                <a:ea typeface="Arial" panose="020B0604020202020204"/>
+                <a:cs typeface="Arial" panose="020B0604020202020204"/>
+                <a:sym typeface="Arial" panose="020B0604020202020204"/>
               </a:defRPr>
             </a:lvl1pPr>
             <a:lvl2pPr marL="914400" marR="0" lvl="1" indent="-317500" algn="l" rtl="0">
@@ -7104,16 +7037,16 @@
                 <a:schemeClr val="dk2"/>
               </a:buClr>
               <a:buSzPts val="1400"/>
-              <a:buFont typeface="Arial"/>
+              <a:buFont typeface="Arial" panose="020B0604020202020204"/>
               <a:buChar char="○"/>
               <a:defRPr sz="1400" b="0" i="0" u="none" strike="noStrike" cap="none">
                 <a:solidFill>
                   <a:schemeClr val="dk2"/>
                 </a:solidFill>
-                <a:latin typeface="Arial"/>
-                <a:ea typeface="Arial"/>
-                <a:cs typeface="Arial"/>
-                <a:sym typeface="Arial"/>
+                <a:latin typeface="Arial" panose="020B0604020202020204"/>
+                <a:ea typeface="Arial" panose="020B0604020202020204"/>
+                <a:cs typeface="Arial" panose="020B0604020202020204"/>
+                <a:sym typeface="Arial" panose="020B0604020202020204"/>
               </a:defRPr>
             </a:lvl2pPr>
             <a:lvl3pPr marL="1371600" marR="0" lvl="2" indent="-317500" algn="l" rtl="0">
@@ -7130,16 +7063,16 @@
                 <a:schemeClr val="dk2"/>
               </a:buClr>
               <a:buSzPts val="1400"/>
-              <a:buFont typeface="Arial"/>
+              <a:buFont typeface="Arial" panose="020B0604020202020204"/>
               <a:buChar char="■"/>
               <a:defRPr sz="1400" b="0" i="0" u="none" strike="noStrike" cap="none">
                 <a:solidFill>
                   <a:schemeClr val="dk2"/>
                 </a:solidFill>
-                <a:latin typeface="Arial"/>
-                <a:ea typeface="Arial"/>
-                <a:cs typeface="Arial"/>
-                <a:sym typeface="Arial"/>
+                <a:latin typeface="Arial" panose="020B0604020202020204"/>
+                <a:ea typeface="Arial" panose="020B0604020202020204"/>
+                <a:cs typeface="Arial" panose="020B0604020202020204"/>
+                <a:sym typeface="Arial" panose="020B0604020202020204"/>
               </a:defRPr>
             </a:lvl3pPr>
             <a:lvl4pPr marL="1828800" marR="0" lvl="3" indent="-317500" algn="l" rtl="0">
@@ -7156,16 +7089,16 @@
                 <a:schemeClr val="dk2"/>
               </a:buClr>
               <a:buSzPts val="1400"/>
-              <a:buFont typeface="Arial"/>
+              <a:buFont typeface="Arial" panose="020B0604020202020204"/>
               <a:buChar char="●"/>
               <a:defRPr sz="1400" b="0" i="0" u="none" strike="noStrike" cap="none">
                 <a:solidFill>
                   <a:schemeClr val="dk2"/>
                 </a:solidFill>
-                <a:latin typeface="Arial"/>
-                <a:ea typeface="Arial"/>
-                <a:cs typeface="Arial"/>
-                <a:sym typeface="Arial"/>
+                <a:latin typeface="Arial" panose="020B0604020202020204"/>
+                <a:ea typeface="Arial" panose="020B0604020202020204"/>
+                <a:cs typeface="Arial" panose="020B0604020202020204"/>
+                <a:sym typeface="Arial" panose="020B0604020202020204"/>
               </a:defRPr>
             </a:lvl4pPr>
             <a:lvl5pPr marL="2286000" marR="0" lvl="4" indent="-317500" algn="l" rtl="0">
@@ -7182,16 +7115,16 @@
                 <a:schemeClr val="dk2"/>
               </a:buClr>
               <a:buSzPts val="1400"/>
-              <a:buFont typeface="Arial"/>
+              <a:buFont typeface="Arial" panose="020B0604020202020204"/>
               <a:buChar char="○"/>
               <a:defRPr sz="1400" b="0" i="0" u="none" strike="noStrike" cap="none">
                 <a:solidFill>
                   <a:schemeClr val="dk2"/>
                 </a:solidFill>
-                <a:latin typeface="Arial"/>
-                <a:ea typeface="Arial"/>
-                <a:cs typeface="Arial"/>
-                <a:sym typeface="Arial"/>
+                <a:latin typeface="Arial" panose="020B0604020202020204"/>
+                <a:ea typeface="Arial" panose="020B0604020202020204"/>
+                <a:cs typeface="Arial" panose="020B0604020202020204"/>
+                <a:sym typeface="Arial" panose="020B0604020202020204"/>
               </a:defRPr>
             </a:lvl5pPr>
             <a:lvl6pPr marL="2743200" marR="0" lvl="5" indent="-317500" algn="l" rtl="0">
@@ -7208,16 +7141,16 @@
                 <a:schemeClr val="dk2"/>
               </a:buClr>
               <a:buSzPts val="1400"/>
-              <a:buFont typeface="Arial"/>
+              <a:buFont typeface="Arial" panose="020B0604020202020204"/>
               <a:buChar char="■"/>
               <a:defRPr sz="1400" b="0" i="0" u="none" strike="noStrike" cap="none">
                 <a:solidFill>
                   <a:schemeClr val="dk2"/>
                 </a:solidFill>
-                <a:latin typeface="Arial"/>
-                <a:ea typeface="Arial"/>
-                <a:cs typeface="Arial"/>
-                <a:sym typeface="Arial"/>
+                <a:latin typeface="Arial" panose="020B0604020202020204"/>
+                <a:ea typeface="Arial" panose="020B0604020202020204"/>
+                <a:cs typeface="Arial" panose="020B0604020202020204"/>
+                <a:sym typeface="Arial" panose="020B0604020202020204"/>
               </a:defRPr>
             </a:lvl6pPr>
             <a:lvl7pPr marL="3200400" marR="0" lvl="6" indent="-317500" algn="l" rtl="0">
@@ -7234,16 +7167,16 @@
                 <a:schemeClr val="dk2"/>
               </a:buClr>
               <a:buSzPts val="1400"/>
-              <a:buFont typeface="Arial"/>
+              <a:buFont typeface="Arial" panose="020B0604020202020204"/>
               <a:buChar char="●"/>
               <a:defRPr sz="1400" b="0" i="0" u="none" strike="noStrike" cap="none">
                 <a:solidFill>
                   <a:schemeClr val="dk2"/>
                 </a:solidFill>
-                <a:latin typeface="Arial"/>
-                <a:ea typeface="Arial"/>
-                <a:cs typeface="Arial"/>
-                <a:sym typeface="Arial"/>
+                <a:latin typeface="Arial" panose="020B0604020202020204"/>
+                <a:ea typeface="Arial" panose="020B0604020202020204"/>
+                <a:cs typeface="Arial" panose="020B0604020202020204"/>
+                <a:sym typeface="Arial" panose="020B0604020202020204"/>
               </a:defRPr>
             </a:lvl7pPr>
             <a:lvl8pPr marL="3657600" marR="0" lvl="7" indent="-317500" algn="l" rtl="0">
@@ -7260,16 +7193,16 @@
                 <a:schemeClr val="dk2"/>
               </a:buClr>
               <a:buSzPts val="1400"/>
-              <a:buFont typeface="Arial"/>
+              <a:buFont typeface="Arial" panose="020B0604020202020204"/>
               <a:buChar char="○"/>
               <a:defRPr sz="1400" b="0" i="0" u="none" strike="noStrike" cap="none">
                 <a:solidFill>
                   <a:schemeClr val="dk2"/>
                 </a:solidFill>
-                <a:latin typeface="Arial"/>
-                <a:ea typeface="Arial"/>
-                <a:cs typeface="Arial"/>
-                <a:sym typeface="Arial"/>
+                <a:latin typeface="Arial" panose="020B0604020202020204"/>
+                <a:ea typeface="Arial" panose="020B0604020202020204"/>
+                <a:cs typeface="Arial" panose="020B0604020202020204"/>
+                <a:sym typeface="Arial" panose="020B0604020202020204"/>
               </a:defRPr>
             </a:lvl8pPr>
             <a:lvl9pPr marL="4114800" marR="0" lvl="8" indent="-317500" algn="l" rtl="0">
@@ -7286,22 +7219,20 @@
                 <a:schemeClr val="dk2"/>
               </a:buClr>
               <a:buSzPts val="1400"/>
-              <a:buFont typeface="Arial"/>
+              <a:buFont typeface="Arial" panose="020B0604020202020204"/>
               <a:buChar char="■"/>
               <a:defRPr sz="1400" b="0" i="0" u="none" strike="noStrike" cap="none">
                 <a:solidFill>
                   <a:schemeClr val="dk2"/>
                 </a:solidFill>
-                <a:latin typeface="Arial"/>
-                <a:ea typeface="Arial"/>
-                <a:cs typeface="Arial"/>
-                <a:sym typeface="Arial"/>
+                <a:latin typeface="Arial" panose="020B0604020202020204"/>
+                <a:ea typeface="Arial" panose="020B0604020202020204"/>
+                <a:cs typeface="Arial" panose="020B0604020202020204"/>
+                <a:sym typeface="Arial" panose="020B0604020202020204"/>
               </a:defRPr>
             </a:lvl9pPr>
           </a:lstStyle>
-          <a:p>
-            <a:endParaRPr/>
-          </a:p>
+          <a:p/>
         </p:txBody>
       </p:sp>
       <p:sp>
@@ -7346,16 +7277,16 @@
                 <a:srgbClr val="000000"/>
               </a:buClr>
               <a:buSzPts val="1000"/>
-              <a:buFont typeface="Arial"/>
+              <a:buFont typeface="Arial" panose="020B0604020202020204"/>
               <a:buNone/>
               <a:defRPr sz="1000" b="0" i="0" u="none" strike="noStrike" cap="none">
                 <a:solidFill>
                   <a:schemeClr val="dk2"/>
                 </a:solidFill>
-                <a:latin typeface="Arial"/>
-                <a:ea typeface="Arial"/>
-                <a:cs typeface="Arial"/>
-                <a:sym typeface="Arial"/>
+                <a:latin typeface="Arial" panose="020B0604020202020204"/>
+                <a:ea typeface="Arial" panose="020B0604020202020204"/>
+                <a:cs typeface="Arial" panose="020B0604020202020204"/>
+                <a:sym typeface="Arial" panose="020B0604020202020204"/>
               </a:defRPr>
             </a:lvl1pPr>
             <a:lvl2pPr marL="0" marR="0" lvl="1" indent="0" algn="r" rtl="0">
@@ -7372,16 +7303,16 @@
                 <a:srgbClr val="000000"/>
               </a:buClr>
               <a:buSzPts val="1000"/>
-              <a:buFont typeface="Arial"/>
+              <a:buFont typeface="Arial" panose="020B0604020202020204"/>
               <a:buNone/>
               <a:defRPr sz="1000" b="0" i="0" u="none" strike="noStrike" cap="none">
                 <a:solidFill>
                   <a:schemeClr val="dk2"/>
                 </a:solidFill>
-                <a:latin typeface="Arial"/>
-                <a:ea typeface="Arial"/>
-                <a:cs typeface="Arial"/>
-                <a:sym typeface="Arial"/>
+                <a:latin typeface="Arial" panose="020B0604020202020204"/>
+                <a:ea typeface="Arial" panose="020B0604020202020204"/>
+                <a:cs typeface="Arial" panose="020B0604020202020204"/>
+                <a:sym typeface="Arial" panose="020B0604020202020204"/>
               </a:defRPr>
             </a:lvl2pPr>
             <a:lvl3pPr marL="0" marR="0" lvl="2" indent="0" algn="r" rtl="0">
@@ -7398,16 +7329,16 @@
                 <a:srgbClr val="000000"/>
               </a:buClr>
               <a:buSzPts val="1000"/>
-              <a:buFont typeface="Arial"/>
+              <a:buFont typeface="Arial" panose="020B0604020202020204"/>
               <a:buNone/>
               <a:defRPr sz="1000" b="0" i="0" u="none" strike="noStrike" cap="none">
                 <a:solidFill>
                   <a:schemeClr val="dk2"/>
                 </a:solidFill>
-                <a:latin typeface="Arial"/>
-                <a:ea typeface="Arial"/>
-                <a:cs typeface="Arial"/>
-                <a:sym typeface="Arial"/>
+                <a:latin typeface="Arial" panose="020B0604020202020204"/>
+                <a:ea typeface="Arial" panose="020B0604020202020204"/>
+                <a:cs typeface="Arial" panose="020B0604020202020204"/>
+                <a:sym typeface="Arial" panose="020B0604020202020204"/>
               </a:defRPr>
             </a:lvl3pPr>
             <a:lvl4pPr marL="0" marR="0" lvl="3" indent="0" algn="r" rtl="0">
@@ -7424,16 +7355,16 @@
                 <a:srgbClr val="000000"/>
               </a:buClr>
               <a:buSzPts val="1000"/>
-              <a:buFont typeface="Arial"/>
+              <a:buFont typeface="Arial" panose="020B0604020202020204"/>
               <a:buNone/>
               <a:defRPr sz="1000" b="0" i="0" u="none" strike="noStrike" cap="none">
                 <a:solidFill>
                   <a:schemeClr val="dk2"/>
                 </a:solidFill>
-                <a:latin typeface="Arial"/>
-                <a:ea typeface="Arial"/>
-                <a:cs typeface="Arial"/>
-                <a:sym typeface="Arial"/>
+                <a:latin typeface="Arial" panose="020B0604020202020204"/>
+                <a:ea typeface="Arial" panose="020B0604020202020204"/>
+                <a:cs typeface="Arial" panose="020B0604020202020204"/>
+                <a:sym typeface="Arial" panose="020B0604020202020204"/>
               </a:defRPr>
             </a:lvl4pPr>
             <a:lvl5pPr marL="0" marR="0" lvl="4" indent="0" algn="r" rtl="0">
@@ -7450,16 +7381,16 @@
                 <a:srgbClr val="000000"/>
               </a:buClr>
               <a:buSzPts val="1000"/>
-              <a:buFont typeface="Arial"/>
+              <a:buFont typeface="Arial" panose="020B0604020202020204"/>
               <a:buNone/>
               <a:defRPr sz="1000" b="0" i="0" u="none" strike="noStrike" cap="none">
                 <a:solidFill>
                   <a:schemeClr val="dk2"/>
                 </a:solidFill>
-                <a:latin typeface="Arial"/>
-                <a:ea typeface="Arial"/>
-                <a:cs typeface="Arial"/>
-                <a:sym typeface="Arial"/>
+                <a:latin typeface="Arial" panose="020B0604020202020204"/>
+                <a:ea typeface="Arial" panose="020B0604020202020204"/>
+                <a:cs typeface="Arial" panose="020B0604020202020204"/>
+                <a:sym typeface="Arial" panose="020B0604020202020204"/>
               </a:defRPr>
             </a:lvl5pPr>
             <a:lvl6pPr marL="0" marR="0" lvl="5" indent="0" algn="r" rtl="0">
@@ -7476,16 +7407,16 @@
                 <a:srgbClr val="000000"/>
               </a:buClr>
               <a:buSzPts val="1000"/>
-              <a:buFont typeface="Arial"/>
+              <a:buFont typeface="Arial" panose="020B0604020202020204"/>
               <a:buNone/>
               <a:defRPr sz="1000" b="0" i="0" u="none" strike="noStrike" cap="none">
                 <a:solidFill>
                   <a:schemeClr val="dk2"/>
                 </a:solidFill>
-                <a:latin typeface="Arial"/>
-                <a:ea typeface="Arial"/>
-                <a:cs typeface="Arial"/>
-                <a:sym typeface="Arial"/>
+                <a:latin typeface="Arial" panose="020B0604020202020204"/>
+                <a:ea typeface="Arial" panose="020B0604020202020204"/>
+                <a:cs typeface="Arial" panose="020B0604020202020204"/>
+                <a:sym typeface="Arial" panose="020B0604020202020204"/>
               </a:defRPr>
             </a:lvl6pPr>
             <a:lvl7pPr marL="0" marR="0" lvl="6" indent="0" algn="r" rtl="0">
@@ -7502,16 +7433,16 @@
                 <a:srgbClr val="000000"/>
               </a:buClr>
               <a:buSzPts val="1000"/>
-              <a:buFont typeface="Arial"/>
+              <a:buFont typeface="Arial" panose="020B0604020202020204"/>
               <a:buNone/>
               <a:defRPr sz="1000" b="0" i="0" u="none" strike="noStrike" cap="none">
                 <a:solidFill>
                   <a:schemeClr val="dk2"/>
                 </a:solidFill>
-                <a:latin typeface="Arial"/>
-                <a:ea typeface="Arial"/>
-                <a:cs typeface="Arial"/>
-                <a:sym typeface="Arial"/>
+                <a:latin typeface="Arial" panose="020B0604020202020204"/>
+                <a:ea typeface="Arial" panose="020B0604020202020204"/>
+                <a:cs typeface="Arial" panose="020B0604020202020204"/>
+                <a:sym typeface="Arial" panose="020B0604020202020204"/>
               </a:defRPr>
             </a:lvl7pPr>
             <a:lvl8pPr marL="0" marR="0" lvl="7" indent="0" algn="r" rtl="0">
@@ -7528,16 +7459,16 @@
                 <a:srgbClr val="000000"/>
               </a:buClr>
               <a:buSzPts val="1000"/>
-              <a:buFont typeface="Arial"/>
+              <a:buFont typeface="Arial" panose="020B0604020202020204"/>
               <a:buNone/>
               <a:defRPr sz="1000" b="0" i="0" u="none" strike="noStrike" cap="none">
                 <a:solidFill>
                   <a:schemeClr val="dk2"/>
                 </a:solidFill>
-                <a:latin typeface="Arial"/>
-                <a:ea typeface="Arial"/>
-                <a:cs typeface="Arial"/>
-                <a:sym typeface="Arial"/>
+                <a:latin typeface="Arial" panose="020B0604020202020204"/>
+                <a:ea typeface="Arial" panose="020B0604020202020204"/>
+                <a:cs typeface="Arial" panose="020B0604020202020204"/>
+                <a:sym typeface="Arial" panose="020B0604020202020204"/>
               </a:defRPr>
             </a:lvl8pPr>
             <a:lvl9pPr marL="0" marR="0" lvl="8" indent="0" algn="r" rtl="0">
@@ -7554,16 +7485,16 @@
                 <a:srgbClr val="000000"/>
               </a:buClr>
               <a:buSzPts val="1000"/>
-              <a:buFont typeface="Arial"/>
+              <a:buFont typeface="Arial" panose="020B0604020202020204"/>
               <a:buNone/>
               <a:defRPr sz="1000" b="0" i="0" u="none" strike="noStrike" cap="none">
                 <a:solidFill>
                   <a:schemeClr val="dk2"/>
                 </a:solidFill>
-                <a:latin typeface="Arial"/>
-                <a:ea typeface="Arial"/>
-                <a:cs typeface="Arial"/>
-                <a:sym typeface="Arial"/>
+                <a:latin typeface="Arial" panose="020B0604020202020204"/>
+                <a:ea typeface="Arial" panose="020B0604020202020204"/>
+                <a:cs typeface="Arial" panose="020B0604020202020204"/>
+                <a:sym typeface="Arial" panose="020B0604020202020204"/>
               </a:defRPr>
             </a:lvl9pPr>
           </a:lstStyle>
@@ -7579,9 +7510,8 @@
             </a:pPr>
             <a:fld id="{00000000-1234-1234-1234-123412341234}" type="slidenum">
               <a:rPr lang="en-GB"/>
-              <a:t>‹#›</a:t>
             </a:fld>
-            <a:endParaRPr/>
+            <a:endParaRPr lang="en-GB"/>
           </a:p>
         </p:txBody>
       </p:sp>
@@ -7592,11 +7522,11 @@
           <p:nvPr/>
         </p:nvPicPr>
         <p:blipFill rotWithShape="1">
-          <a:blip r:embed="rId12">
-            <a:alphaModFix/>
-          </a:blip>
+          <a:blip r:embed="rId11"/>
           <a:srcRect/>
-          <a:stretch/>
+          <a:stretch>
+            <a:fillRect/>
+          </a:stretch>
         </p:blipFill>
         <p:spPr>
           <a:xfrm>
@@ -7616,16 +7546,16 @@
   </p:cSld>
   <p:clrMap bg1="lt1" tx1="dk1" bg2="dk2" tx2="lt2" accent1="accent1" accent2="accent2" accent3="accent3" accent4="accent4" accent5="accent5" accent6="accent6" hlink="hlink" folHlink="folHlink"/>
   <p:sldLayoutIdLst>
-    <p:sldLayoutId id="2147483648" r:id="rId1"/>
+    <p:sldLayoutId id="2147483649" r:id="rId1"/>
     <p:sldLayoutId id="2147483650" r:id="rId2"/>
     <p:sldLayoutId id="2147483651" r:id="rId3"/>
-    <p:sldLayoutId id="2147483653" r:id="rId4"/>
-    <p:sldLayoutId id="2147483654" r:id="rId5"/>
-    <p:sldLayoutId id="2147483655" r:id="rId6"/>
-    <p:sldLayoutId id="2147483656" r:id="rId7"/>
-    <p:sldLayoutId id="2147483657" r:id="rId8"/>
-    <p:sldLayoutId id="2147483658" r:id="rId9"/>
-    <p:sldLayoutId id="2147483660" r:id="rId10"/>
+    <p:sldLayoutId id="2147483652" r:id="rId4"/>
+    <p:sldLayoutId id="2147483653" r:id="rId5"/>
+    <p:sldLayoutId id="2147483654" r:id="rId6"/>
+    <p:sldLayoutId id="2147483655" r:id="rId7"/>
+    <p:sldLayoutId id="2147483656" r:id="rId8"/>
+    <p:sldLayoutId id="2147483657" r:id="rId9"/>
+    <p:sldLayoutId id="2147483658" r:id="rId10"/>
   </p:sldLayoutIdLst>
   <p:hf sldNum="0" hdr="0" ftr="0" dt="0"/>
   <p:txStyles>
@@ -7654,15 +7584,15 @@
         <a:buClr>
           <a:srgbClr val="000000"/>
         </a:buClr>
-        <a:buFont typeface="Arial"/>
+        <a:buFont typeface="Arial" panose="020B0604020202020204"/>
         <a:defRPr sz="1400" b="0" i="0" u="none" strike="noStrike" cap="none">
           <a:solidFill>
             <a:srgbClr val="000000"/>
           </a:solidFill>
-          <a:latin typeface="Arial"/>
-          <a:ea typeface="Arial"/>
-          <a:cs typeface="Arial"/>
-          <a:sym typeface="Arial"/>
+          <a:latin typeface="Arial" panose="020B0604020202020204"/>
+          <a:ea typeface="Arial" panose="020B0604020202020204"/>
+          <a:cs typeface="Arial" panose="020B0604020202020204"/>
+          <a:sym typeface="Arial" panose="020B0604020202020204"/>
         </a:defRPr>
       </a:lvl1pPr>
       <a:lvl2pPr marR="0" lvl="1" algn="l" rtl="0">
@@ -7678,15 +7608,15 @@
         <a:buClr>
           <a:srgbClr val="000000"/>
         </a:buClr>
-        <a:buFont typeface="Arial"/>
+        <a:buFont typeface="Arial" panose="020B0604020202020204"/>
         <a:defRPr sz="1400" b="0" i="0" u="none" strike="noStrike" cap="none">
           <a:solidFill>
             <a:srgbClr val="000000"/>
           </a:solidFill>
-          <a:latin typeface="Arial"/>
-          <a:ea typeface="Arial"/>
-          <a:cs typeface="Arial"/>
-          <a:sym typeface="Arial"/>
+          <a:latin typeface="Arial" panose="020B0604020202020204"/>
+          <a:ea typeface="Arial" panose="020B0604020202020204"/>
+          <a:cs typeface="Arial" panose="020B0604020202020204"/>
+          <a:sym typeface="Arial" panose="020B0604020202020204"/>
         </a:defRPr>
       </a:lvl2pPr>
       <a:lvl3pPr marR="0" lvl="2" algn="l" rtl="0">
@@ -7702,15 +7632,15 @@
         <a:buClr>
           <a:srgbClr val="000000"/>
         </a:buClr>
-        <a:buFont typeface="Arial"/>
+        <a:buFont typeface="Arial" panose="020B0604020202020204"/>
         <a:defRPr sz="1400" b="0" i="0" u="none" strike="noStrike" cap="none">
           <a:solidFill>
             <a:srgbClr val="000000"/>
           </a:solidFill>
-          <a:latin typeface="Arial"/>
-          <a:ea typeface="Arial"/>
-          <a:cs typeface="Arial"/>
-          <a:sym typeface="Arial"/>
+          <a:latin typeface="Arial" panose="020B0604020202020204"/>
+          <a:ea typeface="Arial" panose="020B0604020202020204"/>
+          <a:cs typeface="Arial" panose="020B0604020202020204"/>
+          <a:sym typeface="Arial" panose="020B0604020202020204"/>
         </a:defRPr>
       </a:lvl3pPr>
       <a:lvl4pPr marR="0" lvl="3" algn="l" rtl="0">
@@ -7726,15 +7656,15 @@
         <a:buClr>
           <a:srgbClr val="000000"/>
         </a:buClr>
-        <a:buFont typeface="Arial"/>
+        <a:buFont typeface="Arial" panose="020B0604020202020204"/>
         <a:defRPr sz="1400" b="0" i="0" u="none" strike="noStrike" cap="none">
           <a:solidFill>
             <a:srgbClr val="000000"/>
           </a:solidFill>
-          <a:latin typeface="Arial"/>
-          <a:ea typeface="Arial"/>
-          <a:cs typeface="Arial"/>
-          <a:sym typeface="Arial"/>
+          <a:latin typeface="Arial" panose="020B0604020202020204"/>
+          <a:ea typeface="Arial" panose="020B0604020202020204"/>
+          <a:cs typeface="Arial" panose="020B0604020202020204"/>
+          <a:sym typeface="Arial" panose="020B0604020202020204"/>
         </a:defRPr>
       </a:lvl4pPr>
       <a:lvl5pPr marR="0" lvl="4" algn="l" rtl="0">
@@ -7750,15 +7680,15 @@
         <a:buClr>
           <a:srgbClr val="000000"/>
         </a:buClr>
-        <a:buFont typeface="Arial"/>
+        <a:buFont typeface="Arial" panose="020B0604020202020204"/>
         <a:defRPr sz="1400" b="0" i="0" u="none" strike="noStrike" cap="none">
           <a:solidFill>
             <a:srgbClr val="000000"/>
           </a:solidFill>
-          <a:latin typeface="Arial"/>
-          <a:ea typeface="Arial"/>
-          <a:cs typeface="Arial"/>
-          <a:sym typeface="Arial"/>
+          <a:latin typeface="Arial" panose="020B0604020202020204"/>
+          <a:ea typeface="Arial" panose="020B0604020202020204"/>
+          <a:cs typeface="Arial" panose="020B0604020202020204"/>
+          <a:sym typeface="Arial" panose="020B0604020202020204"/>
         </a:defRPr>
       </a:lvl5pPr>
       <a:lvl6pPr marR="0" lvl="5" algn="l" rtl="0">
@@ -7774,15 +7704,15 @@
         <a:buClr>
           <a:srgbClr val="000000"/>
         </a:buClr>
-        <a:buFont typeface="Arial"/>
+        <a:buFont typeface="Arial" panose="020B0604020202020204"/>
         <a:defRPr sz="1400" b="0" i="0" u="none" strike="noStrike" cap="none">
           <a:solidFill>
             <a:srgbClr val="000000"/>
           </a:solidFill>
-          <a:latin typeface="Arial"/>
-          <a:ea typeface="Arial"/>
-          <a:cs typeface="Arial"/>
-          <a:sym typeface="Arial"/>
+          <a:latin typeface="Arial" panose="020B0604020202020204"/>
+          <a:ea typeface="Arial" panose="020B0604020202020204"/>
+          <a:cs typeface="Arial" panose="020B0604020202020204"/>
+          <a:sym typeface="Arial" panose="020B0604020202020204"/>
         </a:defRPr>
       </a:lvl6pPr>
       <a:lvl7pPr marR="0" lvl="6" algn="l" rtl="0">
@@ -7798,15 +7728,15 @@
         <a:buClr>
           <a:srgbClr val="000000"/>
         </a:buClr>
-        <a:buFont typeface="Arial"/>
+        <a:buFont typeface="Arial" panose="020B0604020202020204"/>
         <a:defRPr sz="1400" b="0" i="0" u="none" strike="noStrike" cap="none">
           <a:solidFill>
             <a:srgbClr val="000000"/>
           </a:solidFill>
-          <a:latin typeface="Arial"/>
-          <a:ea typeface="Arial"/>
-          <a:cs typeface="Arial"/>
-          <a:sym typeface="Arial"/>
+          <a:latin typeface="Arial" panose="020B0604020202020204"/>
+          <a:ea typeface="Arial" panose="020B0604020202020204"/>
+          <a:cs typeface="Arial" panose="020B0604020202020204"/>
+          <a:sym typeface="Arial" panose="020B0604020202020204"/>
         </a:defRPr>
       </a:lvl7pPr>
       <a:lvl8pPr marR="0" lvl="7" algn="l" rtl="0">
@@ -7822,15 +7752,15 @@
         <a:buClr>
           <a:srgbClr val="000000"/>
         </a:buClr>
-        <a:buFont typeface="Arial"/>
+        <a:buFont typeface="Arial" panose="020B0604020202020204"/>
         <a:defRPr sz="1400" b="0" i="0" u="none" strike="noStrike" cap="none">
           <a:solidFill>
             <a:srgbClr val="000000"/>
           </a:solidFill>
-          <a:latin typeface="Arial"/>
-          <a:ea typeface="Arial"/>
-          <a:cs typeface="Arial"/>
-          <a:sym typeface="Arial"/>
+          <a:latin typeface="Arial" panose="020B0604020202020204"/>
+          <a:ea typeface="Arial" panose="020B0604020202020204"/>
+          <a:cs typeface="Arial" panose="020B0604020202020204"/>
+          <a:sym typeface="Arial" panose="020B0604020202020204"/>
         </a:defRPr>
       </a:lvl8pPr>
       <a:lvl9pPr marR="0" lvl="8" algn="l" rtl="0">
@@ -7846,15 +7776,15 @@
         <a:buClr>
           <a:srgbClr val="000000"/>
         </a:buClr>
-        <a:buFont typeface="Arial"/>
+        <a:buFont typeface="Arial" panose="020B0604020202020204"/>
         <a:defRPr sz="1400" b="0" i="0" u="none" strike="noStrike" cap="none">
           <a:solidFill>
             <a:srgbClr val="000000"/>
           </a:solidFill>
-          <a:latin typeface="Arial"/>
-          <a:ea typeface="Arial"/>
-          <a:cs typeface="Arial"/>
-          <a:sym typeface="Arial"/>
+          <a:latin typeface="Arial" panose="020B0604020202020204"/>
+          <a:ea typeface="Arial" panose="020B0604020202020204"/>
+          <a:cs typeface="Arial" panose="020B0604020202020204"/>
+          <a:sym typeface="Arial" panose="020B0604020202020204"/>
         </a:defRPr>
       </a:lvl9pPr>
     </p:titleStyle>
@@ -7883,15 +7813,15 @@
         <a:buClr>
           <a:srgbClr val="000000"/>
         </a:buClr>
-        <a:buFont typeface="Arial"/>
+        <a:buFont typeface="Arial" panose="020B0604020202020204"/>
         <a:defRPr sz="1400" b="0" i="0" u="none" strike="noStrike" cap="none">
           <a:solidFill>
             <a:srgbClr val="000000"/>
           </a:solidFill>
-          <a:latin typeface="Arial"/>
-          <a:ea typeface="Arial"/>
-          <a:cs typeface="Arial"/>
-          <a:sym typeface="Arial"/>
+          <a:latin typeface="Arial" panose="020B0604020202020204"/>
+          <a:ea typeface="Arial" panose="020B0604020202020204"/>
+          <a:cs typeface="Arial" panose="020B0604020202020204"/>
+          <a:sym typeface="Arial" panose="020B0604020202020204"/>
         </a:defRPr>
       </a:lvl1pPr>
       <a:lvl2pPr marR="0" lvl="1" algn="l" rtl="0">
@@ -7907,15 +7837,15 @@
         <a:buClr>
           <a:srgbClr val="000000"/>
         </a:buClr>
-        <a:buFont typeface="Arial"/>
+        <a:buFont typeface="Arial" panose="020B0604020202020204"/>
         <a:defRPr sz="1400" b="0" i="0" u="none" strike="noStrike" cap="none">
           <a:solidFill>
             <a:srgbClr val="000000"/>
           </a:solidFill>
-          <a:latin typeface="Arial"/>
-          <a:ea typeface="Arial"/>
-          <a:cs typeface="Arial"/>
-          <a:sym typeface="Arial"/>
+          <a:latin typeface="Arial" panose="020B0604020202020204"/>
+          <a:ea typeface="Arial" panose="020B0604020202020204"/>
+          <a:cs typeface="Arial" panose="020B0604020202020204"/>
+          <a:sym typeface="Arial" panose="020B0604020202020204"/>
         </a:defRPr>
       </a:lvl2pPr>
       <a:lvl3pPr marR="0" lvl="2" algn="l" rtl="0">
@@ -7931,15 +7861,15 @@
         <a:buClr>
           <a:srgbClr val="000000"/>
         </a:buClr>
-        <a:buFont typeface="Arial"/>
+        <a:buFont typeface="Arial" panose="020B0604020202020204"/>
         <a:defRPr sz="1400" b="0" i="0" u="none" strike="noStrike" cap="none">
           <a:solidFill>
             <a:srgbClr val="000000"/>
           </a:solidFill>
-          <a:latin typeface="Arial"/>
-          <a:ea typeface="Arial"/>
-          <a:cs typeface="Arial"/>
-          <a:sym typeface="Arial"/>
+          <a:latin typeface="Arial" panose="020B0604020202020204"/>
+          <a:ea typeface="Arial" panose="020B0604020202020204"/>
+          <a:cs typeface="Arial" panose="020B0604020202020204"/>
+          <a:sym typeface="Arial" panose="020B0604020202020204"/>
         </a:defRPr>
       </a:lvl3pPr>
       <a:lvl4pPr marR="0" lvl="3" algn="l" rtl="0">
@@ -7955,15 +7885,15 @@
         <a:buClr>
           <a:srgbClr val="000000"/>
         </a:buClr>
-        <a:buFont typeface="Arial"/>
+        <a:buFont typeface="Arial" panose="020B0604020202020204"/>
         <a:defRPr sz="1400" b="0" i="0" u="none" strike="noStrike" cap="none">
           <a:solidFill>
             <a:srgbClr val="000000"/>
           </a:solidFill>
-          <a:latin typeface="Arial"/>
-          <a:ea typeface="Arial"/>
-          <a:cs typeface="Arial"/>
-          <a:sym typeface="Arial"/>
+          <a:latin typeface="Arial" panose="020B0604020202020204"/>
+          <a:ea typeface="Arial" panose="020B0604020202020204"/>
+          <a:cs typeface="Arial" panose="020B0604020202020204"/>
+          <a:sym typeface="Arial" panose="020B0604020202020204"/>
         </a:defRPr>
       </a:lvl4pPr>
       <a:lvl5pPr marR="0" lvl="4" algn="l" rtl="0">
@@ -7979,15 +7909,15 @@
         <a:buClr>
           <a:srgbClr val="000000"/>
         </a:buClr>
-        <a:buFont typeface="Arial"/>
+        <a:buFont typeface="Arial" panose="020B0604020202020204"/>
         <a:defRPr sz="1400" b="0" i="0" u="none" strike="noStrike" cap="none">
           <a:solidFill>
             <a:srgbClr val="000000"/>
           </a:solidFill>
-          <a:latin typeface="Arial"/>
-          <a:ea typeface="Arial"/>
-          <a:cs typeface="Arial"/>
-          <a:sym typeface="Arial"/>
+          <a:latin typeface="Arial" panose="020B0604020202020204"/>
+          <a:ea typeface="Arial" panose="020B0604020202020204"/>
+          <a:cs typeface="Arial" panose="020B0604020202020204"/>
+          <a:sym typeface="Arial" panose="020B0604020202020204"/>
         </a:defRPr>
       </a:lvl5pPr>
       <a:lvl6pPr marR="0" lvl="5" algn="l" rtl="0">
@@ -8003,15 +7933,15 @@
         <a:buClr>
           <a:srgbClr val="000000"/>
         </a:buClr>
-        <a:buFont typeface="Arial"/>
+        <a:buFont typeface="Arial" panose="020B0604020202020204"/>
         <a:defRPr sz="1400" b="0" i="0" u="none" strike="noStrike" cap="none">
           <a:solidFill>
             <a:srgbClr val="000000"/>
           </a:solidFill>
-          <a:latin typeface="Arial"/>
-          <a:ea typeface="Arial"/>
-          <a:cs typeface="Arial"/>
-          <a:sym typeface="Arial"/>
+          <a:latin typeface="Arial" panose="020B0604020202020204"/>
+          <a:ea typeface="Arial" panose="020B0604020202020204"/>
+          <a:cs typeface="Arial" panose="020B0604020202020204"/>
+          <a:sym typeface="Arial" panose="020B0604020202020204"/>
         </a:defRPr>
       </a:lvl6pPr>
       <a:lvl7pPr marR="0" lvl="6" algn="l" rtl="0">
@@ -8027,15 +7957,15 @@
         <a:buClr>
           <a:srgbClr val="000000"/>
         </a:buClr>
-        <a:buFont typeface="Arial"/>
+        <a:buFont typeface="Arial" panose="020B0604020202020204"/>
         <a:defRPr sz="1400" b="0" i="0" u="none" strike="noStrike" cap="none">
           <a:solidFill>
             <a:srgbClr val="000000"/>
           </a:solidFill>
-          <a:latin typeface="Arial"/>
-          <a:ea typeface="Arial"/>
-          <a:cs typeface="Arial"/>
-          <a:sym typeface="Arial"/>
+          <a:latin typeface="Arial" panose="020B0604020202020204"/>
+          <a:ea typeface="Arial" panose="020B0604020202020204"/>
+          <a:cs typeface="Arial" panose="020B0604020202020204"/>
+          <a:sym typeface="Arial" panose="020B0604020202020204"/>
         </a:defRPr>
       </a:lvl7pPr>
       <a:lvl8pPr marR="0" lvl="7" algn="l" rtl="0">
@@ -8051,15 +7981,15 @@
         <a:buClr>
           <a:srgbClr val="000000"/>
         </a:buClr>
-        <a:buFont typeface="Arial"/>
+        <a:buFont typeface="Arial" panose="020B0604020202020204"/>
         <a:defRPr sz="1400" b="0" i="0" u="none" strike="noStrike" cap="none">
           <a:solidFill>
             <a:srgbClr val="000000"/>
           </a:solidFill>
-          <a:latin typeface="Arial"/>
-          <a:ea typeface="Arial"/>
-          <a:cs typeface="Arial"/>
-          <a:sym typeface="Arial"/>
+          <a:latin typeface="Arial" panose="020B0604020202020204"/>
+          <a:ea typeface="Arial" panose="020B0604020202020204"/>
+          <a:cs typeface="Arial" panose="020B0604020202020204"/>
+          <a:sym typeface="Arial" panose="020B0604020202020204"/>
         </a:defRPr>
       </a:lvl8pPr>
       <a:lvl9pPr marR="0" lvl="8" algn="l" rtl="0">
@@ -8075,15 +8005,15 @@
         <a:buClr>
           <a:srgbClr val="000000"/>
         </a:buClr>
-        <a:buFont typeface="Arial"/>
+        <a:buFont typeface="Arial" panose="020B0604020202020204"/>
         <a:defRPr sz="1400" b="0" i="0" u="none" strike="noStrike" cap="none">
           <a:solidFill>
             <a:srgbClr val="000000"/>
           </a:solidFill>
-          <a:latin typeface="Arial"/>
-          <a:ea typeface="Arial"/>
-          <a:cs typeface="Arial"/>
-          <a:sym typeface="Arial"/>
+          <a:latin typeface="Arial" panose="020B0604020202020204"/>
+          <a:ea typeface="Arial" panose="020B0604020202020204"/>
+          <a:cs typeface="Arial" panose="020B0604020202020204"/>
+          <a:sym typeface="Arial" panose="020B0604020202020204"/>
         </a:defRPr>
       </a:lvl9pPr>
     </p:bodyStyle>
@@ -8112,15 +8042,15 @@
         <a:buClr>
           <a:srgbClr val="000000"/>
         </a:buClr>
-        <a:buFont typeface="Arial"/>
+        <a:buFont typeface="Arial" panose="020B0604020202020204"/>
         <a:defRPr sz="1400" b="0" i="0" u="none" strike="noStrike" cap="none">
           <a:solidFill>
             <a:srgbClr val="000000"/>
           </a:solidFill>
-          <a:latin typeface="Arial"/>
-          <a:ea typeface="Arial"/>
-          <a:cs typeface="Arial"/>
-          <a:sym typeface="Arial"/>
+          <a:latin typeface="Arial" panose="020B0604020202020204"/>
+          <a:ea typeface="Arial" panose="020B0604020202020204"/>
+          <a:cs typeface="Arial" panose="020B0604020202020204"/>
+          <a:sym typeface="Arial" panose="020B0604020202020204"/>
         </a:defRPr>
       </a:lvl1pPr>
       <a:lvl2pPr marR="0" lvl="1" algn="l" rtl="0">
@@ -8136,15 +8066,15 @@
         <a:buClr>
           <a:srgbClr val="000000"/>
         </a:buClr>
-        <a:buFont typeface="Arial"/>
+        <a:buFont typeface="Arial" panose="020B0604020202020204"/>
         <a:defRPr sz="1400" b="0" i="0" u="none" strike="noStrike" cap="none">
           <a:solidFill>
             <a:srgbClr val="000000"/>
           </a:solidFill>
-          <a:latin typeface="Arial"/>
-          <a:ea typeface="Arial"/>
-          <a:cs typeface="Arial"/>
-          <a:sym typeface="Arial"/>
+          <a:latin typeface="Arial" panose="020B0604020202020204"/>
+          <a:ea typeface="Arial" panose="020B0604020202020204"/>
+          <a:cs typeface="Arial" panose="020B0604020202020204"/>
+          <a:sym typeface="Arial" panose="020B0604020202020204"/>
         </a:defRPr>
       </a:lvl2pPr>
       <a:lvl3pPr marR="0" lvl="2" algn="l" rtl="0">
@@ -8160,15 +8090,15 @@
         <a:buClr>
           <a:srgbClr val="000000"/>
         </a:buClr>
-        <a:buFont typeface="Arial"/>
+        <a:buFont typeface="Arial" panose="020B0604020202020204"/>
         <a:defRPr sz="1400" b="0" i="0" u="none" strike="noStrike" cap="none">
           <a:solidFill>
             <a:srgbClr val="000000"/>
           </a:solidFill>
-          <a:latin typeface="Arial"/>
-          <a:ea typeface="Arial"/>
-          <a:cs typeface="Arial"/>
-          <a:sym typeface="Arial"/>
+          <a:latin typeface="Arial" panose="020B0604020202020204"/>
+          <a:ea typeface="Arial" panose="020B0604020202020204"/>
+          <a:cs typeface="Arial" panose="020B0604020202020204"/>
+          <a:sym typeface="Arial" panose="020B0604020202020204"/>
         </a:defRPr>
       </a:lvl3pPr>
       <a:lvl4pPr marR="0" lvl="3" algn="l" rtl="0">
@@ -8184,15 +8114,15 @@
         <a:buClr>
           <a:srgbClr val="000000"/>
         </a:buClr>
-        <a:buFont typeface="Arial"/>
+        <a:buFont typeface="Arial" panose="020B0604020202020204"/>
         <a:defRPr sz="1400" b="0" i="0" u="none" strike="noStrike" cap="none">
           <a:solidFill>
             <a:srgbClr val="000000"/>
           </a:solidFill>
-          <a:latin typeface="Arial"/>
-          <a:ea typeface="Arial"/>
-          <a:cs typeface="Arial"/>
-          <a:sym typeface="Arial"/>
+          <a:latin typeface="Arial" panose="020B0604020202020204"/>
+          <a:ea typeface="Arial" panose="020B0604020202020204"/>
+          <a:cs typeface="Arial" panose="020B0604020202020204"/>
+          <a:sym typeface="Arial" panose="020B0604020202020204"/>
         </a:defRPr>
       </a:lvl4pPr>
       <a:lvl5pPr marR="0" lvl="4" algn="l" rtl="0">
@@ -8208,15 +8138,15 @@
         <a:buClr>
           <a:srgbClr val="000000"/>
         </a:buClr>
-        <a:buFont typeface="Arial"/>
+        <a:buFont typeface="Arial" panose="020B0604020202020204"/>
         <a:defRPr sz="1400" b="0" i="0" u="none" strike="noStrike" cap="none">
           <a:solidFill>
             <a:srgbClr val="000000"/>
           </a:solidFill>
-          <a:latin typeface="Arial"/>
-          <a:ea typeface="Arial"/>
-          <a:cs typeface="Arial"/>
-          <a:sym typeface="Arial"/>
+          <a:latin typeface="Arial" panose="020B0604020202020204"/>
+          <a:ea typeface="Arial" panose="020B0604020202020204"/>
+          <a:cs typeface="Arial" panose="020B0604020202020204"/>
+          <a:sym typeface="Arial" panose="020B0604020202020204"/>
         </a:defRPr>
       </a:lvl5pPr>
       <a:lvl6pPr marR="0" lvl="5" algn="l" rtl="0">
@@ -8232,15 +8162,15 @@
         <a:buClr>
           <a:srgbClr val="000000"/>
         </a:buClr>
-        <a:buFont typeface="Arial"/>
+        <a:buFont typeface="Arial" panose="020B0604020202020204"/>
         <a:defRPr sz="1400" b="0" i="0" u="none" strike="noStrike" cap="none">
           <a:solidFill>
             <a:srgbClr val="000000"/>
           </a:solidFill>
-          <a:latin typeface="Arial"/>
-          <a:ea typeface="Arial"/>
-          <a:cs typeface="Arial"/>
-          <a:sym typeface="Arial"/>
+          <a:latin typeface="Arial" panose="020B0604020202020204"/>
+          <a:ea typeface="Arial" panose="020B0604020202020204"/>
+          <a:cs typeface="Arial" panose="020B0604020202020204"/>
+          <a:sym typeface="Arial" panose="020B0604020202020204"/>
         </a:defRPr>
       </a:lvl6pPr>
       <a:lvl7pPr marR="0" lvl="6" algn="l" rtl="0">
@@ -8256,15 +8186,15 @@
         <a:buClr>
           <a:srgbClr val="000000"/>
         </a:buClr>
-        <a:buFont typeface="Arial"/>
+        <a:buFont typeface="Arial" panose="020B0604020202020204"/>
         <a:defRPr sz="1400" b="0" i="0" u="none" strike="noStrike" cap="none">
           <a:solidFill>
             <a:srgbClr val="000000"/>
           </a:solidFill>
-          <a:latin typeface="Arial"/>
-          <a:ea typeface="Arial"/>
-          <a:cs typeface="Arial"/>
-          <a:sym typeface="Arial"/>
+          <a:latin typeface="Arial" panose="020B0604020202020204"/>
+          <a:ea typeface="Arial" panose="020B0604020202020204"/>
+          <a:cs typeface="Arial" panose="020B0604020202020204"/>
+          <a:sym typeface="Arial" panose="020B0604020202020204"/>
         </a:defRPr>
       </a:lvl7pPr>
       <a:lvl8pPr marR="0" lvl="7" algn="l" rtl="0">
@@ -8280,15 +8210,15 @@
         <a:buClr>
           <a:srgbClr val="000000"/>
         </a:buClr>
-        <a:buFont typeface="Arial"/>
+        <a:buFont typeface="Arial" panose="020B0604020202020204"/>
         <a:defRPr sz="1400" b="0" i="0" u="none" strike="noStrike" cap="none">
           <a:solidFill>
             <a:srgbClr val="000000"/>
           </a:solidFill>
-          <a:latin typeface="Arial"/>
-          <a:ea typeface="Arial"/>
-          <a:cs typeface="Arial"/>
-          <a:sym typeface="Arial"/>
+          <a:latin typeface="Arial" panose="020B0604020202020204"/>
+          <a:ea typeface="Arial" panose="020B0604020202020204"/>
+          <a:cs typeface="Arial" panose="020B0604020202020204"/>
+          <a:sym typeface="Arial" panose="020B0604020202020204"/>
         </a:defRPr>
       </a:lvl8pPr>
       <a:lvl9pPr marR="0" lvl="8" algn="l" rtl="0">
@@ -8304,15 +8234,15 @@
         <a:buClr>
           <a:srgbClr val="000000"/>
         </a:buClr>
-        <a:buFont typeface="Arial"/>
+        <a:buFont typeface="Arial" panose="020B0604020202020204"/>
         <a:defRPr sz="1400" b="0" i="0" u="none" strike="noStrike" cap="none">
           <a:solidFill>
             <a:srgbClr val="000000"/>
           </a:solidFill>
-          <a:latin typeface="Arial"/>
-          <a:ea typeface="Arial"/>
-          <a:cs typeface="Arial"/>
-          <a:sym typeface="Arial"/>
+          <a:latin typeface="Arial" panose="020B0604020202020204"/>
+          <a:ea typeface="Arial" panose="020B0604020202020204"/>
+          <a:cs typeface="Arial" panose="020B0604020202020204"/>
+          <a:sym typeface="Arial" panose="020B0604020202020204"/>
         </a:defRPr>
       </a:lvl9pPr>
     </p:otherStyle>
@@ -8384,10 +8314,10 @@
                 <a:solidFill>
                   <a:srgbClr val="CC0000"/>
                 </a:solidFill>
-                <a:latin typeface="Montserrat"/>
-                <a:ea typeface="Montserrat"/>
-                <a:cs typeface="Montserrat"/>
-                <a:sym typeface="Montserrat"/>
+                <a:latin typeface="Montserrat" panose="00000500000000000000"/>
+                <a:ea typeface="Montserrat" panose="00000500000000000000"/>
+                <a:cs typeface="Montserrat" panose="00000500000000000000"/>
+                <a:sym typeface="Montserrat" panose="00000500000000000000"/>
               </a:rPr>
               <a:t>           </a:t>
             </a:r>
@@ -8397,9 +8327,9 @@
                   <a:srgbClr val="CC0000"/>
                 </a:solidFill>
                 <a:latin typeface="Copperplate Gothic Bold" panose="020E0705020206020404" pitchFamily="34" charset="0"/>
-                <a:ea typeface="Montserrat"/>
-                <a:cs typeface="Montserrat"/>
-                <a:sym typeface="Montserrat"/>
+                <a:ea typeface="Montserrat" panose="00000500000000000000"/>
+                <a:cs typeface="Montserrat" panose="00000500000000000000"/>
+                <a:sym typeface="Montserrat" panose="00000500000000000000"/>
               </a:rPr>
               <a:t>Capstone Project</a:t>
             </a:r>
@@ -8408,9 +8338,9 @@
                 <a:srgbClr val="CC0000"/>
               </a:solidFill>
               <a:latin typeface="Copperplate Gothic Bold" panose="020E0705020206020404" pitchFamily="34" charset="0"/>
-              <a:ea typeface="Montserrat"/>
-              <a:cs typeface="Montserrat"/>
-              <a:sym typeface="Montserrat"/>
+              <a:ea typeface="Montserrat" panose="00000500000000000000"/>
+              <a:cs typeface="Montserrat" panose="00000500000000000000"/>
+              <a:sym typeface="Montserrat" panose="00000500000000000000"/>
             </a:endParaRPr>
           </a:p>
           <a:p>
@@ -8433,9 +8363,9 @@
                   <a:schemeClr val="lt1"/>
                 </a:solidFill>
                 <a:latin typeface="Copperplate Gothic Bold" panose="020E0705020206020404" pitchFamily="34" charset="0"/>
-                <a:ea typeface="Montserrat"/>
-                <a:cs typeface="Montserrat"/>
-                <a:sym typeface="Montserrat"/>
+                <a:ea typeface="Montserrat" panose="00000500000000000000"/>
+                <a:cs typeface="Montserrat" panose="00000500000000000000"/>
+                <a:sym typeface="Montserrat" panose="00000500000000000000"/>
               </a:rPr>
               <a:t>Cardiovascular Risk Prediction</a:t>
             </a:r>
@@ -8444,9 +8374,9 @@
                 <a:schemeClr val="lt1"/>
               </a:solidFill>
               <a:latin typeface="Copperplate Gothic Bold" panose="020E0705020206020404" pitchFamily="34" charset="0"/>
-              <a:ea typeface="Montserrat"/>
-              <a:cs typeface="Montserrat"/>
-              <a:sym typeface="Montserrat"/>
+              <a:ea typeface="Montserrat" panose="00000500000000000000"/>
+              <a:cs typeface="Montserrat" panose="00000500000000000000"/>
+              <a:sym typeface="Montserrat" panose="00000500000000000000"/>
             </a:endParaRPr>
           </a:p>
           <a:p>
@@ -8467,10 +8397,10 @@
               <a:solidFill>
                 <a:schemeClr val="lt1"/>
               </a:solidFill>
-              <a:latin typeface="Montserrat"/>
-              <a:ea typeface="Montserrat"/>
-              <a:cs typeface="Montserrat"/>
-              <a:sym typeface="Montserrat"/>
+              <a:latin typeface="Montserrat" panose="00000500000000000000"/>
+              <a:ea typeface="Montserrat" panose="00000500000000000000"/>
+              <a:cs typeface="Montserrat" panose="00000500000000000000"/>
+              <a:sym typeface="Montserrat" panose="00000500000000000000"/>
             </a:endParaRPr>
           </a:p>
           <a:p>
@@ -8488,10 +8418,10 @@
               <a:solidFill>
                 <a:schemeClr val="lt1"/>
               </a:solidFill>
-              <a:latin typeface="Montserrat"/>
-              <a:ea typeface="Montserrat"/>
-              <a:cs typeface="Montserrat"/>
-              <a:sym typeface="Montserrat"/>
+              <a:latin typeface="Montserrat" panose="00000500000000000000"/>
+              <a:ea typeface="Montserrat" panose="00000500000000000000"/>
+              <a:cs typeface="Montserrat" panose="00000500000000000000"/>
+              <a:sym typeface="Montserrat" panose="00000500000000000000"/>
             </a:endParaRPr>
           </a:p>
           <a:p>
@@ -8509,30 +8439,24 @@
               <a:solidFill>
                 <a:schemeClr val="lt1"/>
               </a:solidFill>
-              <a:latin typeface="Montserrat"/>
-              <a:ea typeface="Montserrat"/>
-              <a:cs typeface="Montserrat"/>
-              <a:sym typeface="Montserrat"/>
+              <a:latin typeface="Montserrat" panose="00000500000000000000"/>
+              <a:ea typeface="Montserrat" panose="00000500000000000000"/>
+              <a:cs typeface="Montserrat" panose="00000500000000000000"/>
+              <a:sym typeface="Montserrat" panose="00000500000000000000"/>
             </a:endParaRPr>
           </a:p>
         </p:txBody>
       </p:sp>
       <p:pic>
         <p:nvPicPr>
-          <p:cNvPr id="3" name="Picture 2">
-            <a:extLst>
-              <a:ext uri="{FF2B5EF4-FFF2-40B4-BE49-F238E27FC236}">
-                <a16:creationId xmlns:a16="http://schemas.microsoft.com/office/drawing/2014/main" id="{01D5955F-2435-4C6B-B4D1-6BF870E7E18B}"/>
-              </a:ext>
-            </a:extLst>
-          </p:cNvPr>
+          <p:cNvPr id="3" name="Picture 2"/>
           <p:cNvPicPr>
             <a:picLocks noChangeAspect="1"/>
           </p:cNvPicPr>
           <p:nvPr/>
         </p:nvPicPr>
         <p:blipFill>
-          <a:blip r:embed="rId3"/>
+          <a:blip r:embed="rId1"/>
           <a:stretch>
             <a:fillRect/>
           </a:stretch>
@@ -8598,13 +8522,7 @@
       </p:grpSpPr>
       <p:sp>
         <p:nvSpPr>
-          <p:cNvPr id="2" name="Title 1">
-            <a:extLst>
-              <a:ext uri="{FF2B5EF4-FFF2-40B4-BE49-F238E27FC236}">
-                <a16:creationId xmlns:a16="http://schemas.microsoft.com/office/drawing/2014/main" id="{806CAA02-7688-49F3-B333-228ECEC8BFD4}"/>
-              </a:ext>
-            </a:extLst>
-          </p:cNvPr>
+          <p:cNvPr id="2" name="Title 1"/>
           <p:cNvSpPr>
             <a:spLocks noGrp="1"/>
           </p:cNvSpPr>
@@ -8628,25 +8546,22 @@
               </a:rPr>
               <a:t>Are smokers at more risk of chd ?</a:t>
             </a:r>
+            <a:endParaRPr lang="en-US" sz="2800" dirty="0">
+              <a:latin typeface="Copperplate Gothic Bold" panose="020E0705020206020404" pitchFamily="34" charset="0"/>
+            </a:endParaRPr>
           </a:p>
         </p:txBody>
       </p:sp>
       <p:pic>
         <p:nvPicPr>
-          <p:cNvPr id="4" name="Picture 3">
-            <a:extLst>
-              <a:ext uri="{FF2B5EF4-FFF2-40B4-BE49-F238E27FC236}">
-                <a16:creationId xmlns:a16="http://schemas.microsoft.com/office/drawing/2014/main" id="{E1CAE7A0-C0FE-4BE2-AA98-F6EBB97D0D7B}"/>
-              </a:ext>
-            </a:extLst>
-          </p:cNvPr>
+          <p:cNvPr id="4" name="Picture 3"/>
           <p:cNvPicPr>
             <a:picLocks noChangeAspect="1"/>
           </p:cNvPicPr>
           <p:nvPr/>
         </p:nvPicPr>
         <p:blipFill>
-          <a:blip r:embed="rId2"/>
+          <a:blip r:embed="rId1"/>
           <a:stretch>
             <a:fillRect/>
           </a:stretch>
@@ -8662,11 +8577,6 @@
         </p:spPr>
       </p:pic>
     </p:spTree>
-    <p:extLst>
-      <p:ext uri="{BB962C8B-B14F-4D97-AF65-F5344CB8AC3E}">
-        <p14:creationId xmlns:p14="http://schemas.microsoft.com/office/powerpoint/2010/main" val="3066456336"/>
-      </p:ext>
-    </p:extLst>
   </p:cSld>
   <p:clrMapOvr>
     <a:masterClrMapping/>
@@ -8693,13 +8603,7 @@
       </p:grpSpPr>
       <p:sp>
         <p:nvSpPr>
-          <p:cNvPr id="2" name="Title 1">
-            <a:extLst>
-              <a:ext uri="{FF2B5EF4-FFF2-40B4-BE49-F238E27FC236}">
-                <a16:creationId xmlns:a16="http://schemas.microsoft.com/office/drawing/2014/main" id="{E92DF764-83AC-4D12-8860-C12C71B4DD48}"/>
-              </a:ext>
-            </a:extLst>
-          </p:cNvPr>
+          <p:cNvPr id="2" name="Title 1"/>
           <p:cNvSpPr>
             <a:spLocks noGrp="1"/>
           </p:cNvSpPr>
@@ -8723,25 +8627,22 @@
               </a:rPr>
               <a:t>Are hypertensive patients at more risk of chd ?</a:t>
             </a:r>
+            <a:endParaRPr lang="en-US" sz="2800" dirty="0">
+              <a:latin typeface="Copperplate Gothic Bold" panose="020E0705020206020404" pitchFamily="34" charset="0"/>
+            </a:endParaRPr>
           </a:p>
         </p:txBody>
       </p:sp>
       <p:pic>
         <p:nvPicPr>
-          <p:cNvPr id="4" name="Picture 3">
-            <a:extLst>
-              <a:ext uri="{FF2B5EF4-FFF2-40B4-BE49-F238E27FC236}">
-                <a16:creationId xmlns:a16="http://schemas.microsoft.com/office/drawing/2014/main" id="{37C9076D-A8F7-46DF-AFB9-802FE94E694B}"/>
-              </a:ext>
-            </a:extLst>
-          </p:cNvPr>
+          <p:cNvPr id="4" name="Picture 3"/>
           <p:cNvPicPr>
             <a:picLocks noChangeAspect="1"/>
           </p:cNvPicPr>
           <p:nvPr/>
         </p:nvPicPr>
         <p:blipFill>
-          <a:blip r:embed="rId2"/>
+          <a:blip r:embed="rId1"/>
           <a:stretch>
             <a:fillRect/>
           </a:stretch>
@@ -8757,11 +8658,6 @@
         </p:spPr>
       </p:pic>
     </p:spTree>
-    <p:extLst>
-      <p:ext uri="{BB962C8B-B14F-4D97-AF65-F5344CB8AC3E}">
-        <p14:creationId xmlns:p14="http://schemas.microsoft.com/office/powerpoint/2010/main" val="480931397"/>
-      </p:ext>
-    </p:extLst>
   </p:cSld>
   <p:clrMapOvr>
     <a:masterClrMapping/>
@@ -8788,13 +8684,7 @@
       </p:grpSpPr>
       <p:sp>
         <p:nvSpPr>
-          <p:cNvPr id="2" name="Title 1">
-            <a:extLst>
-              <a:ext uri="{FF2B5EF4-FFF2-40B4-BE49-F238E27FC236}">
-                <a16:creationId xmlns:a16="http://schemas.microsoft.com/office/drawing/2014/main" id="{3F24E9D7-9F35-48B0-B646-5725E45A99A5}"/>
-              </a:ext>
-            </a:extLst>
-          </p:cNvPr>
+          <p:cNvPr id="2" name="Title 1"/>
           <p:cNvSpPr>
             <a:spLocks noGrp="1"/>
           </p:cNvSpPr>
@@ -8818,25 +8708,22 @@
               </a:rPr>
               <a:t>Are patients on bp medication at more risk of chd ?</a:t>
             </a:r>
+            <a:endParaRPr lang="en-US" sz="2800" dirty="0">
+              <a:latin typeface="Copperplate Gothic Bold" panose="020E0705020206020404" pitchFamily="34" charset="0"/>
+            </a:endParaRPr>
           </a:p>
         </p:txBody>
       </p:sp>
       <p:pic>
         <p:nvPicPr>
-          <p:cNvPr id="4" name="Picture 3">
-            <a:extLst>
-              <a:ext uri="{FF2B5EF4-FFF2-40B4-BE49-F238E27FC236}">
-                <a16:creationId xmlns:a16="http://schemas.microsoft.com/office/drawing/2014/main" id="{58390E9B-6449-4FA8-940C-F871ECBC32B8}"/>
-              </a:ext>
-            </a:extLst>
-          </p:cNvPr>
+          <p:cNvPr id="4" name="Picture 3"/>
           <p:cNvPicPr>
             <a:picLocks noChangeAspect="1"/>
           </p:cNvPicPr>
           <p:nvPr/>
         </p:nvPicPr>
         <p:blipFill>
-          <a:blip r:embed="rId2"/>
+          <a:blip r:embed="rId1"/>
           <a:stretch>
             <a:fillRect/>
           </a:stretch>
@@ -8852,11 +8739,6 @@
         </p:spPr>
       </p:pic>
     </p:spTree>
-    <p:extLst>
-      <p:ext uri="{BB962C8B-B14F-4D97-AF65-F5344CB8AC3E}">
-        <p14:creationId xmlns:p14="http://schemas.microsoft.com/office/powerpoint/2010/main" val="815764968"/>
-      </p:ext>
-    </p:extLst>
   </p:cSld>
   <p:clrMapOvr>
     <a:masterClrMapping/>
@@ -8883,13 +8765,7 @@
       </p:grpSpPr>
       <p:sp>
         <p:nvSpPr>
-          <p:cNvPr id="2" name="Title 1">
-            <a:extLst>
-              <a:ext uri="{FF2B5EF4-FFF2-40B4-BE49-F238E27FC236}">
-                <a16:creationId xmlns:a16="http://schemas.microsoft.com/office/drawing/2014/main" id="{83C7FF08-3B50-436D-AB32-6DE9F735FA45}"/>
-              </a:ext>
-            </a:extLst>
-          </p:cNvPr>
+          <p:cNvPr id="2" name="Title 1"/>
           <p:cNvSpPr>
             <a:spLocks noGrp="1"/>
           </p:cNvSpPr>
@@ -8913,25 +8789,22 @@
               </a:rPr>
               <a:t>Which age group is more vulnerable to chd ?</a:t>
             </a:r>
+            <a:endParaRPr lang="en-US" sz="2800" dirty="0">
+              <a:latin typeface="Copperplate Gothic Bold" panose="020E0705020206020404" pitchFamily="34" charset="0"/>
+            </a:endParaRPr>
           </a:p>
         </p:txBody>
       </p:sp>
       <p:pic>
         <p:nvPicPr>
-          <p:cNvPr id="4" name="Picture 3">
-            <a:extLst>
-              <a:ext uri="{FF2B5EF4-FFF2-40B4-BE49-F238E27FC236}">
-                <a16:creationId xmlns:a16="http://schemas.microsoft.com/office/drawing/2014/main" id="{028D1425-2AA7-4F21-A294-F808FCE6F49A}"/>
-              </a:ext>
-            </a:extLst>
-          </p:cNvPr>
+          <p:cNvPr id="4" name="Picture 3"/>
           <p:cNvPicPr>
             <a:picLocks noChangeAspect="1"/>
           </p:cNvPicPr>
           <p:nvPr/>
         </p:nvPicPr>
         <p:blipFill>
-          <a:blip r:embed="rId2"/>
+          <a:blip r:embed="rId1"/>
           <a:stretch>
             <a:fillRect/>
           </a:stretch>
@@ -8947,11 +8820,6 @@
         </p:spPr>
       </p:pic>
     </p:spTree>
-    <p:extLst>
-      <p:ext uri="{BB962C8B-B14F-4D97-AF65-F5344CB8AC3E}">
-        <p14:creationId xmlns:p14="http://schemas.microsoft.com/office/powerpoint/2010/main" val="544232340"/>
-      </p:ext>
-    </p:extLst>
   </p:cSld>
   <p:clrMapOvr>
     <a:masterClrMapping/>
@@ -8978,13 +8846,7 @@
       </p:grpSpPr>
       <p:sp>
         <p:nvSpPr>
-          <p:cNvPr id="2" name="Title 1">
-            <a:extLst>
-              <a:ext uri="{FF2B5EF4-FFF2-40B4-BE49-F238E27FC236}">
-                <a16:creationId xmlns:a16="http://schemas.microsoft.com/office/drawing/2014/main" id="{7F47781C-F236-4D2A-94DB-37C0612BE490}"/>
-              </a:ext>
-            </a:extLst>
-          </p:cNvPr>
+          <p:cNvPr id="2" name="Title 1"/>
           <p:cNvSpPr>
             <a:spLocks noGrp="1"/>
           </p:cNvSpPr>
@@ -9008,25 +8870,22 @@
               </a:rPr>
               <a:t>Are total cholesterol levels related to chd ?</a:t>
             </a:r>
+            <a:endParaRPr lang="en-US" sz="2800" dirty="0">
+              <a:latin typeface="Copperplate Gothic Bold" panose="020E0705020206020404" pitchFamily="34" charset="0"/>
+            </a:endParaRPr>
           </a:p>
         </p:txBody>
       </p:sp>
       <p:pic>
         <p:nvPicPr>
-          <p:cNvPr id="4" name="Picture 3">
-            <a:extLst>
-              <a:ext uri="{FF2B5EF4-FFF2-40B4-BE49-F238E27FC236}">
-                <a16:creationId xmlns:a16="http://schemas.microsoft.com/office/drawing/2014/main" id="{0A8BCF46-AE0E-4B09-ADE2-09E948AE8D40}"/>
-              </a:ext>
-            </a:extLst>
-          </p:cNvPr>
+          <p:cNvPr id="4" name="Picture 3"/>
           <p:cNvPicPr>
             <a:picLocks noChangeAspect="1"/>
           </p:cNvPicPr>
           <p:nvPr/>
         </p:nvPicPr>
         <p:blipFill>
-          <a:blip r:embed="rId2"/>
+          <a:blip r:embed="rId1"/>
           <a:stretch>
             <a:fillRect/>
           </a:stretch>
@@ -9042,11 +8901,6 @@
         </p:spPr>
       </p:pic>
     </p:spTree>
-    <p:extLst>
-      <p:ext uri="{BB962C8B-B14F-4D97-AF65-F5344CB8AC3E}">
-        <p14:creationId xmlns:p14="http://schemas.microsoft.com/office/powerpoint/2010/main" val="1164957193"/>
-      </p:ext>
-    </p:extLst>
   </p:cSld>
   <p:clrMapOvr>
     <a:masterClrMapping/>
@@ -9073,13 +8927,7 @@
       </p:grpSpPr>
       <p:sp>
         <p:nvSpPr>
-          <p:cNvPr id="2" name="Title 1">
-            <a:extLst>
-              <a:ext uri="{FF2B5EF4-FFF2-40B4-BE49-F238E27FC236}">
-                <a16:creationId xmlns:a16="http://schemas.microsoft.com/office/drawing/2014/main" id="{B67E219E-2C32-402B-AA60-EE061A472837}"/>
-              </a:ext>
-            </a:extLst>
-          </p:cNvPr>
+          <p:cNvPr id="2" name="Title 1"/>
           <p:cNvSpPr>
             <a:spLocks noGrp="1"/>
           </p:cNvSpPr>
@@ -9103,25 +8951,22 @@
               </a:rPr>
               <a:t>Cholestrol level is not the sole deciding factor for chd</a:t>
             </a:r>
+            <a:endParaRPr lang="en-US" sz="2800" dirty="0">
+              <a:latin typeface="Copperplate Gothic Bold" panose="020E0705020206020404" pitchFamily="34" charset="0"/>
+            </a:endParaRPr>
           </a:p>
         </p:txBody>
       </p:sp>
       <p:pic>
         <p:nvPicPr>
-          <p:cNvPr id="4" name="Picture 3">
-            <a:extLst>
-              <a:ext uri="{FF2B5EF4-FFF2-40B4-BE49-F238E27FC236}">
-                <a16:creationId xmlns:a16="http://schemas.microsoft.com/office/drawing/2014/main" id="{4F3E33F6-2218-43E0-B253-C44ED29E1015}"/>
-              </a:ext>
-            </a:extLst>
-          </p:cNvPr>
+          <p:cNvPr id="4" name="Picture 3"/>
           <p:cNvPicPr>
             <a:picLocks noChangeAspect="1"/>
           </p:cNvPicPr>
           <p:nvPr/>
         </p:nvPicPr>
         <p:blipFill>
-          <a:blip r:embed="rId2"/>
+          <a:blip r:embed="rId1"/>
           <a:stretch>
             <a:fillRect/>
           </a:stretch>
@@ -9137,11 +8982,6 @@
         </p:spPr>
       </p:pic>
     </p:spTree>
-    <p:extLst>
-      <p:ext uri="{BB962C8B-B14F-4D97-AF65-F5344CB8AC3E}">
-        <p14:creationId xmlns:p14="http://schemas.microsoft.com/office/powerpoint/2010/main" val="2566335978"/>
-      </p:ext>
-    </p:extLst>
   </p:cSld>
   <p:clrMapOvr>
     <a:masterClrMapping/>
@@ -9168,13 +9008,7 @@
       </p:grpSpPr>
       <p:sp>
         <p:nvSpPr>
-          <p:cNvPr id="2" name="Title 1">
-            <a:extLst>
-              <a:ext uri="{FF2B5EF4-FFF2-40B4-BE49-F238E27FC236}">
-                <a16:creationId xmlns:a16="http://schemas.microsoft.com/office/drawing/2014/main" id="{E799C5A3-AE36-4C6C-9062-4430317402CC}"/>
-              </a:ext>
-            </a:extLst>
-          </p:cNvPr>
+          <p:cNvPr id="2" name="Title 1"/>
           <p:cNvSpPr>
             <a:spLocks noGrp="1"/>
           </p:cNvSpPr>
@@ -9198,25 +9032,22 @@
               </a:rPr>
               <a:t>Is heart rate is responsible for chd ?</a:t>
             </a:r>
+            <a:endParaRPr lang="en-US" sz="2800" dirty="0">
+              <a:latin typeface="Copperplate Gothic Bold" panose="020E0705020206020404" pitchFamily="34" charset="0"/>
+            </a:endParaRPr>
           </a:p>
         </p:txBody>
       </p:sp>
       <p:pic>
         <p:nvPicPr>
-          <p:cNvPr id="4" name="Picture 3">
-            <a:extLst>
-              <a:ext uri="{FF2B5EF4-FFF2-40B4-BE49-F238E27FC236}">
-                <a16:creationId xmlns:a16="http://schemas.microsoft.com/office/drawing/2014/main" id="{7226232C-6ED6-4B5F-B6D6-A75A4A13183A}"/>
-              </a:ext>
-            </a:extLst>
-          </p:cNvPr>
+          <p:cNvPr id="4" name="Picture 3"/>
           <p:cNvPicPr>
             <a:picLocks noChangeAspect="1"/>
           </p:cNvPicPr>
           <p:nvPr/>
         </p:nvPicPr>
         <p:blipFill>
-          <a:blip r:embed="rId2"/>
+          <a:blip r:embed="rId1"/>
           <a:stretch>
             <a:fillRect/>
           </a:stretch>
@@ -9232,11 +9063,6 @@
         </p:spPr>
       </p:pic>
     </p:spTree>
-    <p:extLst>
-      <p:ext uri="{BB962C8B-B14F-4D97-AF65-F5344CB8AC3E}">
-        <p14:creationId xmlns:p14="http://schemas.microsoft.com/office/powerpoint/2010/main" val="3197535599"/>
-      </p:ext>
-    </p:extLst>
   </p:cSld>
   <p:clrMapOvr>
     <a:masterClrMapping/>
@@ -9263,13 +9089,7 @@
       </p:grpSpPr>
       <p:sp>
         <p:nvSpPr>
-          <p:cNvPr id="2" name="Title 1">
-            <a:extLst>
-              <a:ext uri="{FF2B5EF4-FFF2-40B4-BE49-F238E27FC236}">
-                <a16:creationId xmlns:a16="http://schemas.microsoft.com/office/drawing/2014/main" id="{5D5ACC05-DCD6-453E-AEE1-10E1DE86FE6B}"/>
-              </a:ext>
-            </a:extLst>
-          </p:cNvPr>
+          <p:cNvPr id="2" name="Title 1"/>
           <p:cNvSpPr>
             <a:spLocks noGrp="1"/>
           </p:cNvSpPr>
@@ -9293,25 +9113,22 @@
               </a:rPr>
               <a:t>How much Smoking affect chd ?</a:t>
             </a:r>
+            <a:endParaRPr lang="en-US" sz="2800" dirty="0">
+              <a:latin typeface="Copperplate Gothic Bold" panose="020E0705020206020404" pitchFamily="34" charset="0"/>
+            </a:endParaRPr>
           </a:p>
         </p:txBody>
       </p:sp>
       <p:pic>
         <p:nvPicPr>
-          <p:cNvPr id="5" name="Picture 4">
-            <a:extLst>
-              <a:ext uri="{FF2B5EF4-FFF2-40B4-BE49-F238E27FC236}">
-                <a16:creationId xmlns:a16="http://schemas.microsoft.com/office/drawing/2014/main" id="{D237C35F-A2AC-4168-9957-29940BC809F0}"/>
-              </a:ext>
-            </a:extLst>
-          </p:cNvPr>
+          <p:cNvPr id="5" name="Picture 4"/>
           <p:cNvPicPr>
             <a:picLocks noChangeAspect="1"/>
           </p:cNvPicPr>
           <p:nvPr/>
         </p:nvPicPr>
         <p:blipFill>
-          <a:blip r:embed="rId2"/>
+          <a:blip r:embed="rId1"/>
           <a:stretch>
             <a:fillRect/>
           </a:stretch>
@@ -9327,11 +9144,6 @@
         </p:spPr>
       </p:pic>
     </p:spTree>
-    <p:extLst>
-      <p:ext uri="{BB962C8B-B14F-4D97-AF65-F5344CB8AC3E}">
-        <p14:creationId xmlns:p14="http://schemas.microsoft.com/office/powerpoint/2010/main" val="1419316841"/>
-      </p:ext>
-    </p:extLst>
   </p:cSld>
   <p:clrMapOvr>
     <a:masterClrMapping/>
@@ -9358,13 +9170,7 @@
       </p:grpSpPr>
       <p:sp>
         <p:nvSpPr>
-          <p:cNvPr id="2" name="Title 1">
-            <a:extLst>
-              <a:ext uri="{FF2B5EF4-FFF2-40B4-BE49-F238E27FC236}">
-                <a16:creationId xmlns:a16="http://schemas.microsoft.com/office/drawing/2014/main" id="{76A4FC4E-252A-4535-937B-4310C7696718}"/>
-              </a:ext>
-            </a:extLst>
-          </p:cNvPr>
+          <p:cNvPr id="2" name="Title 1"/>
           <p:cNvSpPr>
             <a:spLocks noGrp="1"/>
           </p:cNvSpPr>
@@ -9388,25 +9194,22 @@
               </a:rPr>
               <a:t>Who had a stroke earlier more prone to chd ?</a:t>
             </a:r>
+            <a:endParaRPr lang="en-US" sz="2800" dirty="0">
+              <a:latin typeface="Copperplate Gothic Bold" panose="020E0705020206020404" pitchFamily="34" charset="0"/>
+            </a:endParaRPr>
           </a:p>
         </p:txBody>
       </p:sp>
       <p:pic>
         <p:nvPicPr>
-          <p:cNvPr id="4" name="Picture 3">
-            <a:extLst>
-              <a:ext uri="{FF2B5EF4-FFF2-40B4-BE49-F238E27FC236}">
-                <a16:creationId xmlns:a16="http://schemas.microsoft.com/office/drawing/2014/main" id="{F1E51C6A-DCD1-4387-8D4D-26D3E3F2D8ED}"/>
-              </a:ext>
-            </a:extLst>
-          </p:cNvPr>
+          <p:cNvPr id="4" name="Picture 3"/>
           <p:cNvPicPr>
             <a:picLocks noChangeAspect="1"/>
           </p:cNvPicPr>
           <p:nvPr/>
         </p:nvPicPr>
         <p:blipFill>
-          <a:blip r:embed="rId2"/>
+          <a:blip r:embed="rId1"/>
           <a:stretch>
             <a:fillRect/>
           </a:stretch>
@@ -9422,11 +9225,6 @@
         </p:spPr>
       </p:pic>
     </p:spTree>
-    <p:extLst>
-      <p:ext uri="{BB962C8B-B14F-4D97-AF65-F5344CB8AC3E}">
-        <p14:creationId xmlns:p14="http://schemas.microsoft.com/office/powerpoint/2010/main" val="3388092495"/>
-      </p:ext>
-    </p:extLst>
   </p:cSld>
   <p:clrMapOvr>
     <a:masterClrMapping/>
@@ -9453,13 +9251,7 @@
       </p:grpSpPr>
       <p:sp>
         <p:nvSpPr>
-          <p:cNvPr id="2" name="Title 1">
-            <a:extLst>
-              <a:ext uri="{FF2B5EF4-FFF2-40B4-BE49-F238E27FC236}">
-                <a16:creationId xmlns:a16="http://schemas.microsoft.com/office/drawing/2014/main" id="{0D363A9F-3DD0-4495-A759-A2051977425D}"/>
-              </a:ext>
-            </a:extLst>
-          </p:cNvPr>
+          <p:cNvPr id="2" name="Title 1"/>
           <p:cNvSpPr>
             <a:spLocks noGrp="1"/>
           </p:cNvSpPr>
@@ -9483,25 +9275,22 @@
               </a:rPr>
               <a:t>Are patients with systolic bp at risk of chd ?</a:t>
             </a:r>
+            <a:endParaRPr lang="en-US" sz="2800" dirty="0">
+              <a:latin typeface="Copperplate Gothic Bold" panose="020E0705020206020404" pitchFamily="34" charset="0"/>
+            </a:endParaRPr>
           </a:p>
         </p:txBody>
       </p:sp>
       <p:pic>
         <p:nvPicPr>
-          <p:cNvPr id="4" name="Picture 3">
-            <a:extLst>
-              <a:ext uri="{FF2B5EF4-FFF2-40B4-BE49-F238E27FC236}">
-                <a16:creationId xmlns:a16="http://schemas.microsoft.com/office/drawing/2014/main" id="{900BCC8F-34CE-4CA4-9BFC-D146E9200E7D}"/>
-              </a:ext>
-            </a:extLst>
-          </p:cNvPr>
+          <p:cNvPr id="4" name="Picture 3"/>
           <p:cNvPicPr>
             <a:picLocks noChangeAspect="1"/>
           </p:cNvPicPr>
           <p:nvPr/>
         </p:nvPicPr>
         <p:blipFill>
-          <a:blip r:embed="rId2"/>
+          <a:blip r:embed="rId1"/>
           <a:stretch>
             <a:fillRect/>
           </a:stretch>
@@ -9517,11 +9306,6 @@
         </p:spPr>
       </p:pic>
     </p:spTree>
-    <p:extLst>
-      <p:ext uri="{BB962C8B-B14F-4D97-AF65-F5344CB8AC3E}">
-        <p14:creationId xmlns:p14="http://schemas.microsoft.com/office/powerpoint/2010/main" val="1858588144"/>
-      </p:ext>
-    </p:extLst>
   </p:cSld>
   <p:clrMapOvr>
     <a:masterClrMapping/>
@@ -9548,13 +9332,7 @@
       </p:grpSpPr>
       <p:sp>
         <p:nvSpPr>
-          <p:cNvPr id="3" name="Title 2">
-            <a:extLst>
-              <a:ext uri="{FF2B5EF4-FFF2-40B4-BE49-F238E27FC236}">
-                <a16:creationId xmlns:a16="http://schemas.microsoft.com/office/drawing/2014/main" id="{E215345B-5148-4EB9-9E6A-DF8A75781703}"/>
-              </a:ext>
-            </a:extLst>
-          </p:cNvPr>
+          <p:cNvPr id="3" name="Title 2"/>
           <p:cNvSpPr>
             <a:spLocks noGrp="1"/>
           </p:cNvSpPr>
@@ -9700,22 +9478,18 @@
       </p:sp>
       <p:pic>
         <p:nvPicPr>
-          <p:cNvPr id="7" name="Picture 6">
-            <a:extLst>
-              <a:ext uri="{FF2B5EF4-FFF2-40B4-BE49-F238E27FC236}">
-                <a16:creationId xmlns:a16="http://schemas.microsoft.com/office/drawing/2014/main" id="{1995DB6F-67FA-4854-8648-C0379D4448A9}"/>
-              </a:ext>
-            </a:extLst>
-          </p:cNvPr>
+          <p:cNvPr id="7" name="Picture 6"/>
           <p:cNvPicPr>
             <a:picLocks noChangeAspect="1"/>
           </p:cNvPicPr>
           <p:nvPr/>
         </p:nvPicPr>
         <p:blipFill rotWithShape="1">
-          <a:blip r:embed="rId2"/>
+          <a:blip r:embed="rId1"/>
           <a:srcRect l="4117" t="30303" r="3688" b="29293"/>
-          <a:stretch/>
+          <a:stretch>
+            <a:fillRect/>
+          </a:stretch>
         </p:blipFill>
         <p:spPr>
           <a:xfrm>
@@ -9731,6 +9505,8 @@
             </a:solidFill>
             <a:prstDash val="solid"/>
             <a:miter lim="800000"/>
+            <a:headEnd/>
+            <a:tailEnd/>
           </a:ln>
           <a:effectLst>
             <a:outerShdw blurRad="50800" dist="38100" dir="2700000" algn="tl" rotWithShape="0">
@@ -9742,11 +9518,6 @@
         </p:spPr>
       </p:pic>
     </p:spTree>
-    <p:extLst>
-      <p:ext uri="{BB962C8B-B14F-4D97-AF65-F5344CB8AC3E}">
-        <p14:creationId xmlns:p14="http://schemas.microsoft.com/office/powerpoint/2010/main" val="4234401948"/>
-      </p:ext>
-    </p:extLst>
   </p:cSld>
   <p:clrMapOvr>
     <a:masterClrMapping/>
@@ -9773,13 +9544,7 @@
       </p:grpSpPr>
       <p:sp>
         <p:nvSpPr>
-          <p:cNvPr id="2" name="Title 1">
-            <a:extLst>
-              <a:ext uri="{FF2B5EF4-FFF2-40B4-BE49-F238E27FC236}">
-                <a16:creationId xmlns:a16="http://schemas.microsoft.com/office/drawing/2014/main" id="{F3CCC877-AD3F-47C9-AD0E-376E0BBB1B6E}"/>
-              </a:ext>
-            </a:extLst>
-          </p:cNvPr>
+          <p:cNvPr id="2" name="Title 1"/>
           <p:cNvSpPr>
             <a:spLocks noGrp="1"/>
           </p:cNvSpPr>
@@ -9803,25 +9568,22 @@
               </a:rPr>
               <a:t>Are patients with diastolic bp at risk of chd ?</a:t>
             </a:r>
+            <a:endParaRPr lang="en-US" sz="2800" dirty="0">
+              <a:latin typeface="Copperplate Gothic Bold" panose="020E0705020206020404" pitchFamily="34" charset="0"/>
+            </a:endParaRPr>
           </a:p>
         </p:txBody>
       </p:sp>
       <p:pic>
         <p:nvPicPr>
-          <p:cNvPr id="4" name="Picture 3">
-            <a:extLst>
-              <a:ext uri="{FF2B5EF4-FFF2-40B4-BE49-F238E27FC236}">
-                <a16:creationId xmlns:a16="http://schemas.microsoft.com/office/drawing/2014/main" id="{62D8A7DC-7C4C-4A54-976E-DA039D30042B}"/>
-              </a:ext>
-            </a:extLst>
-          </p:cNvPr>
+          <p:cNvPr id="4" name="Picture 3"/>
           <p:cNvPicPr>
             <a:picLocks noChangeAspect="1"/>
           </p:cNvPicPr>
           <p:nvPr/>
         </p:nvPicPr>
         <p:blipFill>
-          <a:blip r:embed="rId2"/>
+          <a:blip r:embed="rId1"/>
           <a:stretch>
             <a:fillRect/>
           </a:stretch>
@@ -9837,11 +9599,6 @@
         </p:spPr>
       </p:pic>
     </p:spTree>
-    <p:extLst>
-      <p:ext uri="{BB962C8B-B14F-4D97-AF65-F5344CB8AC3E}">
-        <p14:creationId xmlns:p14="http://schemas.microsoft.com/office/powerpoint/2010/main" val="410962200"/>
-      </p:ext>
-    </p:extLst>
   </p:cSld>
   <p:clrMapOvr>
     <a:masterClrMapping/>
@@ -9868,13 +9625,7 @@
       </p:grpSpPr>
       <p:sp>
         <p:nvSpPr>
-          <p:cNvPr id="2" name="Title 1">
-            <a:extLst>
-              <a:ext uri="{FF2B5EF4-FFF2-40B4-BE49-F238E27FC236}">
-                <a16:creationId xmlns:a16="http://schemas.microsoft.com/office/drawing/2014/main" id="{407858FD-8FF7-4ACA-9572-38D469039D55}"/>
-              </a:ext>
-            </a:extLst>
-          </p:cNvPr>
+          <p:cNvPr id="2" name="Title 1"/>
           <p:cNvSpPr>
             <a:spLocks noGrp="1"/>
           </p:cNvSpPr>
@@ -9898,25 +9649,22 @@
               </a:rPr>
               <a:t>patients bmi is important to show the risk of chd ?</a:t>
             </a:r>
+            <a:endParaRPr lang="en-US" sz="2800" dirty="0">
+              <a:latin typeface="Copperplate Gothic Bold" panose="020E0705020206020404" pitchFamily="34" charset="0"/>
+            </a:endParaRPr>
           </a:p>
         </p:txBody>
       </p:sp>
       <p:pic>
         <p:nvPicPr>
-          <p:cNvPr id="4" name="Picture 3">
-            <a:extLst>
-              <a:ext uri="{FF2B5EF4-FFF2-40B4-BE49-F238E27FC236}">
-                <a16:creationId xmlns:a16="http://schemas.microsoft.com/office/drawing/2014/main" id="{E94E33C7-DBF3-4544-AA8B-F343129FC686}"/>
-              </a:ext>
-            </a:extLst>
-          </p:cNvPr>
+          <p:cNvPr id="4" name="Picture 3"/>
           <p:cNvPicPr>
             <a:picLocks noChangeAspect="1"/>
           </p:cNvPicPr>
           <p:nvPr/>
         </p:nvPicPr>
         <p:blipFill>
-          <a:blip r:embed="rId2"/>
+          <a:blip r:embed="rId1"/>
           <a:stretch>
             <a:fillRect/>
           </a:stretch>
@@ -9932,11 +9680,6 @@
         </p:spPr>
       </p:pic>
     </p:spTree>
-    <p:extLst>
-      <p:ext uri="{BB962C8B-B14F-4D97-AF65-F5344CB8AC3E}">
-        <p14:creationId xmlns:p14="http://schemas.microsoft.com/office/powerpoint/2010/main" val="3241142969"/>
-      </p:ext>
-    </p:extLst>
   </p:cSld>
   <p:clrMapOvr>
     <a:masterClrMapping/>
@@ -9963,13 +9706,7 @@
       </p:grpSpPr>
       <p:sp>
         <p:nvSpPr>
-          <p:cNvPr id="2" name="Title 1">
-            <a:extLst>
-              <a:ext uri="{FF2B5EF4-FFF2-40B4-BE49-F238E27FC236}">
-                <a16:creationId xmlns:a16="http://schemas.microsoft.com/office/drawing/2014/main" id="{3DE7ACE0-A179-472D-8A1E-87D663E7E5A9}"/>
-              </a:ext>
-            </a:extLst>
-          </p:cNvPr>
+          <p:cNvPr id="2" name="Title 1"/>
           <p:cNvSpPr>
             <a:spLocks noGrp="1"/>
           </p:cNvSpPr>
@@ -9993,25 +9730,22 @@
               </a:rPr>
               <a:t>Can patients glucose levels show the risk of chd ?</a:t>
             </a:r>
+            <a:endParaRPr lang="en-US" sz="2800" dirty="0">
+              <a:latin typeface="Copperplate Gothic Bold" panose="020E0705020206020404" pitchFamily="34" charset="0"/>
+            </a:endParaRPr>
           </a:p>
         </p:txBody>
       </p:sp>
       <p:pic>
         <p:nvPicPr>
-          <p:cNvPr id="4" name="Picture 3">
-            <a:extLst>
-              <a:ext uri="{FF2B5EF4-FFF2-40B4-BE49-F238E27FC236}">
-                <a16:creationId xmlns:a16="http://schemas.microsoft.com/office/drawing/2014/main" id="{956A6147-F46B-47A0-B8DB-A6B7F8E7C3FA}"/>
-              </a:ext>
-            </a:extLst>
-          </p:cNvPr>
+          <p:cNvPr id="4" name="Picture 3"/>
           <p:cNvPicPr>
             <a:picLocks noChangeAspect="1"/>
           </p:cNvPicPr>
           <p:nvPr/>
         </p:nvPicPr>
         <p:blipFill>
-          <a:blip r:embed="rId2"/>
+          <a:blip r:embed="rId1"/>
           <a:stretch>
             <a:fillRect/>
           </a:stretch>
@@ -10027,11 +9761,6 @@
         </p:spPr>
       </p:pic>
     </p:spTree>
-    <p:extLst>
-      <p:ext uri="{BB962C8B-B14F-4D97-AF65-F5344CB8AC3E}">
-        <p14:creationId xmlns:p14="http://schemas.microsoft.com/office/powerpoint/2010/main" val="3066533739"/>
-      </p:ext>
-    </p:extLst>
   </p:cSld>
   <p:clrMapOvr>
     <a:masterClrMapping/>
@@ -10058,13 +9787,7 @@
       </p:grpSpPr>
       <p:sp>
         <p:nvSpPr>
-          <p:cNvPr id="2" name="Title 1">
-            <a:extLst>
-              <a:ext uri="{FF2B5EF4-FFF2-40B4-BE49-F238E27FC236}">
-                <a16:creationId xmlns:a16="http://schemas.microsoft.com/office/drawing/2014/main" id="{E34890DB-A483-4314-82FC-1526D6EB5FC5}"/>
-              </a:ext>
-            </a:extLst>
-          </p:cNvPr>
+          <p:cNvPr id="2" name="Title 1"/>
           <p:cNvSpPr>
             <a:spLocks noGrp="1"/>
           </p:cNvSpPr>
@@ -10088,25 +9811,22 @@
               </a:rPr>
               <a:t>K-nn score with varying number of neighbors</a:t>
             </a:r>
+            <a:endParaRPr lang="en-US" sz="2800" dirty="0">
+              <a:latin typeface="Copperplate Gothic Bold" panose="020E0705020206020404" pitchFamily="34" charset="0"/>
+            </a:endParaRPr>
           </a:p>
         </p:txBody>
       </p:sp>
       <p:pic>
         <p:nvPicPr>
-          <p:cNvPr id="4" name="Picture 3">
-            <a:extLst>
-              <a:ext uri="{FF2B5EF4-FFF2-40B4-BE49-F238E27FC236}">
-                <a16:creationId xmlns:a16="http://schemas.microsoft.com/office/drawing/2014/main" id="{7228EFBA-F014-4A98-9750-DB9243E83786}"/>
-              </a:ext>
-            </a:extLst>
-          </p:cNvPr>
+          <p:cNvPr id="4" name="Picture 3"/>
           <p:cNvPicPr>
             <a:picLocks noChangeAspect="1"/>
           </p:cNvPicPr>
           <p:nvPr/>
         </p:nvPicPr>
         <p:blipFill>
-          <a:blip r:embed="rId2"/>
+          <a:blip r:embed="rId1"/>
           <a:stretch>
             <a:fillRect/>
           </a:stretch>
@@ -10122,11 +9842,6 @@
         </p:spPr>
       </p:pic>
     </p:spTree>
-    <p:extLst>
-      <p:ext uri="{BB962C8B-B14F-4D97-AF65-F5344CB8AC3E}">
-        <p14:creationId xmlns:p14="http://schemas.microsoft.com/office/powerpoint/2010/main" val="1140168125"/>
-      </p:ext>
-    </p:extLst>
   </p:cSld>
   <p:clrMapOvr>
     <a:masterClrMapping/>
@@ -10153,13 +9868,7 @@
       </p:grpSpPr>
       <p:sp>
         <p:nvSpPr>
-          <p:cNvPr id="2" name="Title 1">
-            <a:extLst>
-              <a:ext uri="{FF2B5EF4-FFF2-40B4-BE49-F238E27FC236}">
-                <a16:creationId xmlns:a16="http://schemas.microsoft.com/office/drawing/2014/main" id="{61386AD1-D4A9-4BBD-800B-2F330A05FDFF}"/>
-              </a:ext>
-            </a:extLst>
-          </p:cNvPr>
+          <p:cNvPr id="2" name="Title 1"/>
           <p:cNvSpPr>
             <a:spLocks noGrp="1"/>
           </p:cNvSpPr>
@@ -10183,25 +9892,22 @@
               </a:rPr>
               <a:t>Roc auc curve for knn</a:t>
             </a:r>
+            <a:endParaRPr lang="en-US" sz="2800" dirty="0">
+              <a:latin typeface="Copperplate Gothic Bold" panose="020E0705020206020404" pitchFamily="34" charset="0"/>
+            </a:endParaRPr>
           </a:p>
         </p:txBody>
       </p:sp>
       <p:pic>
         <p:nvPicPr>
-          <p:cNvPr id="4" name="Picture 3">
-            <a:extLst>
-              <a:ext uri="{FF2B5EF4-FFF2-40B4-BE49-F238E27FC236}">
-                <a16:creationId xmlns:a16="http://schemas.microsoft.com/office/drawing/2014/main" id="{66F12561-0736-4574-9D6D-45FFB85C2B61}"/>
-              </a:ext>
-            </a:extLst>
-          </p:cNvPr>
+          <p:cNvPr id="4" name="Picture 3"/>
           <p:cNvPicPr>
             <a:picLocks noChangeAspect="1"/>
           </p:cNvPicPr>
           <p:nvPr/>
         </p:nvPicPr>
         <p:blipFill>
-          <a:blip r:embed="rId2"/>
+          <a:blip r:embed="rId1"/>
           <a:stretch>
             <a:fillRect/>
           </a:stretch>
@@ -10217,11 +9923,6 @@
         </p:spPr>
       </p:pic>
     </p:spTree>
-    <p:extLst>
-      <p:ext uri="{BB962C8B-B14F-4D97-AF65-F5344CB8AC3E}">
-        <p14:creationId xmlns:p14="http://schemas.microsoft.com/office/powerpoint/2010/main" val="2656455880"/>
-      </p:ext>
-    </p:extLst>
   </p:cSld>
   <p:clrMapOvr>
     <a:masterClrMapping/>
@@ -10230,6 +9931,917 @@
 </file>
 
 <file path=ppt/slides/slide25.xml><?xml version="1.0" encoding="utf-8"?>
+<p:sld xmlns:a="http://schemas.openxmlformats.org/drawingml/2006/main" xmlns:r="http://schemas.openxmlformats.org/officeDocument/2006/relationships" xmlns:p="http://schemas.openxmlformats.org/presentationml/2006/main">
+  <p:cSld>
+    <p:spTree>
+      <p:nvGrpSpPr>
+        <p:cNvPr id="1" name=""/>
+        <p:cNvGrpSpPr/>
+        <p:nvPr/>
+      </p:nvGrpSpPr>
+      <p:grpSpPr/>
+      <p:sp>
+        <p:nvSpPr>
+          <p:cNvPr id="2" name="Title 1"/>
+          <p:cNvSpPr>
+            <a:spLocks noGrp="1"/>
+          </p:cNvSpPr>
+          <p:nvPr>
+            <p:ph type="title"/>
+          </p:nvPr>
+        </p:nvSpPr>
+        <p:spPr>
+          <a:xfrm>
+            <a:off x="198035" y="90910"/>
+            <a:ext cx="8520600" cy="841800"/>
+          </a:xfrm>
+        </p:spPr>
+        <p:txBody>
+          <a:bodyPr/>
+          <a:p>
+            <a:r>
+              <a:rPr lang="en-IN" altLang="en-US"/>
+              <a:t>The best fitting Model:-</a:t>
+            </a:r>
+            <a:endParaRPr lang="en-IN" altLang="en-US"/>
+          </a:p>
+        </p:txBody>
+      </p:sp>
+      <p:graphicFrame>
+        <p:nvGraphicFramePr>
+          <p:cNvPr id="4" name="Table 3"/>
+          <p:cNvGraphicFramePr/>
+          <p:nvPr/>
+        </p:nvGraphicFramePr>
+        <p:xfrm>
+          <a:off x="1371600" y="1238250"/>
+          <a:ext cx="6398260" cy="3185160"/>
+        </p:xfrm>
+        <a:graphic>
+          <a:graphicData uri="http://schemas.openxmlformats.org/drawingml/2006/table">
+            <a:tbl>
+              <a:tblPr firstRow="1" bandRow="1">
+                <a:tableStyleId>{5C22544A-7EE6-4342-B048-85BDC9FD1C3A}</a:tableStyleId>
+              </a:tblPr>
+              <a:tblGrid>
+                <a:gridCol w="796290"/>
+                <a:gridCol w="2402840"/>
+                <a:gridCol w="1599565"/>
+                <a:gridCol w="1599565"/>
+              </a:tblGrid>
+              <a:tr h="381000">
+                <a:tc>
+                  <a:txBody>
+                    <a:bodyPr/>
+                    <a:p>
+                      <a:pPr>
+                        <a:buNone/>
+                      </a:pPr>
+                      <a:r>
+                        <a:rPr lang="en-IN" altLang="en-US"/>
+                        <a:t>Sr.no</a:t>
+                      </a:r>
+                      <a:endParaRPr lang="en-IN" altLang="en-US"/>
+                    </a:p>
+                  </a:txBody>
+                  <a:tcPr/>
+                </a:tc>
+                <a:tc>
+                  <a:txBody>
+                    <a:bodyPr/>
+                    <a:p>
+                      <a:pPr>
+                        <a:buNone/>
+                      </a:pPr>
+                      <a:r>
+                        <a:rPr lang="en-IN" altLang="en-US"/>
+                        <a:t>ML Model</a:t>
+                      </a:r>
+                      <a:endParaRPr lang="en-IN" altLang="en-US"/>
+                    </a:p>
+                  </a:txBody>
+                  <a:tcPr/>
+                </a:tc>
+                <a:tc>
+                  <a:txBody>
+                    <a:bodyPr/>
+                    <a:p>
+                      <a:pPr>
+                        <a:buNone/>
+                      </a:pPr>
+                      <a:r>
+                        <a:rPr lang="en-IN" altLang="en-US"/>
+                        <a:t>Test Accuracy Score</a:t>
+                      </a:r>
+                      <a:endParaRPr lang="en-IN" altLang="en-US"/>
+                    </a:p>
+                  </a:txBody>
+                  <a:tcPr/>
+                </a:tc>
+                <a:tc>
+                  <a:txBody>
+                    <a:bodyPr/>
+                    <a:p>
+                      <a:pPr>
+                        <a:buNone/>
+                      </a:pPr>
+                      <a:r>
+                        <a:rPr lang="en-IN" altLang="en-US"/>
+                        <a:t>Train Accuracy Score</a:t>
+                      </a:r>
+                      <a:endParaRPr lang="en-IN" altLang="en-US"/>
+                    </a:p>
+                  </a:txBody>
+                  <a:tcPr/>
+                </a:tc>
+              </a:tr>
+              <a:tr h="381000">
+                <a:tc>
+                  <a:txBody>
+                    <a:bodyPr/>
+                    <a:p>
+                      <a:pPr>
+                        <a:buNone/>
+                      </a:pPr>
+                      <a:r>
+                        <a:rPr lang="en-IN" altLang="en-US"/>
+                        <a:t>1</a:t>
+                      </a:r>
+                      <a:endParaRPr lang="en-IN" altLang="en-US"/>
+                    </a:p>
+                  </a:txBody>
+                  <a:tcPr/>
+                </a:tc>
+                <a:tc>
+                  <a:txBody>
+                    <a:bodyPr/>
+                    <a:p>
+                      <a:pPr>
+                        <a:buNone/>
+                      </a:pPr>
+                      <a:r>
+                        <a:rPr lang="en-IN" altLang="en-US" sz="1400">
+                          <a:sym typeface="+mn-ea"/>
+                        </a:rPr>
+                        <a:t>Naive Bayes Classifier</a:t>
+                      </a:r>
+                      <a:endParaRPr lang="en-US"/>
+                    </a:p>
+                  </a:txBody>
+                  <a:tcPr/>
+                </a:tc>
+                <a:tc>
+                  <a:txBody>
+                    <a:bodyPr/>
+                    <a:p>
+                      <a:pPr>
+                        <a:buNone/>
+                      </a:pPr>
+                      <a:r>
+                        <a:rPr lang="en-IN" altLang="en-US"/>
+                        <a:t>81</a:t>
+                      </a:r>
+                      <a:endParaRPr lang="en-IN" altLang="en-US"/>
+                    </a:p>
+                  </a:txBody>
+                  <a:tcPr/>
+                </a:tc>
+                <a:tc>
+                  <a:txBody>
+                    <a:bodyPr/>
+                    <a:p>
+                      <a:pPr>
+                        <a:buNone/>
+                      </a:pPr>
+                      <a:r>
+                        <a:rPr lang="en-IN" altLang="en-US"/>
+                        <a:t>83</a:t>
+                      </a:r>
+                      <a:endParaRPr lang="en-IN" altLang="en-US"/>
+                    </a:p>
+                  </a:txBody>
+                  <a:tcPr/>
+                </a:tc>
+              </a:tr>
+              <a:tr h="381000">
+                <a:tc>
+                  <a:txBody>
+                    <a:bodyPr/>
+                    <a:p>
+                      <a:pPr>
+                        <a:buNone/>
+                      </a:pPr>
+                      <a:r>
+                        <a:rPr lang="en-IN" altLang="en-US"/>
+                        <a:t>2</a:t>
+                      </a:r>
+                      <a:endParaRPr lang="en-IN" altLang="en-US"/>
+                    </a:p>
+                  </a:txBody>
+                  <a:tcPr/>
+                </a:tc>
+                <a:tc>
+                  <a:txBody>
+                    <a:bodyPr/>
+                    <a:p>
+                      <a:pPr>
+                        <a:buNone/>
+                      </a:pPr>
+                      <a:r>
+                        <a:rPr lang="en-IN" altLang="en-US"/>
+                        <a:t>KNN</a:t>
+                      </a:r>
+                      <a:endParaRPr lang="en-IN" altLang="en-US"/>
+                    </a:p>
+                  </a:txBody>
+                  <a:tcPr/>
+                </a:tc>
+                <a:tc>
+                  <a:txBody>
+                    <a:bodyPr/>
+                    <a:p>
+                      <a:pPr>
+                        <a:buNone/>
+                      </a:pPr>
+                      <a:r>
+                        <a:rPr lang="en-IN" altLang="en-US"/>
+                        <a:t>84</a:t>
+                      </a:r>
+                      <a:endParaRPr lang="en-IN" altLang="en-US"/>
+                    </a:p>
+                  </a:txBody>
+                  <a:tcPr/>
+                </a:tc>
+                <a:tc>
+                  <a:txBody>
+                    <a:bodyPr/>
+                    <a:p>
+                      <a:pPr>
+                        <a:buNone/>
+                      </a:pPr>
+                      <a:r>
+                        <a:rPr lang="en-IN" altLang="en-US"/>
+                        <a:t>86</a:t>
+                      </a:r>
+                      <a:endParaRPr lang="en-IN" altLang="en-US"/>
+                    </a:p>
+                  </a:txBody>
+                  <a:tcPr/>
+                </a:tc>
+              </a:tr>
+              <a:tr h="381000">
+                <a:tc>
+                  <a:txBody>
+                    <a:bodyPr/>
+                    <a:p>
+                      <a:pPr>
+                        <a:buNone/>
+                      </a:pPr>
+                      <a:r>
+                        <a:rPr lang="en-IN" altLang="en-US"/>
+                        <a:t>3</a:t>
+                      </a:r>
+                      <a:endParaRPr lang="en-IN" altLang="en-US"/>
+                    </a:p>
+                  </a:txBody>
+                  <a:tcPr/>
+                </a:tc>
+                <a:tc>
+                  <a:txBody>
+                    <a:bodyPr/>
+                    <a:p>
+                      <a:pPr>
+                        <a:buNone/>
+                      </a:pPr>
+                      <a:r>
+                        <a:rPr lang="en-IN" altLang="en-US"/>
+                        <a:t>Logistic Regression</a:t>
+                      </a:r>
+                      <a:endParaRPr lang="en-IN" altLang="en-US"/>
+                    </a:p>
+                  </a:txBody>
+                  <a:tcPr/>
+                </a:tc>
+                <a:tc>
+                  <a:txBody>
+                    <a:bodyPr/>
+                    <a:p>
+                      <a:pPr>
+                        <a:buNone/>
+                      </a:pPr>
+                      <a:r>
+                        <a:rPr lang="en-IN" altLang="en-US"/>
+                        <a:t>84</a:t>
+                      </a:r>
+                      <a:endParaRPr lang="en-IN" altLang="en-US"/>
+                    </a:p>
+                  </a:txBody>
+                  <a:tcPr/>
+                </a:tc>
+                <a:tc>
+                  <a:txBody>
+                    <a:bodyPr/>
+                    <a:p>
+                      <a:pPr>
+                        <a:buNone/>
+                      </a:pPr>
+                      <a:r>
+                        <a:rPr lang="en-IN" altLang="en-US"/>
+                        <a:t>86</a:t>
+                      </a:r>
+                      <a:endParaRPr lang="en-IN" altLang="en-US"/>
+                    </a:p>
+                  </a:txBody>
+                  <a:tcPr/>
+                </a:tc>
+              </a:tr>
+              <a:tr h="381000">
+                <a:tc>
+                  <a:txBody>
+                    <a:bodyPr/>
+                    <a:p>
+                      <a:pPr>
+                        <a:buNone/>
+                      </a:pPr>
+                      <a:r>
+                        <a:rPr lang="en-IN" altLang="en-US"/>
+                        <a:t>4</a:t>
+                      </a:r>
+                      <a:endParaRPr lang="en-IN" altLang="en-US"/>
+                    </a:p>
+                  </a:txBody>
+                  <a:tcPr/>
+                </a:tc>
+                <a:tc>
+                  <a:txBody>
+                    <a:bodyPr/>
+                    <a:p>
+                      <a:pPr>
+                        <a:buNone/>
+                      </a:pPr>
+                      <a:r>
+                        <a:rPr lang="en-IN" altLang="en-US"/>
+                        <a:t>Decision Tree</a:t>
+                      </a:r>
+                      <a:endParaRPr lang="en-IN" altLang="en-US"/>
+                    </a:p>
+                  </a:txBody>
+                  <a:tcPr/>
+                </a:tc>
+                <a:tc>
+                  <a:txBody>
+                    <a:bodyPr/>
+                    <a:p>
+                      <a:pPr>
+                        <a:buNone/>
+                      </a:pPr>
+                      <a:r>
+                        <a:rPr lang="en-IN" altLang="en-US"/>
+                        <a:t>75</a:t>
+                      </a:r>
+                      <a:endParaRPr lang="en-IN" altLang="en-US"/>
+                    </a:p>
+                  </a:txBody>
+                  <a:tcPr/>
+                </a:tc>
+                <a:tc>
+                  <a:txBody>
+                    <a:bodyPr/>
+                    <a:p>
+                      <a:pPr>
+                        <a:buNone/>
+                      </a:pPr>
+                      <a:r>
+                        <a:rPr lang="en-IN" altLang="en-US"/>
+                        <a:t>76</a:t>
+                      </a:r>
+                      <a:endParaRPr lang="en-IN" altLang="en-US"/>
+                    </a:p>
+                  </a:txBody>
+                  <a:tcPr/>
+                </a:tc>
+              </a:tr>
+              <a:tr h="381000">
+                <a:tc>
+                  <a:txBody>
+                    <a:bodyPr/>
+                    <a:p>
+                      <a:pPr>
+                        <a:buNone/>
+                      </a:pPr>
+                      <a:r>
+                        <a:rPr lang="en-IN" altLang="en-US"/>
+                        <a:t>5</a:t>
+                      </a:r>
+                      <a:endParaRPr lang="en-IN" altLang="en-US"/>
+                    </a:p>
+                  </a:txBody>
+                  <a:tcPr/>
+                </a:tc>
+                <a:tc>
+                  <a:txBody>
+                    <a:bodyPr/>
+                    <a:p>
+                      <a:pPr>
+                        <a:buNone/>
+                      </a:pPr>
+                      <a:r>
+                        <a:rPr lang="en-IN" altLang="en-US"/>
+                        <a:t>Random Forest</a:t>
+                      </a:r>
+                      <a:endParaRPr lang="en-IN" altLang="en-US"/>
+                    </a:p>
+                  </a:txBody>
+                  <a:tcPr/>
+                </a:tc>
+                <a:tc>
+                  <a:txBody>
+                    <a:bodyPr/>
+                    <a:p>
+                      <a:pPr>
+                        <a:buNone/>
+                      </a:pPr>
+                      <a:r>
+                        <a:rPr lang="en-IN" altLang="en-US"/>
+                        <a:t>89</a:t>
+                      </a:r>
+                      <a:endParaRPr lang="en-IN" altLang="en-US"/>
+                    </a:p>
+                  </a:txBody>
+                  <a:tcPr/>
+                </a:tc>
+                <a:tc>
+                  <a:txBody>
+                    <a:bodyPr/>
+                    <a:p>
+                      <a:pPr>
+                        <a:buNone/>
+                      </a:pPr>
+                      <a:r>
+                        <a:rPr lang="en-IN" altLang="en-US"/>
+                        <a:t>99.8</a:t>
+                      </a:r>
+                      <a:endParaRPr lang="en-IN" altLang="en-US"/>
+                    </a:p>
+                  </a:txBody>
+                  <a:tcPr/>
+                </a:tc>
+              </a:tr>
+              <a:tr h="381000">
+                <a:tc>
+                  <a:txBody>
+                    <a:bodyPr/>
+                    <a:p>
+                      <a:pPr>
+                        <a:buNone/>
+                      </a:pPr>
+                      <a:r>
+                        <a:rPr lang="en-IN" altLang="en-US"/>
+                        <a:t>6</a:t>
+                      </a:r>
+                      <a:endParaRPr lang="en-IN" altLang="en-US"/>
+                    </a:p>
+                  </a:txBody>
+                  <a:tcPr/>
+                </a:tc>
+                <a:tc>
+                  <a:txBody>
+                    <a:bodyPr/>
+                    <a:p>
+                      <a:pPr>
+                        <a:buNone/>
+                      </a:pPr>
+                      <a:r>
+                        <a:rPr lang="en-IN" altLang="en-US"/>
+                        <a:t>Gradient Boost</a:t>
+                      </a:r>
+                      <a:endParaRPr lang="en-IN" altLang="en-US"/>
+                    </a:p>
+                  </a:txBody>
+                  <a:tcPr/>
+                </a:tc>
+                <a:tc>
+                  <a:txBody>
+                    <a:bodyPr/>
+                    <a:p>
+                      <a:pPr>
+                        <a:buNone/>
+                      </a:pPr>
+                      <a:r>
+                        <a:rPr lang="en-IN" altLang="en-US"/>
+                        <a:t>87</a:t>
+                      </a:r>
+                      <a:endParaRPr lang="en-IN" altLang="en-US"/>
+                    </a:p>
+                  </a:txBody>
+                  <a:tcPr/>
+                </a:tc>
+                <a:tc>
+                  <a:txBody>
+                    <a:bodyPr/>
+                    <a:p>
+                      <a:pPr>
+                        <a:buNone/>
+                      </a:pPr>
+                      <a:r>
+                        <a:rPr lang="en-IN" altLang="en-US"/>
+                        <a:t>90</a:t>
+                      </a:r>
+                      <a:endParaRPr lang="en-IN" altLang="en-US"/>
+                    </a:p>
+                  </a:txBody>
+                  <a:tcPr/>
+                </a:tc>
+              </a:tr>
+              <a:tr h="381000">
+                <a:tc>
+                  <a:txBody>
+                    <a:bodyPr/>
+                    <a:p>
+                      <a:pPr>
+                        <a:buNone/>
+                      </a:pPr>
+                      <a:r>
+                        <a:rPr lang="en-IN" altLang="en-US"/>
+                        <a:t>7</a:t>
+                      </a:r>
+                      <a:endParaRPr lang="en-IN" altLang="en-US"/>
+                    </a:p>
+                  </a:txBody>
+                  <a:tcPr/>
+                </a:tc>
+                <a:tc>
+                  <a:txBody>
+                    <a:bodyPr/>
+                    <a:p>
+                      <a:pPr>
+                        <a:buNone/>
+                      </a:pPr>
+                      <a:r>
+                        <a:rPr lang="en-IN" altLang="en-US"/>
+                        <a:t>XGBoost</a:t>
+                      </a:r>
+                      <a:endParaRPr lang="en-IN" altLang="en-US"/>
+                    </a:p>
+                  </a:txBody>
+                  <a:tcPr/>
+                </a:tc>
+                <a:tc>
+                  <a:txBody>
+                    <a:bodyPr/>
+                    <a:p>
+                      <a:pPr>
+                        <a:buNone/>
+                      </a:pPr>
+                      <a:r>
+                        <a:rPr lang="en-IN" altLang="en-US"/>
+                        <a:t>97</a:t>
+                      </a:r>
+                      <a:endParaRPr lang="en-IN" altLang="en-US"/>
+                    </a:p>
+                  </a:txBody>
+                  <a:tcPr/>
+                </a:tc>
+                <a:tc>
+                  <a:txBody>
+                    <a:bodyPr/>
+                    <a:p>
+                      <a:pPr>
+                        <a:buNone/>
+                      </a:pPr>
+                      <a:r>
+                        <a:rPr lang="en-IN" altLang="en-US"/>
+                        <a:t>83</a:t>
+                      </a:r>
+                      <a:endParaRPr lang="en-IN" altLang="en-US"/>
+                    </a:p>
+                  </a:txBody>
+                  <a:tcPr/>
+                </a:tc>
+              </a:tr>
+            </a:tbl>
+          </a:graphicData>
+        </a:graphic>
+      </p:graphicFrame>
+    </p:spTree>
+  </p:cSld>
+  <p:clrMapOvr>
+    <a:masterClrMapping/>
+  </p:clrMapOvr>
+</p:sld>
+</file>
+
+<file path=ppt/slides/slide26.xml><?xml version="1.0" encoding="utf-8"?>
+<p:sld xmlns:a="http://schemas.openxmlformats.org/drawingml/2006/main" xmlns:r="http://schemas.openxmlformats.org/officeDocument/2006/relationships" xmlns:p="http://schemas.openxmlformats.org/presentationml/2006/main">
+  <p:cSld>
+    <p:spTree>
+      <p:nvGrpSpPr>
+        <p:cNvPr id="1" name=""/>
+        <p:cNvGrpSpPr/>
+        <p:nvPr/>
+      </p:nvGrpSpPr>
+      <p:grpSpPr/>
+      <p:sp>
+        <p:nvSpPr>
+          <p:cNvPr id="2" name="Title 1"/>
+          <p:cNvSpPr>
+            <a:spLocks noGrp="1"/>
+          </p:cNvSpPr>
+          <p:nvPr>
+            <p:ph type="title"/>
+          </p:nvPr>
+        </p:nvSpPr>
+        <p:spPr>
+          <a:xfrm>
+            <a:off x="311700" y="260455"/>
+            <a:ext cx="8520600" cy="841800"/>
+          </a:xfrm>
+        </p:spPr>
+        <p:txBody>
+          <a:bodyPr/>
+          <a:p>
+            <a:r>
+              <a:rPr lang="en-IN" altLang="en-US"/>
+              <a:t>Confusion Matrix:-</a:t>
+            </a:r>
+            <a:endParaRPr lang="en-IN" altLang="en-US"/>
+          </a:p>
+        </p:txBody>
+      </p:sp>
+      <p:pic>
+        <p:nvPicPr>
+          <p:cNvPr id="4" name="Picture 3"/>
+          <p:cNvPicPr>
+            <a:picLocks noChangeAspect="1"/>
+          </p:cNvPicPr>
+          <p:nvPr/>
+        </p:nvPicPr>
+        <p:blipFill>
+          <a:blip r:embed="rId1"/>
+          <a:stretch>
+            <a:fillRect/>
+          </a:stretch>
+        </p:blipFill>
+        <p:spPr>
+          <a:xfrm>
+            <a:off x="4888230" y="989330"/>
+            <a:ext cx="3169920" cy="1627505"/>
+          </a:xfrm>
+          <a:prstGeom prst="rect">
+            <a:avLst/>
+          </a:prstGeom>
+        </p:spPr>
+      </p:pic>
+      <p:pic>
+        <p:nvPicPr>
+          <p:cNvPr id="5" name="Picture 4"/>
+          <p:cNvPicPr>
+            <a:picLocks noChangeAspect="1"/>
+          </p:cNvPicPr>
+          <p:nvPr/>
+        </p:nvPicPr>
+        <p:blipFill>
+          <a:blip r:embed="rId2"/>
+          <a:stretch>
+            <a:fillRect/>
+          </a:stretch>
+        </p:blipFill>
+        <p:spPr>
+          <a:xfrm>
+            <a:off x="311785" y="1102360"/>
+            <a:ext cx="3305175" cy="1706245"/>
+          </a:xfrm>
+          <a:prstGeom prst="rect">
+            <a:avLst/>
+          </a:prstGeom>
+        </p:spPr>
+      </p:pic>
+      <p:sp>
+        <p:nvSpPr>
+          <p:cNvPr id="6" name="Text Box 5"/>
+          <p:cNvSpPr txBox="1"/>
+          <p:nvPr/>
+        </p:nvSpPr>
+        <p:spPr>
+          <a:xfrm>
+            <a:off x="5261610" y="2712085"/>
+            <a:ext cx="1963420" cy="306705"/>
+          </a:xfrm>
+          <a:prstGeom prst="rect">
+            <a:avLst/>
+          </a:prstGeom>
+          <a:noFill/>
+        </p:spPr>
+        <p:txBody>
+          <a:bodyPr wrap="none" rtlCol="0">
+            <a:spAutoFit/>
+          </a:bodyPr>
+          <a:p>
+            <a:r>
+              <a:rPr lang="en-IN" altLang="en-US"/>
+              <a:t>XGB Test confusion m</a:t>
+            </a:r>
+            <a:endParaRPr lang="en-IN" altLang="en-US"/>
+          </a:p>
+        </p:txBody>
+      </p:sp>
+      <p:sp>
+        <p:nvSpPr>
+          <p:cNvPr id="7" name="Text Box 6"/>
+          <p:cNvSpPr txBox="1"/>
+          <p:nvPr/>
+        </p:nvSpPr>
+        <p:spPr>
+          <a:xfrm>
+            <a:off x="610235" y="2808605"/>
+            <a:ext cx="1131570" cy="306705"/>
+          </a:xfrm>
+          <a:prstGeom prst="rect">
+            <a:avLst/>
+          </a:prstGeom>
+          <a:noFill/>
+        </p:spPr>
+        <p:txBody>
+          <a:bodyPr wrap="square" rtlCol="0">
+            <a:spAutoFit/>
+          </a:bodyPr>
+          <a:p>
+            <a:r>
+              <a:rPr lang="en-IN" altLang="en-US"/>
+              <a:t>LR Test CM</a:t>
+            </a:r>
+            <a:endParaRPr lang="en-IN" altLang="en-US"/>
+          </a:p>
+        </p:txBody>
+      </p:sp>
+      <p:pic>
+        <p:nvPicPr>
+          <p:cNvPr id="8" name="Picture 7"/>
+          <p:cNvPicPr>
+            <a:picLocks noChangeAspect="1"/>
+          </p:cNvPicPr>
+          <p:nvPr/>
+        </p:nvPicPr>
+        <p:blipFill>
+          <a:blip r:embed="rId3"/>
+          <a:stretch>
+            <a:fillRect/>
+          </a:stretch>
+        </p:blipFill>
+        <p:spPr>
+          <a:xfrm>
+            <a:off x="311785" y="3115310"/>
+            <a:ext cx="3552825" cy="1504950"/>
+          </a:xfrm>
+          <a:prstGeom prst="rect">
+            <a:avLst/>
+          </a:prstGeom>
+        </p:spPr>
+      </p:pic>
+      <p:sp>
+        <p:nvSpPr>
+          <p:cNvPr id="9" name="Text Box 8"/>
+          <p:cNvSpPr txBox="1"/>
+          <p:nvPr/>
+        </p:nvSpPr>
+        <p:spPr>
+          <a:xfrm>
+            <a:off x="734695" y="4817745"/>
+            <a:ext cx="1190625" cy="306705"/>
+          </a:xfrm>
+          <a:prstGeom prst="rect">
+            <a:avLst/>
+          </a:prstGeom>
+          <a:noFill/>
+        </p:spPr>
+        <p:txBody>
+          <a:bodyPr wrap="none" rtlCol="0">
+            <a:spAutoFit/>
+          </a:bodyPr>
+          <a:p>
+            <a:r>
+              <a:rPr lang="en-IN" altLang="en-US"/>
+              <a:t>LR Train CM</a:t>
+            </a:r>
+            <a:endParaRPr lang="en-IN" altLang="en-US"/>
+          </a:p>
+        </p:txBody>
+      </p:sp>
+      <p:sp>
+        <p:nvSpPr>
+          <p:cNvPr id="11" name="Text Box 10"/>
+          <p:cNvSpPr txBox="1"/>
+          <p:nvPr/>
+        </p:nvSpPr>
+        <p:spPr>
+          <a:xfrm>
+            <a:off x="5622925" y="4836795"/>
+            <a:ext cx="1240790" cy="306705"/>
+          </a:xfrm>
+          <a:prstGeom prst="rect">
+            <a:avLst/>
+          </a:prstGeom>
+          <a:noFill/>
+        </p:spPr>
+        <p:txBody>
+          <a:bodyPr wrap="none" rtlCol="0">
+            <a:spAutoFit/>
+          </a:bodyPr>
+          <a:p>
+            <a:r>
+              <a:rPr lang="en-IN" altLang="en-US"/>
+              <a:t>XGB train cm</a:t>
+            </a:r>
+            <a:endParaRPr lang="en-IN" altLang="en-US"/>
+          </a:p>
+        </p:txBody>
+      </p:sp>
+      <p:pic>
+        <p:nvPicPr>
+          <p:cNvPr id="12" name="Picture 11"/>
+          <p:cNvPicPr>
+            <a:picLocks noChangeAspect="1"/>
+          </p:cNvPicPr>
+          <p:nvPr/>
+        </p:nvPicPr>
+        <p:blipFill>
+          <a:blip r:embed="rId4"/>
+          <a:stretch>
+            <a:fillRect/>
+          </a:stretch>
+        </p:blipFill>
+        <p:spPr>
+          <a:xfrm>
+            <a:off x="4702175" y="2990215"/>
+            <a:ext cx="3542030" cy="1846580"/>
+          </a:xfrm>
+          <a:prstGeom prst="rect">
+            <a:avLst/>
+          </a:prstGeom>
+        </p:spPr>
+      </p:pic>
+    </p:spTree>
+  </p:cSld>
+  <p:clrMapOvr>
+    <a:masterClrMapping/>
+  </p:clrMapOvr>
+</p:sld>
+</file>
+
+<file path=ppt/slides/slide27.xml><?xml version="1.0" encoding="utf-8"?>
+<p:sld xmlns:a="http://schemas.openxmlformats.org/drawingml/2006/main" xmlns:r="http://schemas.openxmlformats.org/officeDocument/2006/relationships" xmlns:p="http://schemas.openxmlformats.org/presentationml/2006/main">
+  <p:cSld>
+    <p:bg>
+      <p:bgPr>
+        <a:solidFill>
+          <a:schemeClr val="bg2"/>
+        </a:solidFill>
+        <a:effectLst/>
+      </p:bgPr>
+    </p:bg>
+    <p:spTree>
+      <p:nvGrpSpPr>
+        <p:cNvPr id="1" name=""/>
+        <p:cNvGrpSpPr/>
+        <p:nvPr/>
+      </p:nvGrpSpPr>
+      <p:grpSpPr/>
+      <p:sp>
+        <p:nvSpPr>
+          <p:cNvPr id="2" name="Title 1"/>
+          <p:cNvSpPr>
+            <a:spLocks noGrp="1"/>
+          </p:cNvSpPr>
+          <p:nvPr>
+            <p:ph type="title"/>
+          </p:nvPr>
+        </p:nvSpPr>
+        <p:spPr>
+          <a:xfrm>
+            <a:off x="311785" y="147320"/>
+            <a:ext cx="8520430" cy="706120"/>
+          </a:xfrm>
+        </p:spPr>
+        <p:txBody>
+          <a:bodyPr/>
+          <a:p>
+            <a:r>
+              <a:rPr lang="en-IN" altLang="en-US"/>
+              <a:t>The Feature Importance:-</a:t>
+            </a:r>
+            <a:endParaRPr lang="en-IN" altLang="en-US"/>
+          </a:p>
+        </p:txBody>
+      </p:sp>
+    </p:spTree>
+  </p:cSld>
+  <p:clrMapOvr>
+    <a:masterClrMapping/>
+  </p:clrMapOvr>
+</p:sld>
+</file>
+
+<file path=ppt/slides/slide28.xml><?xml version="1.0" encoding="utf-8"?>
 <p:sld xmlns:a="http://schemas.openxmlformats.org/drawingml/2006/main" xmlns:r="http://schemas.openxmlformats.org/officeDocument/2006/relationships" xmlns:p="http://schemas.openxmlformats.org/presentationml/2006/main">
   <p:cSld>
     <p:spTree>
@@ -10354,6 +10966,15 @@
               </a:rPr>
               <a:t>Starting with loading the data so far we have done EDA , null values treatment, encoding of categorical columns, feature selection and then model building.</a:t>
             </a:r>
+            <a:endParaRPr lang="en-US" sz="2000" b="0" i="0" u="none" strike="noStrike" dirty="0">
+              <a:solidFill>
+                <a:schemeClr val="accent5">
+                  <a:lumMod val="50000"/>
+                </a:schemeClr>
+              </a:solidFill>
+              <a:effectLst/>
+              <a:latin typeface="Bahnschrift Condensed" panose="020B0502040204020203" pitchFamily="34" charset="0"/>
+            </a:endParaRPr>
           </a:p>
           <a:p>
             <a:pPr algn="just" rtl="0">
@@ -10457,6 +11078,15 @@
               </a:rPr>
               <a:t>So the accuracy of our best model is 91% which can be said to be good for this large dataset.</a:t>
             </a:r>
+            <a:endParaRPr lang="en-US" sz="2000" b="0" i="0" u="none" strike="noStrike" dirty="0">
+              <a:solidFill>
+                <a:schemeClr val="accent5">
+                  <a:lumMod val="50000"/>
+                </a:schemeClr>
+              </a:solidFill>
+              <a:effectLst/>
+              <a:latin typeface="Bahnschrift Condensed" panose="020B0502040204020203" pitchFamily="34" charset="0"/>
+            </a:endParaRPr>
           </a:p>
           <a:p>
             <a:pPr algn="just" rtl="0">
@@ -10531,20 +11161,14 @@
       </p:sp>
       <p:pic>
         <p:nvPicPr>
-          <p:cNvPr id="6" name="Picture 5">
-            <a:extLst>
-              <a:ext uri="{FF2B5EF4-FFF2-40B4-BE49-F238E27FC236}">
-                <a16:creationId xmlns:a16="http://schemas.microsoft.com/office/drawing/2014/main" id="{3B722B17-D6CB-430F-9DCD-9080C9213B0F}"/>
-              </a:ext>
-            </a:extLst>
-          </p:cNvPr>
+          <p:cNvPr id="6" name="Picture 5"/>
           <p:cNvPicPr>
             <a:picLocks noChangeAspect="1"/>
           </p:cNvPicPr>
           <p:nvPr/>
         </p:nvPicPr>
         <p:blipFill>
-          <a:blip r:embed="rId2"/>
+          <a:blip r:embed="rId1"/>
           <a:stretch>
             <a:fillRect/>
           </a:stretch>
@@ -10634,6 +11258,9 @@
               </a:rPr>
               <a:t>Problem Statement:</a:t>
             </a:r>
+            <a:endParaRPr lang="en-IN" altLang="en-US" sz="3600" dirty="0">
+              <a:latin typeface="Copperplate Gothic Bold" panose="020E0705020206020404" pitchFamily="34" charset="0"/>
+            </a:endParaRPr>
           </a:p>
         </p:txBody>
       </p:sp>
@@ -10666,6 +11293,12 @@
               </a:rPr>
               <a:t>The dataset is from an ongoing cardiovascular study on residents of the town of Framingham, Massachusetts.</a:t>
             </a:r>
+            <a:endParaRPr lang="en-US" sz="2000" dirty="0">
+              <a:solidFill>
+                <a:schemeClr val="bg1"/>
+              </a:solidFill>
+              <a:latin typeface="Bahnschrift Condensed" panose="020B0502040204020203" pitchFamily="34" charset="0"/>
+            </a:endParaRPr>
           </a:p>
           <a:p>
             <a:endParaRPr lang="en-US" sz="2000" dirty="0">
@@ -10685,6 +11318,12 @@
               </a:rPr>
               <a:t>The classification goal is to predict whether the patient has a 10-year risk of future coronary heart disease(CHD).</a:t>
             </a:r>
+            <a:endParaRPr lang="en-US" sz="2000" dirty="0">
+              <a:solidFill>
+                <a:schemeClr val="bg1"/>
+              </a:solidFill>
+              <a:latin typeface="Bahnschrift Condensed" panose="020B0502040204020203" pitchFamily="34" charset="0"/>
+            </a:endParaRPr>
           </a:p>
           <a:p>
             <a:endParaRPr lang="en-US" sz="2000" dirty="0">
@@ -10715,22 +11354,18 @@
       </p:sp>
       <p:pic>
         <p:nvPicPr>
-          <p:cNvPr id="6" name="Picture 5">
-            <a:extLst>
-              <a:ext uri="{FF2B5EF4-FFF2-40B4-BE49-F238E27FC236}">
-                <a16:creationId xmlns:a16="http://schemas.microsoft.com/office/drawing/2014/main" id="{005D1674-17D2-4B88-BDCD-1DC6D368DD87}"/>
-              </a:ext>
-            </a:extLst>
-          </p:cNvPr>
+          <p:cNvPr id="6" name="Picture 5"/>
           <p:cNvPicPr>
             <a:picLocks noChangeAspect="1"/>
           </p:cNvPicPr>
           <p:nvPr/>
         </p:nvPicPr>
         <p:blipFill rotWithShape="1">
-          <a:blip r:embed="rId2"/>
+          <a:blip r:embed="rId1"/>
           <a:srcRect l="5326" t="10388" r="4838" b="12853"/>
-          <a:stretch/>
+          <a:stretch>
+            <a:fillRect/>
+          </a:stretch>
         </p:blipFill>
         <p:spPr>
           <a:xfrm>
@@ -10793,13 +11428,7 @@
       </p:grpSpPr>
       <p:sp>
         <p:nvSpPr>
-          <p:cNvPr id="2" name="Title 1">
-            <a:extLst>
-              <a:ext uri="{FF2B5EF4-FFF2-40B4-BE49-F238E27FC236}">
-                <a16:creationId xmlns:a16="http://schemas.microsoft.com/office/drawing/2014/main" id="{B099C15B-8568-4670-A0FA-12F7D5FC9B03}"/>
-              </a:ext>
-            </a:extLst>
-          </p:cNvPr>
+          <p:cNvPr id="2" name="Title 1"/>
           <p:cNvSpPr>
             <a:spLocks noGrp="1"/>
           </p:cNvSpPr>
@@ -10823,18 +11452,15 @@
               </a:rPr>
               <a:t>Data description:</a:t>
             </a:r>
+            <a:endParaRPr lang="en-US" sz="3600" dirty="0">
+              <a:latin typeface="Copperplate Gothic Bold" panose="020E0705020206020404" pitchFamily="34" charset="0"/>
+            </a:endParaRPr>
           </a:p>
         </p:txBody>
       </p:sp>
       <p:sp>
         <p:nvSpPr>
-          <p:cNvPr id="3" name="Text Placeholder 2">
-            <a:extLst>
-              <a:ext uri="{FF2B5EF4-FFF2-40B4-BE49-F238E27FC236}">
-                <a16:creationId xmlns:a16="http://schemas.microsoft.com/office/drawing/2014/main" id="{61F13C21-9620-4AEF-8656-B0BC3BB682C9}"/>
-              </a:ext>
-            </a:extLst>
-          </p:cNvPr>
+          <p:cNvPr id="3" name="Text Placeholder 2"/>
           <p:cNvSpPr>
             <a:spLocks noGrp="1"/>
           </p:cNvSpPr>
@@ -10892,6 +11518,15 @@
               </a:rPr>
               <a:t>Sex: male or female("M" or "F")</a:t>
             </a:r>
+            <a:endParaRPr lang="en-US" sz="1200" b="0" i="0" dirty="0">
+              <a:solidFill>
+                <a:schemeClr val="accent5">
+                  <a:lumMod val="50000"/>
+                </a:schemeClr>
+              </a:solidFill>
+              <a:effectLst/>
+              <a:latin typeface="Bahnschrift Condensed" panose="020B0502040204020203" pitchFamily="34" charset="0"/>
+            </a:endParaRPr>
           </a:p>
           <a:p>
             <a:pPr algn="l">
@@ -10910,6 +11545,15 @@
               </a:rPr>
               <a:t>Age: Age of the patient;(Continuous - Although the recorded ages have been truncated to whole numbers, the concept of age is continuous)</a:t>
             </a:r>
+            <a:endParaRPr lang="en-US" sz="1200" b="0" i="0" dirty="0">
+              <a:solidFill>
+                <a:schemeClr val="accent5">
+                  <a:lumMod val="50000"/>
+                </a:schemeClr>
+              </a:solidFill>
+              <a:effectLst/>
+              <a:latin typeface="Bahnschrift Condensed" panose="020B0502040204020203" pitchFamily="34" charset="0"/>
+            </a:endParaRPr>
           </a:p>
           <a:p>
             <a:pPr algn="l"/>
@@ -10952,6 +11596,15 @@
               </a:rPr>
               <a:t>is_smoking: whether or not the patient is a current smoker ("YES" or "NO")</a:t>
             </a:r>
+            <a:endParaRPr lang="en-US" sz="1200" b="0" i="0" dirty="0">
+              <a:solidFill>
+                <a:schemeClr val="accent5">
+                  <a:lumMod val="50000"/>
+                </a:schemeClr>
+              </a:solidFill>
+              <a:effectLst/>
+              <a:latin typeface="Bahnschrift Condensed" panose="020B0502040204020203" pitchFamily="34" charset="0"/>
+            </a:endParaRPr>
           </a:p>
           <a:p>
             <a:pPr algn="l">
@@ -10970,6 +11623,15 @@
               </a:rPr>
               <a:t>Cigs Per Day: the number of cigarettes that the person smoked on average in one day.(can be considered continuous as one can have any number of cigarettes, even half a cigarette.)</a:t>
             </a:r>
+            <a:endParaRPr lang="en-US" sz="1200" b="0" i="0" dirty="0">
+              <a:solidFill>
+                <a:schemeClr val="accent5">
+                  <a:lumMod val="50000"/>
+                </a:schemeClr>
+              </a:solidFill>
+              <a:effectLst/>
+              <a:latin typeface="Bahnschrift Condensed" panose="020B0502040204020203" pitchFamily="34" charset="0"/>
+            </a:endParaRPr>
           </a:p>
           <a:p>
             <a:pPr algn="l"/>
@@ -11012,6 +11674,15 @@
               </a:rPr>
               <a:t>BP Meds: whether or not the patient was on blood pressure medication (Nominal)</a:t>
             </a:r>
+            <a:endParaRPr lang="en-US" sz="1200" b="0" i="0" dirty="0">
+              <a:solidFill>
+                <a:schemeClr val="accent5">
+                  <a:lumMod val="50000"/>
+                </a:schemeClr>
+              </a:solidFill>
+              <a:effectLst/>
+              <a:latin typeface="Bahnschrift Condensed" panose="020B0502040204020203" pitchFamily="34" charset="0"/>
+            </a:endParaRPr>
           </a:p>
           <a:p>
             <a:pPr algn="l">
@@ -11030,6 +11701,15 @@
               </a:rPr>
               <a:t>Prevalent Stroke: whether or not the patient had previously had a stroke (Nominal)</a:t>
             </a:r>
+            <a:endParaRPr lang="en-US" sz="1200" b="0" i="0" dirty="0">
+              <a:solidFill>
+                <a:schemeClr val="accent5">
+                  <a:lumMod val="50000"/>
+                </a:schemeClr>
+              </a:solidFill>
+              <a:effectLst/>
+              <a:latin typeface="Bahnschrift Condensed" panose="020B0502040204020203" pitchFamily="34" charset="0"/>
+            </a:endParaRPr>
           </a:p>
           <a:p>
             <a:pPr algn="l">
@@ -11048,6 +11728,15 @@
               </a:rPr>
               <a:t>Prevalent Hyp: whether or not the patient was hypertensive (Nominal)</a:t>
             </a:r>
+            <a:endParaRPr lang="en-US" sz="1200" b="0" i="0" dirty="0">
+              <a:solidFill>
+                <a:schemeClr val="accent5">
+                  <a:lumMod val="50000"/>
+                </a:schemeClr>
+              </a:solidFill>
+              <a:effectLst/>
+              <a:latin typeface="Bahnschrift Condensed" panose="020B0502040204020203" pitchFamily="34" charset="0"/>
+            </a:endParaRPr>
           </a:p>
           <a:p>
             <a:pPr algn="l">
@@ -11066,6 +11755,15 @@
               </a:rPr>
               <a:t>Diabetes: whether or not the patient had diabetes (Nominal) Medical(current)</a:t>
             </a:r>
+            <a:endParaRPr lang="en-US" sz="1200" b="0" i="0" dirty="0">
+              <a:solidFill>
+                <a:schemeClr val="accent5">
+                  <a:lumMod val="50000"/>
+                </a:schemeClr>
+              </a:solidFill>
+              <a:effectLst/>
+              <a:latin typeface="Bahnschrift Condensed" panose="020B0502040204020203" pitchFamily="34" charset="0"/>
+            </a:endParaRPr>
           </a:p>
           <a:p>
             <a:pPr algn="l">
@@ -11084,6 +11782,15 @@
               </a:rPr>
               <a:t>Tot Chol: total cholesterol level (Continuous)</a:t>
             </a:r>
+            <a:endParaRPr lang="en-US" sz="1200" b="0" i="0" dirty="0">
+              <a:solidFill>
+                <a:schemeClr val="accent5">
+                  <a:lumMod val="50000"/>
+                </a:schemeClr>
+              </a:solidFill>
+              <a:effectLst/>
+              <a:latin typeface="Bahnschrift Condensed" panose="020B0502040204020203" pitchFamily="34" charset="0"/>
+            </a:endParaRPr>
           </a:p>
           <a:p>
             <a:pPr algn="l">
@@ -11102,6 +11809,15 @@
               </a:rPr>
               <a:t>Sys BP: systolic blood pressure (Continuous)</a:t>
             </a:r>
+            <a:endParaRPr lang="en-US" sz="1200" b="0" i="0" dirty="0">
+              <a:solidFill>
+                <a:schemeClr val="accent5">
+                  <a:lumMod val="50000"/>
+                </a:schemeClr>
+              </a:solidFill>
+              <a:effectLst/>
+              <a:latin typeface="Bahnschrift Condensed" panose="020B0502040204020203" pitchFamily="34" charset="0"/>
+            </a:endParaRPr>
           </a:p>
           <a:p>
             <a:pPr algn="l">
@@ -11120,6 +11836,15 @@
               </a:rPr>
               <a:t>Dia BP: diastolic blood pressure (Continuous)</a:t>
             </a:r>
+            <a:endParaRPr lang="en-US" sz="1200" b="0" i="0" dirty="0">
+              <a:solidFill>
+                <a:schemeClr val="accent5">
+                  <a:lumMod val="50000"/>
+                </a:schemeClr>
+              </a:solidFill>
+              <a:effectLst/>
+              <a:latin typeface="Bahnschrift Condensed" panose="020B0502040204020203" pitchFamily="34" charset="0"/>
+            </a:endParaRPr>
           </a:p>
           <a:p>
             <a:pPr algn="l">
@@ -11138,6 +11863,15 @@
               </a:rPr>
               <a:t>BMI: Body Mass Index (Continuous)</a:t>
             </a:r>
+            <a:endParaRPr lang="en-US" sz="1200" b="0" i="0" dirty="0">
+              <a:solidFill>
+                <a:schemeClr val="accent5">
+                  <a:lumMod val="50000"/>
+                </a:schemeClr>
+              </a:solidFill>
+              <a:effectLst/>
+              <a:latin typeface="Bahnschrift Condensed" panose="020B0502040204020203" pitchFamily="34" charset="0"/>
+            </a:endParaRPr>
           </a:p>
           <a:p>
             <a:pPr algn="l">
@@ -11156,6 +11890,15 @@
               </a:rPr>
               <a:t>Heart Rate: heart rate (Continuous - In medical research, variables such as heart rate though in fact discrete, yet are considered continuous because of large number of possible values.)</a:t>
             </a:r>
+            <a:endParaRPr lang="en-US" sz="1200" b="0" i="0" dirty="0">
+              <a:solidFill>
+                <a:schemeClr val="accent5">
+                  <a:lumMod val="50000"/>
+                </a:schemeClr>
+              </a:solidFill>
+              <a:effectLst/>
+              <a:latin typeface="Bahnschrift Condensed" panose="020B0502040204020203" pitchFamily="34" charset="0"/>
+            </a:endParaRPr>
           </a:p>
           <a:p>
             <a:pPr algn="l">
@@ -11174,6 +11917,15 @@
               </a:rPr>
               <a:t>Glucose: glucose level (Continuous) Predict variable (desired target)</a:t>
             </a:r>
+            <a:endParaRPr lang="en-US" sz="1200" b="0" i="0" dirty="0">
+              <a:solidFill>
+                <a:schemeClr val="accent5">
+                  <a:lumMod val="50000"/>
+                </a:schemeClr>
+              </a:solidFill>
+              <a:effectLst/>
+              <a:latin typeface="Bahnschrift Condensed" panose="020B0502040204020203" pitchFamily="34" charset="0"/>
+            </a:endParaRPr>
           </a:p>
           <a:p>
             <a:pPr algn="l">
@@ -11192,6 +11944,15 @@
               </a:rPr>
               <a:t>10-year risk of coronary heart disease CHD(binary: “1”, means “Yes”, “0” means “No”) - DV</a:t>
             </a:r>
+            <a:endParaRPr lang="en-US" sz="1200" b="0" i="0" dirty="0">
+              <a:solidFill>
+                <a:schemeClr val="accent5">
+                  <a:lumMod val="50000"/>
+                </a:schemeClr>
+              </a:solidFill>
+              <a:effectLst/>
+              <a:latin typeface="Bahnschrift Condensed" panose="020B0502040204020203" pitchFamily="34" charset="0"/>
+            </a:endParaRPr>
           </a:p>
           <a:p>
             <a:endParaRPr lang="en-US" sz="1000" dirty="0"/>
@@ -11199,11 +11960,6 @@
         </p:txBody>
       </p:sp>
     </p:spTree>
-    <p:extLst>
-      <p:ext uri="{BB962C8B-B14F-4D97-AF65-F5344CB8AC3E}">
-        <p14:creationId xmlns:p14="http://schemas.microsoft.com/office/powerpoint/2010/main" val="731845347"/>
-      </p:ext>
-    </p:extLst>
   </p:cSld>
   <p:clrMapOvr>
     <a:masterClrMapping/>
@@ -11230,13 +11986,7 @@
       </p:grpSpPr>
       <p:sp>
         <p:nvSpPr>
-          <p:cNvPr id="2" name="Title 1">
-            <a:extLst>
-              <a:ext uri="{FF2B5EF4-FFF2-40B4-BE49-F238E27FC236}">
-                <a16:creationId xmlns:a16="http://schemas.microsoft.com/office/drawing/2014/main" id="{ABDA99CC-7936-47BB-B9A0-477768E74A5A}"/>
-              </a:ext>
-            </a:extLst>
-          </p:cNvPr>
+          <p:cNvPr id="2" name="Title 1"/>
           <p:cNvSpPr>
             <a:spLocks noGrp="1"/>
           </p:cNvSpPr>
@@ -11260,25 +12010,22 @@
               </a:rPr>
               <a:t>Missing Values &amp; After filling NaN Values </a:t>
             </a:r>
+            <a:endParaRPr lang="en-US" sz="2800" dirty="0">
+              <a:latin typeface="Copperplate Gothic Bold" panose="020E0705020206020404" pitchFamily="34" charset="0"/>
+            </a:endParaRPr>
           </a:p>
         </p:txBody>
       </p:sp>
       <p:pic>
         <p:nvPicPr>
-          <p:cNvPr id="8" name="Picture 7">
-            <a:extLst>
-              <a:ext uri="{FF2B5EF4-FFF2-40B4-BE49-F238E27FC236}">
-                <a16:creationId xmlns:a16="http://schemas.microsoft.com/office/drawing/2014/main" id="{A0513EBE-EC28-46B0-8874-17570ADE67CA}"/>
-              </a:ext>
-            </a:extLst>
-          </p:cNvPr>
+          <p:cNvPr id="8" name="Picture 7"/>
           <p:cNvPicPr>
             <a:picLocks noChangeAspect="1"/>
           </p:cNvPicPr>
           <p:nvPr/>
         </p:nvPicPr>
         <p:blipFill>
-          <a:blip r:embed="rId2"/>
+          <a:blip r:embed="rId1"/>
           <a:stretch>
             <a:fillRect/>
           </a:stretch>
@@ -11295,20 +12042,14 @@
       </p:pic>
       <p:pic>
         <p:nvPicPr>
-          <p:cNvPr id="10" name="Picture 9">
-            <a:extLst>
-              <a:ext uri="{FF2B5EF4-FFF2-40B4-BE49-F238E27FC236}">
-                <a16:creationId xmlns:a16="http://schemas.microsoft.com/office/drawing/2014/main" id="{C069AA90-5DC0-45BF-8393-2BAB860E74C2}"/>
-              </a:ext>
-            </a:extLst>
-          </p:cNvPr>
+          <p:cNvPr id="10" name="Picture 9"/>
           <p:cNvPicPr>
             <a:picLocks noChangeAspect="1"/>
           </p:cNvPicPr>
           <p:nvPr/>
         </p:nvPicPr>
         <p:blipFill>
-          <a:blip r:embed="rId3"/>
+          <a:blip r:embed="rId2"/>
           <a:stretch>
             <a:fillRect/>
           </a:stretch>
@@ -11324,11 +12065,6 @@
         </p:spPr>
       </p:pic>
     </p:spTree>
-    <p:extLst>
-      <p:ext uri="{BB962C8B-B14F-4D97-AF65-F5344CB8AC3E}">
-        <p14:creationId xmlns:p14="http://schemas.microsoft.com/office/powerpoint/2010/main" val="1390881835"/>
-      </p:ext>
-    </p:extLst>
   </p:cSld>
   <p:clrMapOvr>
     <a:masterClrMapping/>
@@ -11355,13 +12091,7 @@
       </p:grpSpPr>
       <p:sp>
         <p:nvSpPr>
-          <p:cNvPr id="2" name="Title 1">
-            <a:extLst>
-              <a:ext uri="{FF2B5EF4-FFF2-40B4-BE49-F238E27FC236}">
-                <a16:creationId xmlns:a16="http://schemas.microsoft.com/office/drawing/2014/main" id="{5D4CD4B5-CBBE-4D61-A4A9-757A8AF65C58}"/>
-              </a:ext>
-            </a:extLst>
-          </p:cNvPr>
+          <p:cNvPr id="2" name="Title 1"/>
           <p:cNvSpPr>
             <a:spLocks noGrp="1"/>
           </p:cNvSpPr>
@@ -11385,25 +12115,22 @@
               </a:rPr>
               <a:t>Correlation between each features</a:t>
             </a:r>
+            <a:endParaRPr lang="en-US" sz="2800" dirty="0">
+              <a:latin typeface="Copperplate Gothic Bold" panose="020E0705020206020404" pitchFamily="34" charset="0"/>
+            </a:endParaRPr>
           </a:p>
         </p:txBody>
       </p:sp>
       <p:pic>
         <p:nvPicPr>
-          <p:cNvPr id="4" name="Picture 3">
-            <a:extLst>
-              <a:ext uri="{FF2B5EF4-FFF2-40B4-BE49-F238E27FC236}">
-                <a16:creationId xmlns:a16="http://schemas.microsoft.com/office/drawing/2014/main" id="{971C2A5C-F9B1-41A8-9E82-B15C7620A22C}"/>
-              </a:ext>
-            </a:extLst>
-          </p:cNvPr>
+          <p:cNvPr id="4" name="Picture 3"/>
           <p:cNvPicPr>
             <a:picLocks noChangeAspect="1"/>
           </p:cNvPicPr>
           <p:nvPr/>
         </p:nvPicPr>
         <p:blipFill>
-          <a:blip r:embed="rId2"/>
+          <a:blip r:embed="rId1"/>
           <a:stretch>
             <a:fillRect/>
           </a:stretch>
@@ -11419,11 +12146,6 @@
         </p:spPr>
       </p:pic>
     </p:spTree>
-    <p:extLst>
-      <p:ext uri="{BB962C8B-B14F-4D97-AF65-F5344CB8AC3E}">
-        <p14:creationId xmlns:p14="http://schemas.microsoft.com/office/powerpoint/2010/main" val="2035011072"/>
-      </p:ext>
-    </p:extLst>
   </p:cSld>
   <p:clrMapOvr>
     <a:masterClrMapping/>
@@ -11450,13 +12172,7 @@
       </p:grpSpPr>
       <p:sp>
         <p:nvSpPr>
-          <p:cNvPr id="2" name="Title 1">
-            <a:extLst>
-              <a:ext uri="{FF2B5EF4-FFF2-40B4-BE49-F238E27FC236}">
-                <a16:creationId xmlns:a16="http://schemas.microsoft.com/office/drawing/2014/main" id="{95DCDBAE-C124-4FE1-A321-810EED02F80A}"/>
-              </a:ext>
-            </a:extLst>
-          </p:cNvPr>
+          <p:cNvPr id="2" name="Title 1"/>
           <p:cNvSpPr>
             <a:spLocks noGrp="1"/>
           </p:cNvSpPr>
@@ -11488,20 +12204,14 @@
       </p:sp>
       <p:pic>
         <p:nvPicPr>
-          <p:cNvPr id="4" name="Picture 3">
-            <a:extLst>
-              <a:ext uri="{FF2B5EF4-FFF2-40B4-BE49-F238E27FC236}">
-                <a16:creationId xmlns:a16="http://schemas.microsoft.com/office/drawing/2014/main" id="{8AD9824B-310C-4B84-901C-98F2DFA64586}"/>
-              </a:ext>
-            </a:extLst>
-          </p:cNvPr>
+          <p:cNvPr id="4" name="Picture 3"/>
           <p:cNvPicPr>
             <a:picLocks noChangeAspect="1"/>
           </p:cNvPicPr>
           <p:nvPr/>
         </p:nvPicPr>
         <p:blipFill>
-          <a:blip r:embed="rId2"/>
+          <a:blip r:embed="rId1"/>
           <a:stretch>
             <a:fillRect/>
           </a:stretch>
@@ -11517,11 +12227,6 @@
         </p:spPr>
       </p:pic>
     </p:spTree>
-    <p:extLst>
-      <p:ext uri="{BB962C8B-B14F-4D97-AF65-F5344CB8AC3E}">
-        <p14:creationId xmlns:p14="http://schemas.microsoft.com/office/powerpoint/2010/main" val="120166702"/>
-      </p:ext>
-    </p:extLst>
   </p:cSld>
   <p:clrMapOvr>
     <a:masterClrMapping/>
@@ -11548,13 +12253,7 @@
       </p:grpSpPr>
       <p:sp>
         <p:nvSpPr>
-          <p:cNvPr id="2" name="Title 1">
-            <a:extLst>
-              <a:ext uri="{FF2B5EF4-FFF2-40B4-BE49-F238E27FC236}">
-                <a16:creationId xmlns:a16="http://schemas.microsoft.com/office/drawing/2014/main" id="{3983AC5F-2B25-487B-A1C1-E383E657A36A}"/>
-              </a:ext>
-            </a:extLst>
-          </p:cNvPr>
+          <p:cNvPr id="2" name="Title 1"/>
           <p:cNvSpPr>
             <a:spLocks noGrp="1"/>
           </p:cNvSpPr>
@@ -11578,25 +12277,22 @@
               </a:rPr>
               <a:t>Which Sex is more prone to CHD ?</a:t>
             </a:r>
+            <a:endParaRPr lang="en-US" sz="2800" dirty="0">
+              <a:latin typeface="Copperplate Gothic Bold" panose="020E0705020206020404" pitchFamily="34" charset="0"/>
+            </a:endParaRPr>
           </a:p>
         </p:txBody>
       </p:sp>
       <p:pic>
         <p:nvPicPr>
-          <p:cNvPr id="4" name="Picture 3">
-            <a:extLst>
-              <a:ext uri="{FF2B5EF4-FFF2-40B4-BE49-F238E27FC236}">
-                <a16:creationId xmlns:a16="http://schemas.microsoft.com/office/drawing/2014/main" id="{C5324C1E-912D-42C5-AD6F-D03EAA041FB1}"/>
-              </a:ext>
-            </a:extLst>
-          </p:cNvPr>
+          <p:cNvPr id="4" name="Picture 3"/>
           <p:cNvPicPr>
             <a:picLocks noChangeAspect="1"/>
           </p:cNvPicPr>
           <p:nvPr/>
         </p:nvPicPr>
         <p:blipFill>
-          <a:blip r:embed="rId2"/>
+          <a:blip r:embed="rId1"/>
           <a:stretch>
             <a:fillRect/>
           </a:stretch>
@@ -11612,11 +12308,6 @@
         </p:spPr>
       </p:pic>
     </p:spTree>
-    <p:extLst>
-      <p:ext uri="{BB962C8B-B14F-4D97-AF65-F5344CB8AC3E}">
-        <p14:creationId xmlns:p14="http://schemas.microsoft.com/office/powerpoint/2010/main" val="3768165158"/>
-      </p:ext>
-    </p:extLst>
   </p:cSld>
   <p:clrMapOvr>
     <a:masterClrMapping/>
@@ -11643,13 +12334,7 @@
       </p:grpSpPr>
       <p:sp>
         <p:nvSpPr>
-          <p:cNvPr id="2" name="Title 1">
-            <a:extLst>
-              <a:ext uri="{FF2B5EF4-FFF2-40B4-BE49-F238E27FC236}">
-                <a16:creationId xmlns:a16="http://schemas.microsoft.com/office/drawing/2014/main" id="{7EC6C640-7411-41D4-BD6B-A262084C58FA}"/>
-              </a:ext>
-            </a:extLst>
-          </p:cNvPr>
+          <p:cNvPr id="2" name="Title 1"/>
           <p:cNvSpPr>
             <a:spLocks noGrp="1"/>
           </p:cNvSpPr>
@@ -11673,25 +12358,22 @@
               </a:rPr>
               <a:t>Are diabetic patients at more risk of chd ?</a:t>
             </a:r>
+            <a:endParaRPr lang="en-US" sz="2800" dirty="0">
+              <a:latin typeface="Copperplate Gothic Bold" panose="020E0705020206020404" pitchFamily="34" charset="0"/>
+            </a:endParaRPr>
           </a:p>
         </p:txBody>
       </p:sp>
       <p:pic>
         <p:nvPicPr>
-          <p:cNvPr id="4" name="Picture 3">
-            <a:extLst>
-              <a:ext uri="{FF2B5EF4-FFF2-40B4-BE49-F238E27FC236}">
-                <a16:creationId xmlns:a16="http://schemas.microsoft.com/office/drawing/2014/main" id="{E4EE9115-44CB-4B2F-A742-B9CD310B768F}"/>
-              </a:ext>
-            </a:extLst>
-          </p:cNvPr>
+          <p:cNvPr id="4" name="Picture 3"/>
           <p:cNvPicPr>
             <a:picLocks noChangeAspect="1"/>
           </p:cNvPicPr>
           <p:nvPr/>
         </p:nvPicPr>
         <p:blipFill>
-          <a:blip r:embed="rId2"/>
+          <a:blip r:embed="rId1"/>
           <a:stretch>
             <a:fillRect/>
           </a:stretch>
@@ -11707,11 +12389,6 @@
         </p:spPr>
       </p:pic>
     </p:spTree>
-    <p:extLst>
-      <p:ext uri="{BB962C8B-B14F-4D97-AF65-F5344CB8AC3E}">
-        <p14:creationId xmlns:p14="http://schemas.microsoft.com/office/powerpoint/2010/main" val="1097725734"/>
-      </p:ext>
-    </p:extLst>
   </p:cSld>
   <p:clrMapOvr>
     <a:masterClrMapping/>
@@ -11995,8 +12672,11 @@
       </a:bgFillStyleLst>
     </a:fmtScheme>
   </a:themeElements>
-  <a:objectDefaults/>
-  <a:extraClrSchemeLst/>
+  <a:extLst>
+    <a:ext uri="{05A4C25C-085E-4340-85A3-A5531E510DB2}">
+      <thm15:themeFamily xmlns:thm15="http://schemas.microsoft.com/office/thememl/2012/main" name="Office Theme" id="{62F939B6-93AF-4DB8-9C6B-D6C7DFDC589F}" vid="{4A3C46E8-61CC-4603-A589-7422A47A8E4A}"/>
+    </a:ext>
+  </a:extLst>
 </a:theme>
 </file>
 
@@ -12276,7 +12956,10 @@
       </a:bgFillStyleLst>
     </a:fmtScheme>
   </a:themeElements>
-  <a:objectDefaults/>
-  <a:extraClrSchemeLst/>
+  <a:extLst>
+    <a:ext uri="{05A4C25C-085E-4340-85A3-A5531E510DB2}">
+      <thm15:themeFamily xmlns:thm15="http://schemas.microsoft.com/office/thememl/2012/main" name="Office Theme" id="{62F939B6-93AF-4DB8-9C6B-D6C7DFDC589F}" vid="{4A3C46E8-61CC-4603-A589-7422A47A8E4A}"/>
+    </a:ext>
+  </a:extLst>
 </a:theme>
 </file>